--- a/Documents/Poster.pptx
+++ b/Documents/Poster.pptx
@@ -3567,7 +3567,7 @@
                   </a:schemeClr>
                 </a:solidFill>
               </a:rPr>
-              <a:t>Evaluation Criteria</a:t>
+              <a:t>Next Steps</a:t>
             </a:r>
           </a:p>
         </p:txBody>
@@ -4188,7 +4188,7 @@
                   </a:schemeClr>
                 </a:solidFill>
               </a:rPr>
-              <a:t>Expected Results</a:t>
+              <a:t>Preliminary Results</a:t>
             </a:r>
           </a:p>
         </p:txBody>
@@ -4741,7 +4741,7 @@
                   </a:schemeClr>
                 </a:solidFill>
               </a:rPr>
-              <a:t>Objectives</a:t>
+              <a:t>Challenges</a:t>
             </a:r>
           </a:p>
         </p:txBody>

--- a/Documents/Poster.pptx
+++ b/Documents/Poster.pptx
@@ -208,7 +208,7 @@
           <a:p>
             <a:fld id="{6940945F-55B0-F94F-B3BA-04ED3CDD4315}" type="datetimeFigureOut">
               <a:rPr lang="en-US" smtClean="0"/>
-              <a:t>2/21/18</a:t>
+              <a:t>2/24/2018</a:t>
             </a:fld>
             <a:endParaRPr lang="en-US"/>
           </a:p>
@@ -1201,6 +1201,16 @@
                 <a:spcPts val="2880"/>
               </a:spcAft>
             </a:pPr>
+            <a:r>
+              <a:rPr lang="en-US" sz="5280" dirty="0">
+                <a:solidFill>
+                  <a:srgbClr val="7F7F7F"/>
+                </a:solidFill>
+                <a:latin typeface="Calibri" pitchFamily="34" charset="0"/>
+                <a:cs typeface="Calibri" panose="020F0502020204030204" pitchFamily="34" charset="0"/>
+              </a:rPr>
+              <a:t/>
+            </a:r>
             <a:br>
               <a:rPr lang="en-US" sz="5280" dirty="0">
                 <a:solidFill>
@@ -1900,6 +1910,18 @@
                   <a:spcPts val="2160"/>
                 </a:spcAft>
               </a:pPr>
+              <a:r>
+                <a:rPr lang="en-US" sz="5280" dirty="0">
+                  <a:solidFill>
+                    <a:schemeClr val="bg1">
+                      <a:lumMod val="50000"/>
+                    </a:schemeClr>
+                  </a:solidFill>
+                  <a:latin typeface="Calibri" pitchFamily="34" charset="0"/>
+                  <a:cs typeface="Calibri" panose="020F0502020204030204" pitchFamily="34" charset="0"/>
+                </a:rPr>
+                <a:t/>
+              </a:r>
               <a:br>
                 <a:rPr lang="en-US" sz="5280" dirty="0">
                   <a:solidFill>
@@ -2077,7 +2099,7 @@
           <a:p>
             <a:fld id="{985D6BDF-9D0E-4E2B-85B8-D8F4790360C9}" type="datetimeFigureOut">
               <a:rPr lang="en-US" smtClean="0"/>
-              <a:t>2/21/18</a:t>
+              <a:t>2/24/2018</a:t>
             </a:fld>
             <a:endParaRPr lang="en-US" dirty="0"/>
           </a:p>
@@ -2288,7 +2310,7 @@
           <a:p>
             <a:fld id="{985D6BDF-9D0E-4E2B-85B8-D8F4790360C9}" type="datetimeFigureOut">
               <a:rPr lang="en-US" smtClean="0"/>
-              <a:t>2/21/18</a:t>
+              <a:t>2/24/2018</a:t>
             </a:fld>
             <a:endParaRPr lang="en-US" dirty="0"/>
           </a:p>
@@ -2656,6 +2678,615 @@
       </p:grpSpPr>
       <p:sp>
         <p:nvSpPr>
+          <p:cNvPr id="27" name="Text Box 189">
+            <a:extLst>
+              <a:ext uri="{FF2B5EF4-FFF2-40B4-BE49-F238E27FC236}">
+                <a16:creationId xmlns:a16="http://schemas.microsoft.com/office/drawing/2014/main" xmlns="" id="{7BAA2B14-9BFC-3A4B-8E59-15F10C94780C}"/>
+              </a:ext>
+            </a:extLst>
+          </p:cNvPr>
+          <p:cNvSpPr txBox="1">
+            <a:spLocks noChangeArrowheads="1"/>
+          </p:cNvSpPr>
+          <p:nvPr/>
+        </p:nvSpPr>
+        <p:spPr bwMode="auto">
+          <a:xfrm>
+            <a:off x="1755647" y="14188440"/>
+            <a:ext cx="14313407" cy="19232957"/>
+          </a:xfrm>
+          <a:prstGeom prst="rect">
+            <a:avLst/>
+          </a:prstGeom>
+          <a:solidFill>
+            <a:schemeClr val="bg1"/>
+          </a:solidFill>
+          <a:ln w="12700">
+            <a:solidFill>
+              <a:schemeClr val="accent1">
+                <a:lumMod val="75000"/>
+              </a:schemeClr>
+            </a:solidFill>
+          </a:ln>
+          <a:effectLst/>
+        </p:spPr>
+        <p:txBody>
+          <a:bodyPr wrap="square" lIns="219456" tIns="219456" rIns="219456" bIns="219456">
+            <a:spAutoFit/>
+          </a:bodyPr>
+          <a:lstStyle>
+            <a:lvl1pPr eaLnBrk="0" hangingPunct="0">
+              <a:defRPr sz="2200">
+                <a:solidFill>
+                  <a:schemeClr val="tx1"/>
+                </a:solidFill>
+                <a:latin typeface="Arial" charset="0"/>
+              </a:defRPr>
+            </a:lvl1pPr>
+            <a:lvl2pPr marL="742950" indent="-285750" eaLnBrk="0" hangingPunct="0">
+              <a:defRPr sz="2200">
+                <a:solidFill>
+                  <a:schemeClr val="tx1"/>
+                </a:solidFill>
+                <a:latin typeface="Arial" charset="0"/>
+              </a:defRPr>
+            </a:lvl2pPr>
+            <a:lvl3pPr marL="1143000" indent="-228600" eaLnBrk="0" hangingPunct="0">
+              <a:defRPr sz="2200">
+                <a:solidFill>
+                  <a:schemeClr val="tx1"/>
+                </a:solidFill>
+                <a:latin typeface="Arial" charset="0"/>
+              </a:defRPr>
+            </a:lvl3pPr>
+            <a:lvl4pPr marL="1600200" indent="-228600" eaLnBrk="0" hangingPunct="0">
+              <a:defRPr sz="2200">
+                <a:solidFill>
+                  <a:schemeClr val="tx1"/>
+                </a:solidFill>
+                <a:latin typeface="Arial" charset="0"/>
+              </a:defRPr>
+            </a:lvl4pPr>
+            <a:lvl5pPr marL="2057400" indent="-228600" eaLnBrk="0" hangingPunct="0">
+              <a:defRPr sz="2200">
+                <a:solidFill>
+                  <a:schemeClr val="tx1"/>
+                </a:solidFill>
+                <a:latin typeface="Arial" charset="0"/>
+              </a:defRPr>
+            </a:lvl5pPr>
+            <a:lvl6pPr marL="2514600" indent="-228600" eaLnBrk="0" fontAlgn="base" hangingPunct="0">
+              <a:spcBef>
+                <a:spcPct val="0"/>
+              </a:spcBef>
+              <a:spcAft>
+                <a:spcPct val="0"/>
+              </a:spcAft>
+              <a:defRPr sz="2200">
+                <a:solidFill>
+                  <a:schemeClr val="tx1"/>
+                </a:solidFill>
+                <a:latin typeface="Arial" charset="0"/>
+              </a:defRPr>
+            </a:lvl6pPr>
+            <a:lvl7pPr marL="2971800" indent="-228600" eaLnBrk="0" fontAlgn="base" hangingPunct="0">
+              <a:spcBef>
+                <a:spcPct val="0"/>
+              </a:spcBef>
+              <a:spcAft>
+                <a:spcPct val="0"/>
+              </a:spcAft>
+              <a:defRPr sz="2200">
+                <a:solidFill>
+                  <a:schemeClr val="tx1"/>
+                </a:solidFill>
+                <a:latin typeface="Arial" charset="0"/>
+              </a:defRPr>
+            </a:lvl7pPr>
+            <a:lvl8pPr marL="3429000" indent="-228600" eaLnBrk="0" fontAlgn="base" hangingPunct="0">
+              <a:spcBef>
+                <a:spcPct val="0"/>
+              </a:spcBef>
+              <a:spcAft>
+                <a:spcPct val="0"/>
+              </a:spcAft>
+              <a:defRPr sz="2200">
+                <a:solidFill>
+                  <a:schemeClr val="tx1"/>
+                </a:solidFill>
+                <a:latin typeface="Arial" charset="0"/>
+              </a:defRPr>
+            </a:lvl8pPr>
+            <a:lvl9pPr marL="3886200" indent="-228600" eaLnBrk="0" fontAlgn="base" hangingPunct="0">
+              <a:spcBef>
+                <a:spcPct val="0"/>
+              </a:spcBef>
+              <a:spcAft>
+                <a:spcPct val="0"/>
+              </a:spcAft>
+              <a:defRPr sz="2200">
+                <a:solidFill>
+                  <a:schemeClr val="tx1"/>
+                </a:solidFill>
+                <a:latin typeface="Arial" charset="0"/>
+              </a:defRPr>
+            </a:lvl9pPr>
+          </a:lstStyle>
+          <a:p>
+            <a:pPr eaLnBrk="1" hangingPunct="1"/>
+            <a:endParaRPr lang="en-US" sz="3300" dirty="0" smtClean="0">
+              <a:latin typeface="Calibri" pitchFamily="34" charset="0"/>
+            </a:endParaRPr>
+          </a:p>
+          <a:p>
+            <a:pPr eaLnBrk="1" hangingPunct="1"/>
+            <a:endParaRPr lang="en-US" sz="3300" dirty="0">
+              <a:latin typeface="Calibri" pitchFamily="34" charset="0"/>
+            </a:endParaRPr>
+          </a:p>
+          <a:p>
+            <a:pPr eaLnBrk="1" hangingPunct="1"/>
+            <a:endParaRPr lang="en-US" sz="3300" dirty="0" smtClean="0">
+              <a:latin typeface="Calibri" pitchFamily="34" charset="0"/>
+            </a:endParaRPr>
+          </a:p>
+          <a:p>
+            <a:pPr eaLnBrk="1" hangingPunct="1"/>
+            <a:endParaRPr lang="en-US" sz="3300" dirty="0">
+              <a:latin typeface="Calibri" pitchFamily="34" charset="0"/>
+            </a:endParaRPr>
+          </a:p>
+          <a:p>
+            <a:pPr eaLnBrk="1" hangingPunct="1"/>
+            <a:endParaRPr lang="en-US" sz="3300" dirty="0" smtClean="0">
+              <a:latin typeface="Calibri" pitchFamily="34" charset="0"/>
+            </a:endParaRPr>
+          </a:p>
+          <a:p>
+            <a:pPr eaLnBrk="1" hangingPunct="1"/>
+            <a:endParaRPr lang="en-US" sz="3300" dirty="0">
+              <a:latin typeface="Calibri" pitchFamily="34" charset="0"/>
+            </a:endParaRPr>
+          </a:p>
+          <a:p>
+            <a:pPr eaLnBrk="1" hangingPunct="1"/>
+            <a:endParaRPr lang="en-US" sz="3300" dirty="0" smtClean="0">
+              <a:latin typeface="Calibri" pitchFamily="34" charset="0"/>
+            </a:endParaRPr>
+          </a:p>
+          <a:p>
+            <a:pPr eaLnBrk="1" hangingPunct="1"/>
+            <a:endParaRPr lang="en-US" sz="3300" dirty="0">
+              <a:latin typeface="Calibri" pitchFamily="34" charset="0"/>
+            </a:endParaRPr>
+          </a:p>
+          <a:p>
+            <a:pPr eaLnBrk="1" hangingPunct="1"/>
+            <a:endParaRPr lang="en-US" sz="3300" dirty="0" smtClean="0">
+              <a:latin typeface="Calibri" pitchFamily="34" charset="0"/>
+            </a:endParaRPr>
+          </a:p>
+          <a:p>
+            <a:pPr eaLnBrk="1" hangingPunct="1"/>
+            <a:endParaRPr lang="en-US" sz="3300" dirty="0">
+              <a:latin typeface="Calibri" pitchFamily="34" charset="0"/>
+            </a:endParaRPr>
+          </a:p>
+          <a:p>
+            <a:pPr eaLnBrk="1" hangingPunct="1"/>
+            <a:endParaRPr lang="en-US" sz="3300" dirty="0" smtClean="0">
+              <a:latin typeface="Calibri" pitchFamily="34" charset="0"/>
+            </a:endParaRPr>
+          </a:p>
+          <a:p>
+            <a:pPr eaLnBrk="1" hangingPunct="1"/>
+            <a:endParaRPr lang="en-US" sz="3300" dirty="0">
+              <a:latin typeface="Calibri" pitchFamily="34" charset="0"/>
+            </a:endParaRPr>
+          </a:p>
+          <a:p>
+            <a:pPr eaLnBrk="1" hangingPunct="1"/>
+            <a:endParaRPr lang="en-US" sz="3300" dirty="0" smtClean="0">
+              <a:latin typeface="Calibri" pitchFamily="34" charset="0"/>
+            </a:endParaRPr>
+          </a:p>
+          <a:p>
+            <a:pPr eaLnBrk="1" hangingPunct="1"/>
+            <a:endParaRPr lang="en-US" sz="3300" dirty="0">
+              <a:latin typeface="Calibri" pitchFamily="34" charset="0"/>
+            </a:endParaRPr>
+          </a:p>
+          <a:p>
+            <a:pPr eaLnBrk="1" hangingPunct="1"/>
+            <a:endParaRPr lang="en-US" sz="3300" dirty="0" smtClean="0">
+              <a:latin typeface="Calibri" pitchFamily="34" charset="0"/>
+            </a:endParaRPr>
+          </a:p>
+          <a:p>
+            <a:pPr eaLnBrk="1" hangingPunct="1"/>
+            <a:endParaRPr lang="en-US" sz="3300" dirty="0">
+              <a:latin typeface="Calibri" pitchFamily="34" charset="0"/>
+            </a:endParaRPr>
+          </a:p>
+          <a:p>
+            <a:pPr eaLnBrk="1" hangingPunct="1"/>
+            <a:endParaRPr lang="en-US" sz="3300" dirty="0" smtClean="0">
+              <a:latin typeface="Calibri" pitchFamily="34" charset="0"/>
+            </a:endParaRPr>
+          </a:p>
+          <a:p>
+            <a:pPr eaLnBrk="1" hangingPunct="1"/>
+            <a:endParaRPr lang="en-US" sz="3300" dirty="0">
+              <a:latin typeface="Calibri" pitchFamily="34" charset="0"/>
+            </a:endParaRPr>
+          </a:p>
+          <a:p>
+            <a:pPr eaLnBrk="1" hangingPunct="1"/>
+            <a:endParaRPr lang="en-US" sz="3300" dirty="0" smtClean="0">
+              <a:latin typeface="Calibri" pitchFamily="34" charset="0"/>
+            </a:endParaRPr>
+          </a:p>
+          <a:p>
+            <a:pPr eaLnBrk="1" hangingPunct="1"/>
+            <a:endParaRPr lang="en-US" sz="3300" dirty="0">
+              <a:latin typeface="Calibri" pitchFamily="34" charset="0"/>
+            </a:endParaRPr>
+          </a:p>
+          <a:p>
+            <a:pPr eaLnBrk="1" hangingPunct="1"/>
+            <a:endParaRPr lang="en-US" sz="3300" dirty="0" smtClean="0">
+              <a:latin typeface="Calibri" pitchFamily="34" charset="0"/>
+            </a:endParaRPr>
+          </a:p>
+          <a:p>
+            <a:pPr eaLnBrk="1" hangingPunct="1"/>
+            <a:endParaRPr lang="en-US" sz="3300" dirty="0">
+              <a:latin typeface="Calibri" pitchFamily="34" charset="0"/>
+            </a:endParaRPr>
+          </a:p>
+          <a:p>
+            <a:pPr eaLnBrk="1" hangingPunct="1"/>
+            <a:endParaRPr lang="en-US" sz="3300" dirty="0" smtClean="0">
+              <a:latin typeface="Calibri" pitchFamily="34" charset="0"/>
+            </a:endParaRPr>
+          </a:p>
+          <a:p>
+            <a:pPr eaLnBrk="1" hangingPunct="1"/>
+            <a:endParaRPr lang="en-US" sz="3300" dirty="0">
+              <a:latin typeface="Calibri" pitchFamily="34" charset="0"/>
+            </a:endParaRPr>
+          </a:p>
+          <a:p>
+            <a:pPr eaLnBrk="1" hangingPunct="1"/>
+            <a:endParaRPr lang="en-US" sz="3300" dirty="0" smtClean="0">
+              <a:latin typeface="Calibri" pitchFamily="34" charset="0"/>
+            </a:endParaRPr>
+          </a:p>
+          <a:p>
+            <a:pPr eaLnBrk="1" hangingPunct="1"/>
+            <a:endParaRPr lang="en-US" sz="3300" dirty="0">
+              <a:latin typeface="Calibri" pitchFamily="34" charset="0"/>
+            </a:endParaRPr>
+          </a:p>
+          <a:p>
+            <a:pPr eaLnBrk="1" hangingPunct="1"/>
+            <a:endParaRPr lang="en-US" sz="3300" dirty="0" smtClean="0">
+              <a:latin typeface="Calibri" pitchFamily="34" charset="0"/>
+            </a:endParaRPr>
+          </a:p>
+          <a:p>
+            <a:pPr eaLnBrk="1" hangingPunct="1"/>
+            <a:endParaRPr lang="en-US" sz="3300" dirty="0">
+              <a:latin typeface="Calibri" pitchFamily="34" charset="0"/>
+            </a:endParaRPr>
+          </a:p>
+          <a:p>
+            <a:pPr eaLnBrk="1" hangingPunct="1"/>
+            <a:endParaRPr lang="en-US" sz="3300" dirty="0" smtClean="0">
+              <a:latin typeface="Calibri" pitchFamily="34" charset="0"/>
+            </a:endParaRPr>
+          </a:p>
+          <a:p>
+            <a:pPr eaLnBrk="1" hangingPunct="1"/>
+            <a:endParaRPr lang="en-US" sz="3300" dirty="0">
+              <a:latin typeface="Calibri" pitchFamily="34" charset="0"/>
+            </a:endParaRPr>
+          </a:p>
+          <a:p>
+            <a:pPr eaLnBrk="1" hangingPunct="1"/>
+            <a:endParaRPr lang="en-US" sz="3300" dirty="0" smtClean="0">
+              <a:latin typeface="Calibri" pitchFamily="34" charset="0"/>
+            </a:endParaRPr>
+          </a:p>
+          <a:p>
+            <a:pPr eaLnBrk="1" hangingPunct="1"/>
+            <a:endParaRPr lang="en-US" sz="3300" dirty="0">
+              <a:latin typeface="Calibri" pitchFamily="34" charset="0"/>
+            </a:endParaRPr>
+          </a:p>
+          <a:p>
+            <a:pPr eaLnBrk="1" hangingPunct="1"/>
+            <a:endParaRPr lang="en-US" sz="3300" dirty="0" smtClean="0">
+              <a:latin typeface="Calibri" pitchFamily="34" charset="0"/>
+            </a:endParaRPr>
+          </a:p>
+          <a:p>
+            <a:pPr eaLnBrk="1" hangingPunct="1"/>
+            <a:endParaRPr lang="en-US" sz="3300" dirty="0">
+              <a:latin typeface="Calibri" pitchFamily="34" charset="0"/>
+            </a:endParaRPr>
+          </a:p>
+          <a:p>
+            <a:pPr eaLnBrk="1" hangingPunct="1"/>
+            <a:endParaRPr lang="en-US" sz="3300" dirty="0" smtClean="0">
+              <a:latin typeface="Calibri" pitchFamily="34" charset="0"/>
+            </a:endParaRPr>
+          </a:p>
+          <a:p>
+            <a:pPr eaLnBrk="1" hangingPunct="1"/>
+            <a:endParaRPr lang="en-US" sz="3300" dirty="0">
+              <a:latin typeface="Calibri" pitchFamily="34" charset="0"/>
+            </a:endParaRPr>
+          </a:p>
+          <a:p>
+            <a:pPr eaLnBrk="1" hangingPunct="1"/>
+            <a:endParaRPr lang="en-US" sz="3300" dirty="0">
+              <a:latin typeface="Calibri" pitchFamily="34" charset="0"/>
+            </a:endParaRPr>
+          </a:p>
+        </p:txBody>
+      </p:sp>
+      <p:sp>
+        <p:nvSpPr>
+          <p:cNvPr id="61" name="Text Box 189">
+            <a:extLst>
+              <a:ext uri="{FF2B5EF4-FFF2-40B4-BE49-F238E27FC236}">
+                <a16:creationId xmlns:a16="http://schemas.microsoft.com/office/drawing/2014/main" xmlns="" id="{7260B1EC-9F2A-544F-9872-2E4A2404DDF8}"/>
+              </a:ext>
+            </a:extLst>
+          </p:cNvPr>
+          <p:cNvSpPr txBox="1">
+            <a:spLocks noChangeArrowheads="1"/>
+          </p:cNvSpPr>
+          <p:nvPr/>
+        </p:nvSpPr>
+        <p:spPr bwMode="auto">
+          <a:xfrm>
+            <a:off x="16916400" y="5604194"/>
+            <a:ext cx="14322552" cy="9233297"/>
+          </a:xfrm>
+          <a:prstGeom prst="rect">
+            <a:avLst/>
+          </a:prstGeom>
+          <a:solidFill>
+            <a:schemeClr val="bg1"/>
+          </a:solidFill>
+          <a:ln w="12700">
+            <a:solidFill>
+              <a:schemeClr val="accent1">
+                <a:lumMod val="75000"/>
+              </a:schemeClr>
+            </a:solidFill>
+          </a:ln>
+          <a:effectLst/>
+        </p:spPr>
+        <p:txBody>
+          <a:bodyPr wrap="square" lIns="219456" tIns="219456" rIns="219456" bIns="219456">
+            <a:spAutoFit/>
+          </a:bodyPr>
+          <a:lstStyle>
+            <a:lvl1pPr eaLnBrk="0" hangingPunct="0">
+              <a:defRPr sz="2200">
+                <a:solidFill>
+                  <a:schemeClr val="tx1"/>
+                </a:solidFill>
+                <a:latin typeface="Arial" charset="0"/>
+              </a:defRPr>
+            </a:lvl1pPr>
+            <a:lvl2pPr marL="742950" indent="-285750" eaLnBrk="0" hangingPunct="0">
+              <a:defRPr sz="2200">
+                <a:solidFill>
+                  <a:schemeClr val="tx1"/>
+                </a:solidFill>
+                <a:latin typeface="Arial" charset="0"/>
+              </a:defRPr>
+            </a:lvl2pPr>
+            <a:lvl3pPr marL="1143000" indent="-228600" eaLnBrk="0" hangingPunct="0">
+              <a:defRPr sz="2200">
+                <a:solidFill>
+                  <a:schemeClr val="tx1"/>
+                </a:solidFill>
+                <a:latin typeface="Arial" charset="0"/>
+              </a:defRPr>
+            </a:lvl3pPr>
+            <a:lvl4pPr marL="1600200" indent="-228600" eaLnBrk="0" hangingPunct="0">
+              <a:defRPr sz="2200">
+                <a:solidFill>
+                  <a:schemeClr val="tx1"/>
+                </a:solidFill>
+                <a:latin typeface="Arial" charset="0"/>
+              </a:defRPr>
+            </a:lvl4pPr>
+            <a:lvl5pPr marL="2057400" indent="-228600" eaLnBrk="0" hangingPunct="0">
+              <a:defRPr sz="2200">
+                <a:solidFill>
+                  <a:schemeClr val="tx1"/>
+                </a:solidFill>
+                <a:latin typeface="Arial" charset="0"/>
+              </a:defRPr>
+            </a:lvl5pPr>
+            <a:lvl6pPr marL="2514600" indent="-228600" eaLnBrk="0" fontAlgn="base" hangingPunct="0">
+              <a:spcBef>
+                <a:spcPct val="0"/>
+              </a:spcBef>
+              <a:spcAft>
+                <a:spcPct val="0"/>
+              </a:spcAft>
+              <a:defRPr sz="2200">
+                <a:solidFill>
+                  <a:schemeClr val="tx1"/>
+                </a:solidFill>
+                <a:latin typeface="Arial" charset="0"/>
+              </a:defRPr>
+            </a:lvl6pPr>
+            <a:lvl7pPr marL="2971800" indent="-228600" eaLnBrk="0" fontAlgn="base" hangingPunct="0">
+              <a:spcBef>
+                <a:spcPct val="0"/>
+              </a:spcBef>
+              <a:spcAft>
+                <a:spcPct val="0"/>
+              </a:spcAft>
+              <a:defRPr sz="2200">
+                <a:solidFill>
+                  <a:schemeClr val="tx1"/>
+                </a:solidFill>
+                <a:latin typeface="Arial" charset="0"/>
+              </a:defRPr>
+            </a:lvl7pPr>
+            <a:lvl8pPr marL="3429000" indent="-228600" eaLnBrk="0" fontAlgn="base" hangingPunct="0">
+              <a:spcBef>
+                <a:spcPct val="0"/>
+              </a:spcBef>
+              <a:spcAft>
+                <a:spcPct val="0"/>
+              </a:spcAft>
+              <a:defRPr sz="2200">
+                <a:solidFill>
+                  <a:schemeClr val="tx1"/>
+                </a:solidFill>
+                <a:latin typeface="Arial" charset="0"/>
+              </a:defRPr>
+            </a:lvl8pPr>
+            <a:lvl9pPr marL="3886200" indent="-228600" eaLnBrk="0" fontAlgn="base" hangingPunct="0">
+              <a:spcBef>
+                <a:spcPct val="0"/>
+              </a:spcBef>
+              <a:spcAft>
+                <a:spcPct val="0"/>
+              </a:spcAft>
+              <a:defRPr sz="2200">
+                <a:solidFill>
+                  <a:schemeClr val="tx1"/>
+                </a:solidFill>
+                <a:latin typeface="Arial" charset="0"/>
+              </a:defRPr>
+            </a:lvl9pPr>
+          </a:lstStyle>
+          <a:p>
+            <a:pPr marL="457200" indent="-457200" eaLnBrk="1" hangingPunct="1">
+              <a:buFont typeface="Arial" charset="0"/>
+              <a:buChar char="•"/>
+            </a:pPr>
+            <a:endParaRPr lang="en-US" sz="3360" dirty="0" smtClean="0">
+              <a:latin typeface="Calibri" pitchFamily="34" charset="0"/>
+            </a:endParaRPr>
+          </a:p>
+          <a:p>
+            <a:pPr marL="457200" indent="-457200" eaLnBrk="1" hangingPunct="1">
+              <a:buFont typeface="Arial" charset="0"/>
+              <a:buChar char="•"/>
+            </a:pPr>
+            <a:r>
+              <a:rPr lang="en-US" sz="3360" dirty="0" smtClean="0">
+                <a:latin typeface="Calibri" pitchFamily="34" charset="0"/>
+              </a:rPr>
+              <a:t>Definition of Compatibility – Constructing a completely brand-new definition of compatibility based on categories and text recognition</a:t>
+            </a:r>
+          </a:p>
+          <a:p>
+            <a:pPr marL="1200150" lvl="1" indent="-457200" eaLnBrk="1" hangingPunct="1">
+              <a:buFont typeface="Arial" charset="0"/>
+              <a:buChar char="•"/>
+            </a:pPr>
+            <a:r>
+              <a:rPr lang="en-US" sz="3360" dirty="0" smtClean="0">
+                <a:latin typeface="Calibri" pitchFamily="34" charset="0"/>
+              </a:rPr>
+              <a:t>Utilizing Google Cloud Natural Language platform</a:t>
+            </a:r>
+          </a:p>
+          <a:p>
+            <a:pPr marL="1200150" lvl="1" indent="-457200" eaLnBrk="1" hangingPunct="1">
+              <a:buFont typeface="Arial" charset="0"/>
+              <a:buChar char="•"/>
+            </a:pPr>
+            <a:r>
+              <a:rPr lang="en-US" sz="3360" dirty="0" smtClean="0">
+                <a:latin typeface="Calibri" pitchFamily="34" charset="0"/>
+              </a:rPr>
+              <a:t>Creating own model with compatibility-based relationship mappings</a:t>
+            </a:r>
+          </a:p>
+          <a:p>
+            <a:pPr lvl="1" indent="0" eaLnBrk="1" hangingPunct="1"/>
+            <a:endParaRPr lang="en-US" sz="3360" dirty="0" smtClean="0">
+              <a:latin typeface="Calibri" pitchFamily="34" charset="0"/>
+            </a:endParaRPr>
+          </a:p>
+          <a:p>
+            <a:pPr marL="457200" indent="-457200" eaLnBrk="1" hangingPunct="1">
+              <a:buFont typeface="Arial" charset="0"/>
+              <a:buChar char="•"/>
+            </a:pPr>
+            <a:r>
+              <a:rPr lang="en-US" sz="3360" dirty="0" smtClean="0">
+                <a:latin typeface="Calibri" pitchFamily="34" charset="0"/>
+              </a:rPr>
+              <a:t>Cold Start Problem – Because traditional recommender systems recommend compatible items based on co-purchasing, it is harder for new products to be recommended to the active user in this way</a:t>
+            </a:r>
+          </a:p>
+          <a:p>
+            <a:pPr marL="1200150" lvl="1" indent="-457200" eaLnBrk="1" hangingPunct="1">
+              <a:buFont typeface="Arial" charset="0"/>
+              <a:buChar char="•"/>
+            </a:pPr>
+            <a:r>
+              <a:rPr lang="en-US" sz="3360" dirty="0" smtClean="0">
+                <a:latin typeface="Calibri" pitchFamily="34" charset="0"/>
+              </a:rPr>
+              <a:t>Solution: Our definition of compatibility will eliminate the cold start problem when recommending compatible products</a:t>
+            </a:r>
+          </a:p>
+          <a:p>
+            <a:pPr lvl="1" indent="0" eaLnBrk="1" hangingPunct="1"/>
+            <a:endParaRPr lang="en-US" sz="3360" dirty="0" smtClean="0">
+              <a:latin typeface="Calibri" pitchFamily="34" charset="0"/>
+            </a:endParaRPr>
+          </a:p>
+          <a:p>
+            <a:pPr lvl="1" indent="0" eaLnBrk="1" hangingPunct="1"/>
+            <a:endParaRPr lang="en-US" sz="3360" dirty="0">
+              <a:latin typeface="Calibri" pitchFamily="34" charset="0"/>
+            </a:endParaRPr>
+          </a:p>
+          <a:p>
+            <a:pPr lvl="1" indent="0" eaLnBrk="1" hangingPunct="1"/>
+            <a:endParaRPr lang="en-US" sz="3360" dirty="0" smtClean="0">
+              <a:latin typeface="Calibri" pitchFamily="34" charset="0"/>
+            </a:endParaRPr>
+          </a:p>
+          <a:p>
+            <a:pPr lvl="1" indent="0" eaLnBrk="1" hangingPunct="1"/>
+            <a:endParaRPr lang="en-US" sz="3360" dirty="0">
+              <a:latin typeface="Calibri" pitchFamily="34" charset="0"/>
+            </a:endParaRPr>
+          </a:p>
+          <a:p>
+            <a:pPr lvl="1" indent="0" eaLnBrk="1" hangingPunct="1"/>
+            <a:endParaRPr lang="en-US" sz="3360" dirty="0" smtClean="0">
+              <a:latin typeface="Calibri" pitchFamily="34" charset="0"/>
+            </a:endParaRPr>
+          </a:p>
+          <a:p>
+            <a:pPr lvl="1" indent="0" eaLnBrk="1" hangingPunct="1"/>
+            <a:endParaRPr lang="en-US" sz="3360" dirty="0">
+              <a:latin typeface="Calibri" pitchFamily="34" charset="0"/>
+            </a:endParaRPr>
+          </a:p>
+        </p:txBody>
+      </p:sp>
+      <p:sp>
+        <p:nvSpPr>
           <p:cNvPr id="39" name="Text Box 122"/>
           <p:cNvSpPr txBox="1">
             <a:spLocks noChangeArrowheads="1"/>
@@ -2809,7 +3440,7 @@
           <a:p>
             <a:pPr algn="ctr" eaLnBrk="1" hangingPunct="1"/>
             <a:r>
-              <a:rPr lang="en-US" sz="6200" b="1" dirty="0">
+              <a:rPr lang="en-US" sz="6200" b="1" dirty="0" smtClean="0">
                 <a:solidFill>
                   <a:schemeClr val="accent3">
                     <a:lumMod val="20000"/>
@@ -2820,8 +3451,33 @@
                 <a:ea typeface="Times New Roman" charset="0"/>
                 <a:cs typeface="Times New Roman" charset="0"/>
               </a:rPr>
-              <a:t>Compatibility for Electronic Recommender Systems</a:t>
-            </a:r>
+              <a:t>Compatibl</a:t>
+            </a:r>
+            <a:r>
+              <a:rPr lang="en-US" sz="6200" b="1" dirty="0" smtClean="0">
+                <a:solidFill>
+                  <a:schemeClr val="accent3">
+                    <a:lumMod val="20000"/>
+                    <a:lumOff val="80000"/>
+                  </a:schemeClr>
+                </a:solidFill>
+                <a:latin typeface="Times New Roman" charset="0"/>
+                <a:ea typeface="Times New Roman" charset="0"/>
+                <a:cs typeface="Times New Roman" charset="0"/>
+              </a:rPr>
+              <a:t>e Electronic Item Recommendation</a:t>
+            </a:r>
+            <a:endParaRPr lang="en-US" sz="6200" b="1" dirty="0">
+              <a:solidFill>
+                <a:schemeClr val="accent3">
+                  <a:lumMod val="20000"/>
+                  <a:lumOff val="80000"/>
+                </a:schemeClr>
+              </a:solidFill>
+              <a:latin typeface="Times New Roman" charset="0"/>
+              <a:ea typeface="Times New Roman" charset="0"/>
+              <a:cs typeface="Times New Roman" charset="0"/>
+            </a:endParaRPr>
           </a:p>
         </p:txBody>
       </p:sp>
@@ -2991,7 +3647,7 @@
               <a:t>Kevin J Nguyen, Victoria Wei, James </a:t>
             </a:r>
             <a:r>
-              <a:rPr lang="en-US" sz="4800" dirty="0" err="1">
+              <a:rPr lang="en-US" sz="4800" dirty="0" err="1" smtClean="0">
                 <a:solidFill>
                   <a:schemeClr val="bg1"/>
                 </a:solidFill>
@@ -3000,6 +3656,17 @@
                 <a:cs typeface="Times New Roman" charset="0"/>
               </a:rPr>
               <a:t>Caverlee</a:t>
+            </a:r>
+            <a:r>
+              <a:rPr lang="en-US" sz="4800" dirty="0" smtClean="0">
+                <a:solidFill>
+                  <a:schemeClr val="bg1"/>
+                </a:solidFill>
+                <a:latin typeface="Times New Roman" charset="0"/>
+                <a:ea typeface="Times New Roman" charset="0"/>
+                <a:cs typeface="Times New Roman" charset="0"/>
+              </a:rPr>
+              <a:t>, Yin Zhang</a:t>
             </a:r>
             <a:endParaRPr lang="en-US" sz="4800" dirty="0">
               <a:solidFill>
@@ -3037,7 +3704,7 @@
         <p:spPr bwMode="auto">
           <a:xfrm>
             <a:off x="1755648" y="5604194"/>
-            <a:ext cx="14322552" cy="7045006"/>
+            <a:ext cx="14322552" cy="12243352"/>
           </a:xfrm>
           <a:prstGeom prst="rect">
             <a:avLst/>
@@ -3161,12 +3828,135 @@
               <a:buFont typeface="Arial" charset="0"/>
               <a:buChar char="•"/>
             </a:pPr>
-            <a:r>
-              <a:rPr lang="en-US" sz="3300" dirty="0">
-                <a:latin typeface="Calibri" pitchFamily="34" charset="0"/>
-              </a:rPr>
-              <a:t>We quantify compatibility as the measure of systematic similarity and differences between products.</a:t>
-            </a:r>
+            <a:endParaRPr lang="en-US" sz="3360" dirty="0" smtClean="0">
+              <a:latin typeface="Calibri" pitchFamily="34" charset="0"/>
+            </a:endParaRPr>
+          </a:p>
+          <a:p>
+            <a:pPr marL="457200" indent="-457200" eaLnBrk="1" hangingPunct="1">
+              <a:buFont typeface="Arial" charset="0"/>
+              <a:buChar char="•"/>
+            </a:pPr>
+            <a:r>
+              <a:rPr lang="en-US" sz="3360" dirty="0" smtClean="0">
+                <a:latin typeface="Calibri" pitchFamily="34" charset="0"/>
+              </a:rPr>
+              <a:t>There are billions of products on Amazon, eBay, and other retailers</a:t>
+            </a:r>
+          </a:p>
+          <a:p>
+            <a:pPr marL="457200" indent="-457200" eaLnBrk="1" hangingPunct="1">
+              <a:buFont typeface="Arial" charset="0"/>
+              <a:buChar char="•"/>
+            </a:pPr>
+            <a:r>
+              <a:rPr lang="en-US" sz="3360" dirty="0" smtClean="0">
+                <a:latin typeface="Calibri" pitchFamily="34" charset="0"/>
+              </a:rPr>
+              <a:t>How do customers quickly and efficiently find personalized products of interest?</a:t>
+            </a:r>
+          </a:p>
+          <a:p>
+            <a:pPr marL="457200" indent="-457200" eaLnBrk="1" hangingPunct="1">
+              <a:buFont typeface="Arial" charset="0"/>
+              <a:buChar char="•"/>
+            </a:pPr>
+            <a:r>
+              <a:rPr lang="en-US" sz="3360" dirty="0">
+                <a:latin typeface="Calibri" pitchFamily="34" charset="0"/>
+              </a:rPr>
+              <a:t>Traditional methods make one of several critical assumptions:</a:t>
+            </a:r>
+          </a:p>
+          <a:p>
+            <a:pPr marL="1200150" lvl="1" indent="-457200" eaLnBrk="1" hangingPunct="1">
+              <a:buFont typeface="Arial" charset="0"/>
+              <a:buChar char="•"/>
+            </a:pPr>
+            <a:r>
+              <a:rPr lang="en-US" sz="3360" dirty="0">
+                <a:latin typeface="Calibri" pitchFamily="34" charset="0"/>
+              </a:rPr>
+              <a:t>Manual labeling of compatible products, especially brand-new products</a:t>
+            </a:r>
+          </a:p>
+          <a:p>
+            <a:pPr marL="1200150" lvl="1" indent="-457200" eaLnBrk="1" hangingPunct="1">
+              <a:buFont typeface="Arial" charset="0"/>
+              <a:buChar char="•"/>
+            </a:pPr>
+            <a:r>
+              <a:rPr lang="en-US" sz="3360" dirty="0">
+                <a:latin typeface="Calibri" pitchFamily="34" charset="0"/>
+              </a:rPr>
+              <a:t>Co-purchased/similar products are </a:t>
+            </a:r>
+            <a:r>
+              <a:rPr lang="en-US" sz="3360" dirty="0" smtClean="0">
+                <a:latin typeface="Calibri" pitchFamily="34" charset="0"/>
+              </a:rPr>
+              <a:t>compatible</a:t>
+            </a:r>
+          </a:p>
+          <a:p>
+            <a:pPr lvl="1" indent="0" eaLnBrk="1" hangingPunct="1"/>
+            <a:endParaRPr lang="en-US" sz="3360" dirty="0" smtClean="0">
+              <a:latin typeface="Calibri" pitchFamily="34" charset="0"/>
+            </a:endParaRPr>
+          </a:p>
+          <a:p>
+            <a:pPr marL="457200" indent="-457200" eaLnBrk="1" hangingPunct="1">
+              <a:buFont typeface="Arial" charset="0"/>
+              <a:buChar char="•"/>
+            </a:pPr>
+            <a:r>
+              <a:rPr lang="en-US" sz="3360" dirty="0" smtClean="0">
+                <a:latin typeface="Calibri" pitchFamily="34" charset="0"/>
+              </a:rPr>
+              <a:t>In contrast, we will investigate the actual relationships between products in a large product dataset by creating our own definition of compatibility to propose a new and hopefully-improved recommender system</a:t>
+            </a:r>
+          </a:p>
+          <a:p>
+            <a:pPr marL="457200" indent="-457200" eaLnBrk="1" hangingPunct="1">
+              <a:buFont typeface="Arial" charset="0"/>
+              <a:buChar char="•"/>
+            </a:pPr>
+            <a:r>
+              <a:rPr lang="en-US" sz="3360" dirty="0">
+                <a:latin typeface="Calibri" pitchFamily="34" charset="0"/>
+              </a:rPr>
+              <a:t>We provide the first study of utilizing machine learning and </a:t>
+            </a:r>
+            <a:r>
+              <a:rPr lang="en-US" sz="3360" dirty="0" smtClean="0">
+                <a:latin typeface="Calibri" pitchFamily="34" charset="0"/>
+              </a:rPr>
+              <a:t>compatibility of recommender systems in this manner</a:t>
+            </a:r>
+            <a:endParaRPr lang="en-US" sz="3360" dirty="0" smtClean="0">
+              <a:latin typeface="Calibri" pitchFamily="34" charset="0"/>
+            </a:endParaRPr>
+          </a:p>
+          <a:p>
+            <a:pPr marL="1200150" lvl="1" indent="-457200" eaLnBrk="1" hangingPunct="1">
+              <a:buFont typeface="Arial" charset="0"/>
+              <a:buChar char="•"/>
+            </a:pPr>
+            <a:endParaRPr lang="en-US" sz="3300" dirty="0" smtClean="0">
+              <a:latin typeface="Calibri" pitchFamily="34" charset="0"/>
+            </a:endParaRPr>
+          </a:p>
+          <a:p>
+            <a:pPr lvl="1" indent="0" eaLnBrk="1" hangingPunct="1"/>
+            <a:endParaRPr lang="en-US" sz="3300" dirty="0" smtClean="0">
+              <a:latin typeface="Calibri" pitchFamily="34" charset="0"/>
+            </a:endParaRPr>
+          </a:p>
+          <a:p>
+            <a:pPr lvl="1" indent="0" eaLnBrk="1" hangingPunct="1"/>
+            <a:endParaRPr lang="en-US" sz="3300" dirty="0" smtClean="0">
+              <a:latin typeface="Calibri" pitchFamily="34" charset="0"/>
+            </a:endParaRPr>
           </a:p>
           <a:p>
             <a:pPr marL="457200" indent="-457200" eaLnBrk="1" hangingPunct="1">
@@ -3182,54 +3972,9 @@
               <a:buFont typeface="Arial" charset="0"/>
               <a:buChar char="•"/>
             </a:pPr>
-            <a:r>
-              <a:rPr lang="en-US" sz="3300" dirty="0">
-                <a:latin typeface="Calibri" pitchFamily="34" charset="0"/>
-              </a:rPr>
-              <a:t>Traditional methods make one of several critical assumptions:</a:t>
-            </a:r>
-          </a:p>
-          <a:p>
-            <a:pPr marL="1200150" lvl="1" indent="-457200" eaLnBrk="1" hangingPunct="1">
-              <a:buFont typeface="Arial" charset="0"/>
-              <a:buChar char="•"/>
-            </a:pPr>
-            <a:r>
-              <a:rPr lang="en-US" sz="3300" dirty="0">
-                <a:latin typeface="Calibri" pitchFamily="34" charset="0"/>
-              </a:rPr>
-              <a:t>Manual labeling of compatible products</a:t>
-            </a:r>
-          </a:p>
-          <a:p>
-            <a:pPr marL="1200150" lvl="1" indent="-457200" eaLnBrk="1" hangingPunct="1">
-              <a:buFont typeface="Arial" charset="0"/>
-              <a:buChar char="•"/>
-            </a:pPr>
-            <a:r>
-              <a:rPr lang="en-US" sz="3300" dirty="0">
-                <a:latin typeface="Calibri" pitchFamily="34" charset="0"/>
-              </a:rPr>
-              <a:t>Co-purchased products are compatible</a:t>
-            </a:r>
-          </a:p>
-          <a:p>
-            <a:pPr lvl="1" indent="0" eaLnBrk="1" hangingPunct="1"/>
-            <a:endParaRPr lang="en-US" sz="3300" dirty="0">
-              <a:latin typeface="Calibri" pitchFamily="34" charset="0"/>
-            </a:endParaRPr>
-          </a:p>
-          <a:p>
-            <a:pPr marL="457200" indent="-457200" eaLnBrk="1" hangingPunct="1">
-              <a:buFont typeface="Arial" charset="0"/>
-              <a:buChar char="•"/>
-            </a:pPr>
-            <a:r>
-              <a:rPr lang="en-US" sz="3300" dirty="0">
-                <a:latin typeface="Calibri" pitchFamily="34" charset="0"/>
-              </a:rPr>
-              <a:t>In contrast, we investigate the relationship between large product datasets of electronic products to propose a recommender system focused on compatibility.</a:t>
-            </a:r>
+            <a:endParaRPr lang="en-US" sz="3300" dirty="0" smtClean="0">
+              <a:latin typeface="Calibri" pitchFamily="34" charset="0"/>
+            </a:endParaRPr>
           </a:p>
           <a:p>
             <a:pPr marL="457200" indent="-457200" eaLnBrk="1" hangingPunct="1">
@@ -3245,12 +3990,36 @@
               <a:buFont typeface="Arial" charset="0"/>
               <a:buChar char="•"/>
             </a:pPr>
-            <a:r>
-              <a:rPr lang="en-US" sz="3300" dirty="0">
-                <a:latin typeface="Calibri" pitchFamily="34" charset="0"/>
-              </a:rPr>
-              <a:t>We provide the first study of utilizing machine learning and compatibility in electronic recommender systems.</a:t>
-            </a:r>
+            <a:endParaRPr lang="en-US" sz="3300" dirty="0" smtClean="0">
+              <a:latin typeface="Calibri" pitchFamily="34" charset="0"/>
+            </a:endParaRPr>
+          </a:p>
+          <a:p>
+            <a:pPr marL="457200" indent="-457200" eaLnBrk="1" hangingPunct="1">
+              <a:buFont typeface="Arial" charset="0"/>
+              <a:buChar char="•"/>
+            </a:pPr>
+            <a:endParaRPr lang="en-US" sz="3300" dirty="0">
+              <a:latin typeface="Calibri" pitchFamily="34" charset="0"/>
+            </a:endParaRPr>
+          </a:p>
+          <a:p>
+            <a:pPr marL="457200" indent="-457200" eaLnBrk="1" hangingPunct="1">
+              <a:buFont typeface="Arial" charset="0"/>
+              <a:buChar char="•"/>
+            </a:pPr>
+            <a:endParaRPr lang="en-US" sz="3300" dirty="0" smtClean="0">
+              <a:latin typeface="Calibri" pitchFamily="34" charset="0"/>
+            </a:endParaRPr>
+          </a:p>
+          <a:p>
+            <a:pPr marL="457200" indent="-457200" eaLnBrk="1" hangingPunct="1">
+              <a:buFont typeface="Arial" charset="0"/>
+              <a:buChar char="•"/>
+            </a:pPr>
+            <a:endParaRPr lang="en-US" sz="3300" dirty="0">
+              <a:latin typeface="Calibri" pitchFamily="34" charset="0"/>
+            </a:endParaRPr>
           </a:p>
         </p:txBody>
       </p:sp>
@@ -3376,8 +4145,8 @@
         </p:nvSpPr>
         <p:spPr bwMode="auto">
           <a:xfrm>
-            <a:off x="1746503" y="31582614"/>
-            <a:ext cx="14331697" cy="6126480"/>
+            <a:off x="1737357" y="31546800"/>
+            <a:ext cx="14331697" cy="6130909"/>
           </a:xfrm>
           <a:prstGeom prst="rect">
             <a:avLst/>
@@ -3510,7 +4279,82 @@
               <a:buFont typeface="Arial" charset="0"/>
               <a:buChar char="•"/>
             </a:pPr>
-            <a:endParaRPr lang="en-US" sz="3360" dirty="0">
+            <a:r>
+              <a:rPr lang="en-US" sz="3360" dirty="0" smtClean="0">
+                <a:latin typeface="Calibri" pitchFamily="34" charset="0"/>
+              </a:rPr>
+              <a:t>Using our compatibility definition, we will run a fraction of the Amazon dataset through our recommendation system and record results</a:t>
+            </a:r>
+          </a:p>
+          <a:p>
+            <a:pPr marL="457200" indent="-457200" eaLnBrk="1" hangingPunct="1">
+              <a:buFont typeface="Arial" charset="0"/>
+              <a:buChar char="•"/>
+            </a:pPr>
+            <a:r>
+              <a:rPr lang="en-US" sz="3360" dirty="0" smtClean="0">
+                <a:latin typeface="Calibri" pitchFamily="34" charset="0"/>
+              </a:rPr>
+              <a:t>Compare and contrast results from preliminary results</a:t>
+            </a:r>
+          </a:p>
+          <a:p>
+            <a:pPr marL="457200" indent="-457200" eaLnBrk="1" hangingPunct="1">
+              <a:buFont typeface="Arial" charset="0"/>
+              <a:buChar char="•"/>
+            </a:pPr>
+            <a:r>
+              <a:rPr lang="en-US" sz="3360" dirty="0" smtClean="0">
+                <a:latin typeface="Calibri" pitchFamily="34" charset="0"/>
+              </a:rPr>
+              <a:t>Currently, we are looking at only electronic data. We are hoping to also look into other categories:</a:t>
+            </a:r>
+          </a:p>
+          <a:p>
+            <a:pPr marL="1200150" lvl="1" indent="-457200" eaLnBrk="1" hangingPunct="1">
+              <a:buFont typeface="Arial" charset="0"/>
+              <a:buChar char="•"/>
+            </a:pPr>
+            <a:r>
+              <a:rPr lang="en-US" sz="3360" dirty="0" smtClean="0">
+                <a:latin typeface="Calibri" pitchFamily="34" charset="0"/>
+              </a:rPr>
+              <a:t>Clothing</a:t>
+            </a:r>
+          </a:p>
+          <a:p>
+            <a:pPr marL="1200150" lvl="1" indent="-457200" eaLnBrk="1" hangingPunct="1">
+              <a:buFont typeface="Arial" charset="0"/>
+              <a:buChar char="•"/>
+            </a:pPr>
+            <a:r>
+              <a:rPr lang="en-US" sz="3360" dirty="0" smtClean="0">
+                <a:latin typeface="Calibri" pitchFamily="34" charset="0"/>
+              </a:rPr>
+              <a:t>Movies</a:t>
+            </a:r>
+          </a:p>
+          <a:p>
+            <a:pPr marL="1200150" lvl="1" indent="-457200" eaLnBrk="1" hangingPunct="1">
+              <a:buFont typeface="Arial" charset="0"/>
+              <a:buChar char="•"/>
+            </a:pPr>
+            <a:r>
+              <a:rPr lang="en-US" sz="3360" dirty="0" smtClean="0">
+                <a:latin typeface="Calibri" pitchFamily="34" charset="0"/>
+              </a:rPr>
+              <a:t>Books</a:t>
+            </a:r>
+          </a:p>
+          <a:p>
+            <a:pPr eaLnBrk="1" hangingPunct="1"/>
+            <a:endParaRPr lang="en-US" sz="3360" dirty="0" smtClean="0">
+              <a:latin typeface="Calibri" pitchFamily="34" charset="0"/>
+            </a:endParaRPr>
+          </a:p>
+          <a:p>
+            <a:pPr eaLnBrk="1" hangingPunct="1"/>
+            <a:endParaRPr lang="en-US" sz="3360" dirty="0" smtClean="0">
               <a:latin typeface="Calibri" pitchFamily="34" charset="0"/>
             </a:endParaRPr>
           </a:p>
@@ -3600,154 +4444,10 @@
       </p:sp>
       <p:sp>
         <p:nvSpPr>
-          <p:cNvPr id="27" name="Text Box 189">
-            <a:extLst>
-              <a:ext uri="{FF2B5EF4-FFF2-40B4-BE49-F238E27FC236}">
-                <a16:creationId xmlns:a16="http://schemas.microsoft.com/office/drawing/2014/main" id="{7BAA2B14-9BFC-3A4B-8E59-15F10C94780C}"/>
-              </a:ext>
-            </a:extLst>
-          </p:cNvPr>
-          <p:cNvSpPr txBox="1">
-            <a:spLocks noChangeArrowheads="1"/>
-          </p:cNvSpPr>
-          <p:nvPr/>
-        </p:nvSpPr>
-        <p:spPr bwMode="auto">
-          <a:xfrm>
-            <a:off x="1755647" y="14188440"/>
-            <a:ext cx="14313407" cy="15910560"/>
-          </a:xfrm>
-          <a:prstGeom prst="rect">
-            <a:avLst/>
-          </a:prstGeom>
-          <a:solidFill>
-            <a:schemeClr val="bg1"/>
-          </a:solidFill>
-          <a:ln w="12700">
-            <a:solidFill>
-              <a:schemeClr val="accent1">
-                <a:lumMod val="75000"/>
-              </a:schemeClr>
-            </a:solidFill>
-          </a:ln>
-          <a:effectLst/>
-        </p:spPr>
-        <p:txBody>
-          <a:bodyPr wrap="square" lIns="219456" tIns="219456" rIns="219456" bIns="219456">
-            <a:spAutoFit/>
-          </a:bodyPr>
-          <a:lstStyle>
-            <a:lvl1pPr eaLnBrk="0" hangingPunct="0">
-              <a:defRPr sz="2200">
-                <a:solidFill>
-                  <a:schemeClr val="tx1"/>
-                </a:solidFill>
-                <a:latin typeface="Arial" charset="0"/>
-              </a:defRPr>
-            </a:lvl1pPr>
-            <a:lvl2pPr marL="742950" indent="-285750" eaLnBrk="0" hangingPunct="0">
-              <a:defRPr sz="2200">
-                <a:solidFill>
-                  <a:schemeClr val="tx1"/>
-                </a:solidFill>
-                <a:latin typeface="Arial" charset="0"/>
-              </a:defRPr>
-            </a:lvl2pPr>
-            <a:lvl3pPr marL="1143000" indent="-228600" eaLnBrk="0" hangingPunct="0">
-              <a:defRPr sz="2200">
-                <a:solidFill>
-                  <a:schemeClr val="tx1"/>
-                </a:solidFill>
-                <a:latin typeface="Arial" charset="0"/>
-              </a:defRPr>
-            </a:lvl3pPr>
-            <a:lvl4pPr marL="1600200" indent="-228600" eaLnBrk="0" hangingPunct="0">
-              <a:defRPr sz="2200">
-                <a:solidFill>
-                  <a:schemeClr val="tx1"/>
-                </a:solidFill>
-                <a:latin typeface="Arial" charset="0"/>
-              </a:defRPr>
-            </a:lvl4pPr>
-            <a:lvl5pPr marL="2057400" indent="-228600" eaLnBrk="0" hangingPunct="0">
-              <a:defRPr sz="2200">
-                <a:solidFill>
-                  <a:schemeClr val="tx1"/>
-                </a:solidFill>
-                <a:latin typeface="Arial" charset="0"/>
-              </a:defRPr>
-            </a:lvl5pPr>
-            <a:lvl6pPr marL="2514600" indent="-228600" eaLnBrk="0" fontAlgn="base" hangingPunct="0">
-              <a:spcBef>
-                <a:spcPct val="0"/>
-              </a:spcBef>
-              <a:spcAft>
-                <a:spcPct val="0"/>
-              </a:spcAft>
-              <a:defRPr sz="2200">
-                <a:solidFill>
-                  <a:schemeClr val="tx1"/>
-                </a:solidFill>
-                <a:latin typeface="Arial" charset="0"/>
-              </a:defRPr>
-            </a:lvl6pPr>
-            <a:lvl7pPr marL="2971800" indent="-228600" eaLnBrk="0" fontAlgn="base" hangingPunct="0">
-              <a:spcBef>
-                <a:spcPct val="0"/>
-              </a:spcBef>
-              <a:spcAft>
-                <a:spcPct val="0"/>
-              </a:spcAft>
-              <a:defRPr sz="2200">
-                <a:solidFill>
-                  <a:schemeClr val="tx1"/>
-                </a:solidFill>
-                <a:latin typeface="Arial" charset="0"/>
-              </a:defRPr>
-            </a:lvl7pPr>
-            <a:lvl8pPr marL="3429000" indent="-228600" eaLnBrk="0" fontAlgn="base" hangingPunct="0">
-              <a:spcBef>
-                <a:spcPct val="0"/>
-              </a:spcBef>
-              <a:spcAft>
-                <a:spcPct val="0"/>
-              </a:spcAft>
-              <a:defRPr sz="2200">
-                <a:solidFill>
-                  <a:schemeClr val="tx1"/>
-                </a:solidFill>
-                <a:latin typeface="Arial" charset="0"/>
-              </a:defRPr>
-            </a:lvl8pPr>
-            <a:lvl9pPr marL="3886200" indent="-228600" eaLnBrk="0" fontAlgn="base" hangingPunct="0">
-              <a:spcBef>
-                <a:spcPct val="0"/>
-              </a:spcBef>
-              <a:spcAft>
-                <a:spcPct val="0"/>
-              </a:spcAft>
-              <a:defRPr sz="2200">
-                <a:solidFill>
-                  <a:schemeClr val="tx1"/>
-                </a:solidFill>
-                <a:latin typeface="Arial" charset="0"/>
-              </a:defRPr>
-            </a:lvl9pPr>
-          </a:lstStyle>
-          <a:p>
-            <a:pPr eaLnBrk="1" hangingPunct="1"/>
-            <a:endParaRPr lang="en-US" sz="3300" dirty="0">
-              <a:latin typeface="Calibri" pitchFamily="34" charset="0"/>
-            </a:endParaRPr>
-          </a:p>
-        </p:txBody>
-      </p:sp>
-      <p:sp>
-        <p:nvSpPr>
           <p:cNvPr id="16" name="TextBox 15">
             <a:extLst>
               <a:ext uri="{FF2B5EF4-FFF2-40B4-BE49-F238E27FC236}">
-                <a16:creationId xmlns:a16="http://schemas.microsoft.com/office/drawing/2014/main" id="{11260169-86B9-8A4B-AE7B-00240766514C}"/>
+                <a16:creationId xmlns:a16="http://schemas.microsoft.com/office/drawing/2014/main" xmlns="" id="{11260169-86B9-8A4B-AE7B-00240766514C}"/>
               </a:ext>
             </a:extLst>
           </p:cNvPr>
@@ -3779,7 +4479,7 @@
           <p:cNvPr id="24" name="Picture 23">
             <a:extLst>
               <a:ext uri="{FF2B5EF4-FFF2-40B4-BE49-F238E27FC236}">
-                <a16:creationId xmlns:a16="http://schemas.microsoft.com/office/drawing/2014/main" id="{C1A1162A-3485-7E49-BD33-BD296D1149B6}"/>
+                <a16:creationId xmlns:a16="http://schemas.microsoft.com/office/drawing/2014/main" xmlns="" id="{C1A1162A-3485-7E49-BD33-BD296D1149B6}"/>
               </a:ext>
             </a:extLst>
           </p:cNvPr>
@@ -3802,7 +4502,7 @@
         </p:blipFill>
         <p:spPr>
           <a:xfrm>
-            <a:off x="2057400" y="14490700"/>
+            <a:off x="2057400" y="14638564"/>
             <a:ext cx="13773766" cy="9359900"/>
           </a:xfrm>
           <a:prstGeom prst="rect">
@@ -3815,7 +4515,7 @@
           <p:cNvPr id="25" name="TextBox 24">
             <a:extLst>
               <a:ext uri="{FF2B5EF4-FFF2-40B4-BE49-F238E27FC236}">
-                <a16:creationId xmlns:a16="http://schemas.microsoft.com/office/drawing/2014/main" id="{E5D069B1-D75D-5642-9339-7BE71146E77F}"/>
+                <a16:creationId xmlns:a16="http://schemas.microsoft.com/office/drawing/2014/main" xmlns="" id="{E5D069B1-D75D-5642-9339-7BE71146E77F}"/>
               </a:ext>
             </a:extLst>
           </p:cNvPr>
@@ -3824,8 +4524,8 @@
         </p:nvSpPr>
         <p:spPr>
           <a:xfrm>
-            <a:off x="2057400" y="24404025"/>
-            <a:ext cx="13773766" cy="5170646"/>
+            <a:off x="2057400" y="24552393"/>
+            <a:ext cx="13773766" cy="5780044"/>
           </a:xfrm>
           <a:prstGeom prst="rect">
             <a:avLst/>
@@ -3839,295 +4539,158 @@
           <a:lstStyle/>
           <a:p>
             <a:r>
-              <a:rPr lang="en-US" sz="3300" u="sng" dirty="0">
+              <a:rPr lang="en-US" sz="3360" u="sng" dirty="0">
                 <a:latin typeface="Calibri" pitchFamily="34" charset="0"/>
               </a:rPr>
               <a:t>Amazon Dataset</a:t>
             </a:r>
             <a:r>
-              <a:rPr lang="en-US" sz="3300" dirty="0">
-                <a:latin typeface="Calibri" pitchFamily="34" charset="0"/>
-              </a:rPr>
-              <a:t> – Product information including title, description, category, co-purchased products, and other metadata.</a:t>
-            </a:r>
-          </a:p>
-          <a:p>
-            <a:r>
-              <a:rPr lang="en-US" sz="3300" u="sng" dirty="0">
+              <a:rPr lang="en-US" sz="3360" dirty="0">
+                <a:latin typeface="Calibri" pitchFamily="34" charset="0"/>
+              </a:rPr>
+              <a:t> – Product </a:t>
+            </a:r>
+            <a:r>
+              <a:rPr lang="en-US" sz="3360" dirty="0" smtClean="0">
+                <a:latin typeface="Calibri" pitchFamily="34" charset="0"/>
+              </a:rPr>
+              <a:t>information of around 500,000 electronic products </a:t>
+            </a:r>
+            <a:r>
+              <a:rPr lang="en-US" sz="3360" dirty="0">
+                <a:latin typeface="Calibri" pitchFamily="34" charset="0"/>
+              </a:rPr>
+              <a:t>including title, description, category, co-purchased products, and other </a:t>
+            </a:r>
+            <a:r>
+              <a:rPr lang="en-US" sz="3360" dirty="0" smtClean="0">
+                <a:latin typeface="Calibri" pitchFamily="34" charset="0"/>
+              </a:rPr>
+              <a:t>metadata</a:t>
+            </a:r>
+            <a:endParaRPr lang="en-US" sz="3360" dirty="0">
+              <a:latin typeface="Calibri" pitchFamily="34" charset="0"/>
+            </a:endParaRPr>
+          </a:p>
+          <a:p>
+            <a:r>
+              <a:rPr lang="en-US" sz="3360" u="sng" dirty="0">
                 <a:latin typeface="Calibri" pitchFamily="34" charset="0"/>
               </a:rPr>
               <a:t>Google Natural Language</a:t>
             </a:r>
             <a:r>
-              <a:rPr lang="en-US" sz="3300" dirty="0">
-                <a:latin typeface="Calibri" pitchFamily="34" charset="0"/>
-              </a:rPr>
-              <a:t> – Machine learning framework designed for natural language processing to classify products based on entity and consumer good.</a:t>
-            </a:r>
-          </a:p>
-          <a:p>
-            <a:r>
-              <a:rPr lang="en-US" sz="3300" u="sng" dirty="0">
+              <a:rPr lang="en-US" sz="3360" dirty="0">
+                <a:latin typeface="Calibri" pitchFamily="34" charset="0"/>
+              </a:rPr>
+              <a:t> – Machine learning framework designed for natural language processing to classify products based on </a:t>
+            </a:r>
+            <a:r>
+              <a:rPr lang="en-US" sz="3360" dirty="0" smtClean="0">
+                <a:latin typeface="Calibri" pitchFamily="34" charset="0"/>
+              </a:rPr>
+              <a:t>entity – consumer good</a:t>
+            </a:r>
+            <a:endParaRPr lang="en-US" sz="3360" dirty="0">
+              <a:latin typeface="Calibri" pitchFamily="34" charset="0"/>
+            </a:endParaRPr>
+          </a:p>
+          <a:p>
+            <a:r>
+              <a:rPr lang="en-US" sz="3360" u="sng" dirty="0">
                 <a:latin typeface="Calibri" pitchFamily="34" charset="0"/>
               </a:rPr>
               <a:t>Product Classification</a:t>
             </a:r>
             <a:r>
-              <a:rPr lang="en-US" sz="3300" dirty="0">
-                <a:latin typeface="Calibri" pitchFamily="34" charset="0"/>
-              </a:rPr>
-              <a:t> – Store and analyze product relations from GNL in association with product categories to create a new model for compatibility.</a:t>
-            </a:r>
-          </a:p>
-          <a:p>
-            <a:r>
-              <a:rPr lang="en-US" sz="3300" u="sng" dirty="0">
+              <a:rPr lang="en-US" sz="3360" dirty="0">
+                <a:latin typeface="Calibri" pitchFamily="34" charset="0"/>
+              </a:rPr>
+              <a:t> – Store and analyze product relations from GNL in association with product categories to create a new model for </a:t>
+            </a:r>
+            <a:r>
+              <a:rPr lang="en-US" sz="3360" dirty="0" smtClean="0">
+                <a:latin typeface="Calibri" pitchFamily="34" charset="0"/>
+              </a:rPr>
+              <a:t>compatibility</a:t>
+            </a:r>
+            <a:endParaRPr lang="en-US" sz="3360" dirty="0">
+              <a:latin typeface="Calibri" pitchFamily="34" charset="0"/>
+            </a:endParaRPr>
+          </a:p>
+          <a:p>
+            <a:r>
+              <a:rPr lang="en-US" sz="3360" u="sng" dirty="0">
                 <a:latin typeface="Calibri" pitchFamily="34" charset="0"/>
               </a:rPr>
               <a:t>New Product</a:t>
             </a:r>
             <a:r>
-              <a:rPr lang="en-US" sz="3300" dirty="0">
-                <a:latin typeface="Calibri" pitchFamily="34" charset="0"/>
-              </a:rPr>
-              <a:t> – A new product that would require recommendations would be passed through GNL and our product classification model.</a:t>
-            </a:r>
-          </a:p>
-          <a:p>
-            <a:r>
-              <a:rPr lang="en-US" sz="3300" u="sng" dirty="0">
+              <a:rPr lang="en-US" sz="3360" dirty="0">
+                <a:latin typeface="Calibri" pitchFamily="34" charset="0"/>
+              </a:rPr>
+              <a:t> – A new product that </a:t>
+            </a:r>
+            <a:r>
+              <a:rPr lang="en-US" sz="3360" dirty="0" smtClean="0">
+                <a:latin typeface="Calibri" pitchFamily="34" charset="0"/>
+              </a:rPr>
+              <a:t>requires </a:t>
+            </a:r>
+            <a:r>
+              <a:rPr lang="en-US" sz="3360" dirty="0" smtClean="0">
+                <a:latin typeface="Calibri" pitchFamily="34" charset="0"/>
+              </a:rPr>
+              <a:t>recommendations would be </a:t>
+            </a:r>
+            <a:r>
+              <a:rPr lang="en-US" sz="3360" dirty="0">
+                <a:latin typeface="Calibri" pitchFamily="34" charset="0"/>
+              </a:rPr>
+              <a:t>passed through GNL and our product classification </a:t>
+            </a:r>
+            <a:r>
+              <a:rPr lang="en-US" sz="3360" dirty="0" smtClean="0">
+                <a:latin typeface="Calibri" pitchFamily="34" charset="0"/>
+              </a:rPr>
+              <a:t>model</a:t>
+            </a:r>
+            <a:endParaRPr lang="en-US" sz="3360" dirty="0">
+              <a:latin typeface="Calibri" pitchFamily="34" charset="0"/>
+            </a:endParaRPr>
+          </a:p>
+          <a:p>
+            <a:r>
+              <a:rPr lang="en-US" sz="3360" u="sng" dirty="0">
                 <a:latin typeface="Calibri" pitchFamily="34" charset="0"/>
               </a:rPr>
               <a:t>Compatible Product Recommendation</a:t>
             </a:r>
             <a:r>
-              <a:rPr lang="en-US" sz="3300" dirty="0">
-                <a:latin typeface="Calibri" pitchFamily="34" charset="0"/>
-              </a:rPr>
-              <a:t> – Result set of compatible products based on the classification and compatibility.</a:t>
-            </a:r>
-            <a:endParaRPr lang="en-US" sz="3300" u="sng" dirty="0"/>
-          </a:p>
-        </p:txBody>
-      </p:sp>
-      <p:sp>
-        <p:nvSpPr>
-          <p:cNvPr id="49" name="Text Box 194">
-            <a:extLst>
-              <a:ext uri="{FF2B5EF4-FFF2-40B4-BE49-F238E27FC236}">
-                <a16:creationId xmlns:a16="http://schemas.microsoft.com/office/drawing/2014/main" id="{6A3A8C0B-9388-004E-849C-1DC9750EADC1}"/>
-              </a:ext>
-            </a:extLst>
-          </p:cNvPr>
-          <p:cNvSpPr txBox="1">
-            <a:spLocks noChangeArrowheads="1"/>
-          </p:cNvSpPr>
-          <p:nvPr/>
-        </p:nvSpPr>
-        <p:spPr bwMode="auto">
-          <a:xfrm>
-            <a:off x="16898112" y="14234160"/>
-            <a:ext cx="14264640" cy="15819120"/>
-          </a:xfrm>
-          <a:prstGeom prst="rect">
-            <a:avLst/>
-          </a:prstGeom>
-          <a:solidFill>
-            <a:schemeClr val="bg1"/>
-          </a:solidFill>
-          <a:ln w="12700">
-            <a:solidFill>
-              <a:schemeClr val="accent1">
-                <a:lumMod val="75000"/>
-              </a:schemeClr>
-            </a:solidFill>
-          </a:ln>
-          <a:effectLst/>
-        </p:spPr>
-        <p:txBody>
-          <a:bodyPr lIns="219456" tIns="219456" rIns="219456" bIns="219456">
-            <a:spAutoFit/>
-          </a:bodyPr>
-          <a:lstStyle>
-            <a:lvl1pPr eaLnBrk="0" hangingPunct="0">
-              <a:defRPr sz="2200">
-                <a:solidFill>
-                  <a:schemeClr val="tx1"/>
-                </a:solidFill>
-                <a:latin typeface="Arial" charset="0"/>
-              </a:defRPr>
-            </a:lvl1pPr>
-            <a:lvl2pPr marL="742950" indent="-285750" eaLnBrk="0" hangingPunct="0">
-              <a:defRPr sz="2200">
-                <a:solidFill>
-                  <a:schemeClr val="tx1"/>
-                </a:solidFill>
-                <a:latin typeface="Arial" charset="0"/>
-              </a:defRPr>
-            </a:lvl2pPr>
-            <a:lvl3pPr marL="1143000" indent="-228600" eaLnBrk="0" hangingPunct="0">
-              <a:defRPr sz="2200">
-                <a:solidFill>
-                  <a:schemeClr val="tx1"/>
-                </a:solidFill>
-                <a:latin typeface="Arial" charset="0"/>
-              </a:defRPr>
-            </a:lvl3pPr>
-            <a:lvl4pPr marL="1600200" indent="-228600" eaLnBrk="0" hangingPunct="0">
-              <a:defRPr sz="2200">
-                <a:solidFill>
-                  <a:schemeClr val="tx1"/>
-                </a:solidFill>
-                <a:latin typeface="Arial" charset="0"/>
-              </a:defRPr>
-            </a:lvl4pPr>
-            <a:lvl5pPr marL="2057400" indent="-228600" eaLnBrk="0" hangingPunct="0">
-              <a:defRPr sz="2200">
-                <a:solidFill>
-                  <a:schemeClr val="tx1"/>
-                </a:solidFill>
-                <a:latin typeface="Arial" charset="0"/>
-              </a:defRPr>
-            </a:lvl5pPr>
-            <a:lvl6pPr marL="2514600" indent="-228600" eaLnBrk="0" fontAlgn="base" hangingPunct="0">
-              <a:spcBef>
-                <a:spcPct val="0"/>
-              </a:spcBef>
-              <a:spcAft>
-                <a:spcPct val="0"/>
-              </a:spcAft>
-              <a:defRPr sz="2200">
-                <a:solidFill>
-                  <a:schemeClr val="tx1"/>
-                </a:solidFill>
-                <a:latin typeface="Arial" charset="0"/>
-              </a:defRPr>
-            </a:lvl6pPr>
-            <a:lvl7pPr marL="2971800" indent="-228600" eaLnBrk="0" fontAlgn="base" hangingPunct="0">
-              <a:spcBef>
-                <a:spcPct val="0"/>
-              </a:spcBef>
-              <a:spcAft>
-                <a:spcPct val="0"/>
-              </a:spcAft>
-              <a:defRPr sz="2200">
-                <a:solidFill>
-                  <a:schemeClr val="tx1"/>
-                </a:solidFill>
-                <a:latin typeface="Arial" charset="0"/>
-              </a:defRPr>
-            </a:lvl7pPr>
-            <a:lvl8pPr marL="3429000" indent="-228600" eaLnBrk="0" fontAlgn="base" hangingPunct="0">
-              <a:spcBef>
-                <a:spcPct val="0"/>
-              </a:spcBef>
-              <a:spcAft>
-                <a:spcPct val="0"/>
-              </a:spcAft>
-              <a:defRPr sz="2200">
-                <a:solidFill>
-                  <a:schemeClr val="tx1"/>
-                </a:solidFill>
-                <a:latin typeface="Arial" charset="0"/>
-              </a:defRPr>
-            </a:lvl8pPr>
-            <a:lvl9pPr marL="3886200" indent="-228600" eaLnBrk="0" fontAlgn="base" hangingPunct="0">
-              <a:spcBef>
-                <a:spcPct val="0"/>
-              </a:spcBef>
-              <a:spcAft>
-                <a:spcPct val="0"/>
-              </a:spcAft>
-              <a:defRPr sz="2200">
-                <a:solidFill>
-                  <a:schemeClr val="tx1"/>
-                </a:solidFill>
-                <a:latin typeface="Arial" charset="0"/>
-              </a:defRPr>
-            </a:lvl9pPr>
-          </a:lstStyle>
-          <a:p>
-            <a:pPr eaLnBrk="1" hangingPunct="1"/>
-            <a:endParaRPr lang="en-US" sz="3360" dirty="0">
-              <a:latin typeface="Calibri" pitchFamily="34" charset="0"/>
-            </a:endParaRPr>
-          </a:p>
-          <a:p>
-            <a:pPr eaLnBrk="1" hangingPunct="1"/>
-            <a:r>
               <a:rPr lang="en-US" sz="3360" dirty="0">
                 <a:latin typeface="Calibri" pitchFamily="34" charset="0"/>
               </a:rPr>
-              <a:t>- Reason why</a:t>
-            </a:r>
-          </a:p>
-          <a:p>
-            <a:pPr eaLnBrk="1" hangingPunct="1"/>
+              <a:t> – Result set of compatible products based on the classification and </a:t>
+            </a:r>
+            <a:r>
+              <a:rPr lang="en-US" sz="3360" dirty="0" smtClean="0">
+                <a:latin typeface="Calibri" pitchFamily="34" charset="0"/>
+              </a:rPr>
+              <a:t>compatibility</a:t>
+            </a:r>
             <a:r>
               <a:rPr lang="en-US" sz="3360" dirty="0">
                 <a:latin typeface="Calibri" pitchFamily="34" charset="0"/>
               </a:rPr>
-              <a:t>Problem</a:t>
-            </a:r>
-          </a:p>
-          <a:p>
-            <a:pPr eaLnBrk="1" hangingPunct="1"/>
-            <a:r>
-              <a:rPr lang="en-US" sz="3360" dirty="0">
-                <a:latin typeface="Calibri" pitchFamily="34" charset="0"/>
-              </a:rPr>
-              <a:t>Accomplish</a:t>
-            </a:r>
-          </a:p>
-          <a:p>
-            <a:pPr eaLnBrk="1" hangingPunct="1"/>
-            <a:endParaRPr lang="en-US" sz="3360" dirty="0">
-              <a:latin typeface="Calibri" pitchFamily="34" charset="0"/>
-            </a:endParaRPr>
-          </a:p>
-          <a:p>
-            <a:pPr eaLnBrk="1" hangingPunct="1"/>
-            <a:endParaRPr lang="en-US" sz="3360" dirty="0">
-              <a:latin typeface="Calibri" pitchFamily="34" charset="0"/>
-            </a:endParaRPr>
-          </a:p>
-          <a:p>
-            <a:pPr eaLnBrk="1" hangingPunct="1"/>
-            <a:endParaRPr lang="en-US" sz="3360" dirty="0">
-              <a:latin typeface="Calibri" pitchFamily="34" charset="0"/>
-            </a:endParaRPr>
-          </a:p>
-          <a:p>
-            <a:pPr eaLnBrk="1" hangingPunct="1"/>
-            <a:endParaRPr lang="en-US" sz="3360" dirty="0">
-              <a:latin typeface="Calibri" pitchFamily="34" charset="0"/>
-            </a:endParaRPr>
-          </a:p>
-          <a:p>
-            <a:pPr eaLnBrk="1" hangingPunct="1"/>
-            <a:endParaRPr lang="en-US" sz="3360" dirty="0">
-              <a:latin typeface="Calibri" pitchFamily="34" charset="0"/>
-            </a:endParaRPr>
-          </a:p>
-          <a:p>
-            <a:pPr eaLnBrk="1" hangingPunct="1"/>
-            <a:endParaRPr lang="en-US" sz="3360" dirty="0">
-              <a:latin typeface="Calibri" pitchFamily="34" charset="0"/>
-            </a:endParaRPr>
-          </a:p>
-          <a:p>
-            <a:pPr eaLnBrk="1" hangingPunct="1"/>
-            <a:endParaRPr lang="en-US" sz="3360" dirty="0">
-              <a:latin typeface="Calibri" pitchFamily="34" charset="0"/>
-            </a:endParaRPr>
-          </a:p>
-          <a:p>
-            <a:pPr algn="just" eaLnBrk="1" hangingPunct="1"/>
-            <a:endParaRPr lang="en-US" sz="3300" dirty="0">
-              <a:latin typeface="Calibri" charset="0"/>
-              <a:ea typeface="Calibri" charset="0"/>
-              <a:cs typeface="Calibri" charset="0"/>
-            </a:endParaRPr>
+              <a:t> </a:t>
+            </a:r>
+            <a:r>
+              <a:rPr lang="en-US" sz="3360" dirty="0" smtClean="0">
+                <a:latin typeface="Calibri" pitchFamily="34" charset="0"/>
+              </a:rPr>
+              <a:t>of this new product</a:t>
+            </a:r>
+            <a:endParaRPr lang="en-US" sz="3360" u="sng" dirty="0"/>
           </a:p>
         </p:txBody>
       </p:sp>
@@ -4136,7 +4699,7 @@
           <p:cNvPr id="50" name="Rectangle 49">
             <a:extLst>
               <a:ext uri="{FF2B5EF4-FFF2-40B4-BE49-F238E27FC236}">
-                <a16:creationId xmlns:a16="http://schemas.microsoft.com/office/drawing/2014/main" id="{D3E62015-E84D-9A46-B231-32DD2360E2B7}"/>
+                <a16:creationId xmlns:a16="http://schemas.microsoft.com/office/drawing/2014/main" xmlns="" id="{D3E62015-E84D-9A46-B231-32DD2360E2B7}"/>
               </a:ext>
             </a:extLst>
           </p:cNvPr>
@@ -4145,8 +4708,8 @@
         </p:nvSpPr>
         <p:spPr>
           <a:xfrm>
-            <a:off x="16898112" y="13436346"/>
-            <a:ext cx="14264640" cy="768096"/>
+            <a:off x="16916399" y="13436346"/>
+            <a:ext cx="14316037" cy="768096"/>
           </a:xfrm>
           <a:prstGeom prst="rect">
             <a:avLst/>
@@ -4195,10 +4758,72 @@
       </p:sp>
       <p:sp>
         <p:nvSpPr>
-          <p:cNvPr id="53" name="Text Box 191">
+          <p:cNvPr id="62" name="Rectangle 61">
             <a:extLst>
               <a:ext uri="{FF2B5EF4-FFF2-40B4-BE49-F238E27FC236}">
-                <a16:creationId xmlns:a16="http://schemas.microsoft.com/office/drawing/2014/main" id="{570E2655-AD9E-C247-A018-42779141C697}"/>
+                <a16:creationId xmlns:a16="http://schemas.microsoft.com/office/drawing/2014/main" xmlns="" id="{9D045DEE-52BE-EE4F-8D26-5E2B8AD7CC52}"/>
+              </a:ext>
+            </a:extLst>
+          </p:cNvPr>
+          <p:cNvSpPr/>
+          <p:nvPr/>
+        </p:nvSpPr>
+        <p:spPr>
+          <a:xfrm>
+            <a:off x="16909885" y="4870704"/>
+            <a:ext cx="14322552" cy="768096"/>
+          </a:xfrm>
+          <a:prstGeom prst="rect">
+            <a:avLst/>
+          </a:prstGeom>
+          <a:solidFill>
+            <a:schemeClr val="accent1">
+              <a:lumMod val="75000"/>
+            </a:schemeClr>
+          </a:solidFill>
+          <a:ln w="12700"/>
+        </p:spPr>
+        <p:style>
+          <a:lnRef idx="2">
+            <a:schemeClr val="accent1">
+              <a:shade val="50000"/>
+            </a:schemeClr>
+          </a:lnRef>
+          <a:fillRef idx="1">
+            <a:schemeClr val="accent1"/>
+          </a:fillRef>
+          <a:effectRef idx="0">
+            <a:schemeClr val="accent1"/>
+          </a:effectRef>
+          <a:fontRef idx="minor">
+            <a:schemeClr val="lt1"/>
+          </a:fontRef>
+        </p:style>
+        <p:txBody>
+          <a:bodyPr rtlCol="0" anchor="ctr"/>
+          <a:lstStyle/>
+          <a:p>
+            <a:pPr algn="ctr"/>
+            <a:r>
+              <a:rPr lang="en-US" sz="5760" b="1" dirty="0">
+                <a:solidFill>
+                  <a:schemeClr val="accent3">
+                    <a:lumMod val="20000"/>
+                    <a:lumOff val="80000"/>
+                  </a:schemeClr>
+                </a:solidFill>
+              </a:rPr>
+              <a:t>Challenges</a:t>
+            </a:r>
+          </a:p>
+        </p:txBody>
+      </p:sp>
+      <p:sp>
+        <p:nvSpPr>
+          <p:cNvPr id="49" name="Text Box 194">
+            <a:extLst>
+              <a:ext uri="{FF2B5EF4-FFF2-40B4-BE49-F238E27FC236}">
+                <a16:creationId xmlns:a16="http://schemas.microsoft.com/office/drawing/2014/main" xmlns="" id="{6A3A8C0B-9388-004E-849C-1DC9750EADC1}"/>
               </a:ext>
             </a:extLst>
           </p:cNvPr>
@@ -4209,8 +4834,8 @@
         </p:nvSpPr>
         <p:spPr bwMode="auto">
           <a:xfrm>
-            <a:off x="16900740" y="31546800"/>
-            <a:ext cx="14331697" cy="6126480"/>
+            <a:off x="16912933" y="14173200"/>
+            <a:ext cx="14319503" cy="20599485"/>
           </a:xfrm>
           <a:prstGeom prst="rect">
             <a:avLst/>
@@ -4330,76 +4955,470 @@
             </a:lvl9pPr>
           </a:lstStyle>
           <a:p>
-            <a:pPr marL="457200" indent="-457200">
+            <a:pPr eaLnBrk="1" hangingPunct="1"/>
+            <a:endParaRPr lang="en-US" sz="3360" dirty="0" smtClean="0">
+              <a:latin typeface="Calibri" pitchFamily="34" charset="0"/>
+            </a:endParaRPr>
+          </a:p>
+          <a:p>
+            <a:pPr algn="ctr" eaLnBrk="1" hangingPunct="1"/>
+            <a:r>
+              <a:rPr lang="en-US" sz="3360" b="1" dirty="0" smtClean="0">
+                <a:latin typeface="Calibri" pitchFamily="34" charset="0"/>
+              </a:rPr>
+              <a:t>ENCORE Model</a:t>
+            </a:r>
+          </a:p>
+          <a:p>
+            <a:pPr marL="457200" indent="-457200" eaLnBrk="1" hangingPunct="1">
               <a:buFont typeface="Arial" panose="020B0604020202020204" pitchFamily="34" charset="0"/>
               <a:buChar char="•"/>
             </a:pPr>
             <a:r>
-              <a:rPr lang="en-US" sz="3200" dirty="0">
-                <a:latin typeface="Cambria" panose="02040503050406030204" pitchFamily="18" charset="0"/>
-              </a:rPr>
-              <a:t>B. S. G. Linden and J. York, “</a:t>
-            </a:r>
-            <a:r>
-              <a:rPr lang="en-US" sz="3200" dirty="0" err="1">
-                <a:latin typeface="Cambria" panose="02040503050406030204" pitchFamily="18" charset="0"/>
-              </a:rPr>
-              <a:t>Amazon.com</a:t>
-            </a:r>
-            <a:r>
-              <a:rPr lang="en-US" sz="3200" dirty="0">
-                <a:latin typeface="Cambria" panose="02040503050406030204" pitchFamily="18" charset="0"/>
+              <a:rPr lang="en-US" sz="3360" dirty="0" smtClean="0">
+                <a:latin typeface="Calibri" pitchFamily="34" charset="0"/>
+              </a:rPr>
+              <a:t>Utilizes image-based, text input, and user rating relationships to recommend compatible products</a:t>
+            </a:r>
+          </a:p>
+          <a:p>
+            <a:pPr marL="457200" indent="-457200" eaLnBrk="1" hangingPunct="1">
+              <a:buFont typeface="Arial" panose="020B0604020202020204" pitchFamily="34" charset="0"/>
+              <a:buChar char="•"/>
+            </a:pPr>
+            <a:endParaRPr lang="en-US" sz="3360" dirty="0" smtClean="0">
+              <a:latin typeface="Calibri" pitchFamily="34" charset="0"/>
+            </a:endParaRPr>
+          </a:p>
+          <a:p>
+            <a:pPr eaLnBrk="1" hangingPunct="1"/>
+            <a:r>
+              <a:rPr lang="en-US" sz="3360" dirty="0" smtClean="0">
+                <a:latin typeface="Calibri" pitchFamily="34" charset="0"/>
+              </a:rPr>
+              <a:t>(1)</a:t>
+            </a:r>
+            <a:endParaRPr lang="en-US" sz="3360" dirty="0">
+              <a:latin typeface="Calibri" pitchFamily="34" charset="0"/>
+            </a:endParaRPr>
+          </a:p>
+          <a:p>
+            <a:pPr marL="1200150" lvl="1" indent="-457200" eaLnBrk="1" hangingPunct="1">
+              <a:buFont typeface="Arial" panose="020B0604020202020204" pitchFamily="34" charset="0"/>
+              <a:buChar char="•"/>
+            </a:pPr>
+            <a:endParaRPr lang="en-US" sz="3360" dirty="0" smtClean="0">
+              <a:latin typeface="Calibri" pitchFamily="34" charset="0"/>
+            </a:endParaRPr>
+          </a:p>
+          <a:p>
+            <a:pPr marL="1200150" lvl="1" indent="-457200" eaLnBrk="1" hangingPunct="1">
+              <a:buFont typeface="Arial" panose="020B0604020202020204" pitchFamily="34" charset="0"/>
+              <a:buChar char="•"/>
+            </a:pPr>
+            <a:r>
+              <a:rPr lang="en-US" sz="3360" dirty="0" smtClean="0">
+                <a:latin typeface="Calibri" pitchFamily="34" charset="0"/>
+              </a:rPr>
+              <a:t>Distance between product images, text input, and user ratings based on compatibility relationships</a:t>
+            </a:r>
+          </a:p>
+          <a:p>
+            <a:pPr marL="1200150" lvl="1" indent="-457200" eaLnBrk="1" hangingPunct="1">
+              <a:buFont typeface="Arial" panose="020B0604020202020204" pitchFamily="34" charset="0"/>
+              <a:buChar char="•"/>
+            </a:pPr>
+            <a:r>
+              <a:rPr lang="en-US" sz="3360" dirty="0">
+                <a:latin typeface="Calibri" pitchFamily="34" charset="0"/>
               </a:rPr>
               <a:t> </a:t>
             </a:r>
             <a:r>
-              <a:rPr lang="en-US" sz="3200" dirty="0" err="1">
-                <a:latin typeface="Cambria" panose="02040503050406030204" pitchFamily="18" charset="0"/>
-              </a:rPr>
-              <a:t>recommendations:Item-to-item</a:t>
-            </a:r>
-            <a:r>
-              <a:rPr lang="en-US" sz="3200" dirty="0">
-                <a:latin typeface="Cambria" panose="02040503050406030204" pitchFamily="18" charset="0"/>
-              </a:rPr>
-              <a:t> collaborative filtering,” IEEE Internet Computing, 2003.</a:t>
-            </a:r>
-          </a:p>
+              <a:rPr lang="en-US" sz="3360" dirty="0" smtClean="0">
+                <a:latin typeface="Calibri" pitchFamily="34" charset="0"/>
+              </a:rPr>
+              <a:t>      – Low-rank </a:t>
+            </a:r>
+            <a:r>
+              <a:rPr lang="en-US" sz="3360" dirty="0" err="1" smtClean="0">
+                <a:latin typeface="Calibri" pitchFamily="34" charset="0"/>
+              </a:rPr>
+              <a:t>Mahalanobis</a:t>
+            </a:r>
+            <a:r>
+              <a:rPr lang="en-US" sz="3360" dirty="0" smtClean="0">
+                <a:latin typeface="Calibri" pitchFamily="34" charset="0"/>
+              </a:rPr>
+              <a:t> transformation matrix</a:t>
+            </a:r>
+          </a:p>
+          <a:p>
+            <a:pPr eaLnBrk="1" hangingPunct="1"/>
+            <a:endParaRPr lang="en-US" sz="3360" dirty="0" smtClean="0">
+              <a:latin typeface="Calibri" pitchFamily="34" charset="0"/>
+            </a:endParaRPr>
+          </a:p>
+          <a:p>
+            <a:pPr eaLnBrk="1" hangingPunct="1"/>
+            <a:r>
+              <a:rPr lang="en-US" sz="3360" dirty="0" smtClean="0">
+                <a:latin typeface="Calibri" pitchFamily="34" charset="0"/>
+              </a:rPr>
+              <a:t>(2)</a:t>
+            </a:r>
+            <a:endParaRPr lang="en-US" sz="3360" dirty="0">
+              <a:latin typeface="Calibri" pitchFamily="34" charset="0"/>
+            </a:endParaRPr>
+          </a:p>
+          <a:p>
+            <a:pPr eaLnBrk="1" hangingPunct="1"/>
+            <a:endParaRPr lang="en-US" sz="3360" dirty="0" smtClean="0">
+              <a:latin typeface="Calibri" pitchFamily="34" charset="0"/>
+            </a:endParaRPr>
+          </a:p>
+          <a:p>
+            <a:pPr marL="1200150" lvl="1" indent="-457200" eaLnBrk="1" hangingPunct="1">
+              <a:buFont typeface="Arial" panose="020B0604020202020204" pitchFamily="34" charset="0"/>
+              <a:buChar char="•"/>
+            </a:pPr>
+            <a:r>
+              <a:rPr lang="en-US" sz="3360" dirty="0" smtClean="0">
+                <a:latin typeface="Calibri" pitchFamily="34" charset="0"/>
+              </a:rPr>
+              <a:t>Sigmoid function – probability that relationships exist among two products</a:t>
+            </a:r>
+          </a:p>
+          <a:p>
+            <a:pPr marL="1200150" lvl="1" indent="-457200" eaLnBrk="1" hangingPunct="1">
+              <a:buFont typeface="Arial" panose="020B0604020202020204" pitchFamily="34" charset="0"/>
+              <a:buChar char="•"/>
+            </a:pPr>
+            <a:endParaRPr lang="en-US" sz="3360" dirty="0" smtClean="0">
+              <a:latin typeface="Calibri" pitchFamily="34" charset="0"/>
+            </a:endParaRPr>
+          </a:p>
+          <a:p>
+            <a:pPr eaLnBrk="1" hangingPunct="1"/>
+            <a:r>
+              <a:rPr lang="en-US" sz="3360" dirty="0" smtClean="0">
+                <a:latin typeface="Calibri" pitchFamily="34" charset="0"/>
+              </a:rPr>
+              <a:t>(3)</a:t>
+            </a:r>
+            <a:endParaRPr lang="en-US" sz="3360" dirty="0">
+              <a:latin typeface="Calibri" pitchFamily="34" charset="0"/>
+            </a:endParaRPr>
+          </a:p>
+          <a:p>
+            <a:pPr eaLnBrk="1" hangingPunct="1"/>
+            <a:endParaRPr lang="en-US" sz="3360" dirty="0" smtClean="0">
+              <a:latin typeface="Calibri" pitchFamily="34" charset="0"/>
+            </a:endParaRPr>
+          </a:p>
+          <a:p>
+            <a:pPr marL="1200150" lvl="1" indent="-457200" eaLnBrk="1" hangingPunct="1">
+              <a:buFont typeface="Arial" panose="020B0604020202020204" pitchFamily="34" charset="0"/>
+              <a:buChar char="•"/>
+            </a:pPr>
+            <a:r>
+              <a:rPr lang="en-US" sz="3360" dirty="0" smtClean="0">
+                <a:latin typeface="Calibri" pitchFamily="34" charset="0"/>
+              </a:rPr>
+              <a:t>Embedded features concatenated amongst learned spaces to produce a multi-model space</a:t>
+            </a:r>
+            <a:endParaRPr lang="en-US" sz="3360" dirty="0">
+              <a:latin typeface="Calibri" pitchFamily="34" charset="0"/>
+            </a:endParaRPr>
+          </a:p>
+          <a:p>
+            <a:pPr eaLnBrk="1" hangingPunct="1"/>
+            <a:endParaRPr lang="en-US" sz="3360" dirty="0">
+              <a:latin typeface="Calibri" pitchFamily="34" charset="0"/>
+            </a:endParaRPr>
+          </a:p>
+          <a:p>
+            <a:pPr eaLnBrk="1" hangingPunct="1"/>
+            <a:endParaRPr lang="en-US" sz="3360" dirty="0">
+              <a:latin typeface="Calibri" pitchFamily="34" charset="0"/>
+            </a:endParaRPr>
+          </a:p>
+          <a:p>
+            <a:pPr eaLnBrk="1" hangingPunct="1"/>
+            <a:endParaRPr lang="en-US" sz="3360" dirty="0">
+              <a:latin typeface="Calibri" pitchFamily="34" charset="0"/>
+            </a:endParaRPr>
+          </a:p>
+          <a:p>
+            <a:pPr marL="514350" indent="-514350" eaLnBrk="1" hangingPunct="1">
+              <a:buAutoNum type="arabicParenBoth"/>
+            </a:pPr>
+            <a:endParaRPr lang="en-US" sz="3360" dirty="0" smtClean="0">
+              <a:latin typeface="Calibri" pitchFamily="34" charset="0"/>
+            </a:endParaRPr>
+          </a:p>
+          <a:p>
+            <a:pPr eaLnBrk="1" hangingPunct="1"/>
+            <a:endParaRPr lang="en-US" sz="3360" dirty="0">
+              <a:latin typeface="Calibri" pitchFamily="34" charset="0"/>
+            </a:endParaRPr>
+          </a:p>
+          <a:p>
+            <a:pPr eaLnBrk="1" hangingPunct="1"/>
+            <a:endParaRPr lang="en-US" sz="3360" dirty="0" smtClean="0">
+              <a:latin typeface="Calibri" pitchFamily="34" charset="0"/>
+            </a:endParaRPr>
+          </a:p>
+          <a:p>
+            <a:pPr eaLnBrk="1" hangingPunct="1"/>
+            <a:endParaRPr lang="en-US" sz="3360" dirty="0">
+              <a:latin typeface="Calibri" pitchFamily="34" charset="0"/>
+            </a:endParaRPr>
+          </a:p>
+          <a:p>
+            <a:pPr eaLnBrk="1" hangingPunct="1"/>
+            <a:endParaRPr lang="en-US" sz="3360" dirty="0" smtClean="0">
+              <a:latin typeface="Calibri" pitchFamily="34" charset="0"/>
+            </a:endParaRPr>
+          </a:p>
+          <a:p>
+            <a:pPr eaLnBrk="1" hangingPunct="1"/>
+            <a:endParaRPr lang="en-US" sz="3360" dirty="0">
+              <a:latin typeface="Calibri" pitchFamily="34" charset="0"/>
+            </a:endParaRPr>
+          </a:p>
+          <a:p>
+            <a:pPr eaLnBrk="1" hangingPunct="1"/>
+            <a:endParaRPr lang="en-US" sz="3360" dirty="0" smtClean="0">
+              <a:latin typeface="Calibri" pitchFamily="34" charset="0"/>
+            </a:endParaRPr>
+          </a:p>
+          <a:p>
+            <a:pPr eaLnBrk="1" hangingPunct="1"/>
+            <a:endParaRPr lang="en-US" sz="3360" dirty="0">
+              <a:latin typeface="Calibri" pitchFamily="34" charset="0"/>
+            </a:endParaRPr>
+          </a:p>
+          <a:p>
+            <a:pPr eaLnBrk="1" hangingPunct="1"/>
+            <a:endParaRPr lang="en-US" sz="3360" dirty="0" smtClean="0">
+              <a:latin typeface="Calibri" pitchFamily="34" charset="0"/>
+            </a:endParaRPr>
+          </a:p>
+          <a:p>
+            <a:pPr eaLnBrk="1" hangingPunct="1"/>
+            <a:endParaRPr lang="en-US" sz="3360" dirty="0">
+              <a:latin typeface="Calibri" pitchFamily="34" charset="0"/>
+            </a:endParaRPr>
+          </a:p>
+          <a:p>
+            <a:pPr eaLnBrk="1" hangingPunct="1"/>
+            <a:endParaRPr lang="en-US" sz="3360" dirty="0" smtClean="0">
+              <a:latin typeface="Calibri" pitchFamily="34" charset="0"/>
+            </a:endParaRPr>
+          </a:p>
+          <a:p>
+            <a:pPr eaLnBrk="1" hangingPunct="1"/>
+            <a:endParaRPr lang="en-US" sz="3360" dirty="0">
+              <a:latin typeface="Calibri" pitchFamily="34" charset="0"/>
+            </a:endParaRPr>
+          </a:p>
+          <a:p>
+            <a:pPr eaLnBrk="1" hangingPunct="1"/>
+            <a:endParaRPr lang="en-US" sz="3360" dirty="0" smtClean="0">
+              <a:latin typeface="Calibri" pitchFamily="34" charset="0"/>
+            </a:endParaRPr>
+          </a:p>
+          <a:p>
+            <a:pPr eaLnBrk="1" hangingPunct="1"/>
+            <a:endParaRPr lang="en-US" sz="3360" dirty="0">
+              <a:latin typeface="Calibri" pitchFamily="34" charset="0"/>
+            </a:endParaRPr>
+          </a:p>
+          <a:p>
+            <a:pPr eaLnBrk="1" hangingPunct="1"/>
+            <a:endParaRPr lang="en-US" sz="3360" dirty="0">
+              <a:latin typeface="Calibri" pitchFamily="34" charset="0"/>
+            </a:endParaRPr>
+          </a:p>
+          <a:p>
+            <a:pPr algn="just" eaLnBrk="1" hangingPunct="1"/>
+            <a:endParaRPr lang="en-US" sz="3300" dirty="0">
+              <a:latin typeface="Calibri" charset="0"/>
+              <a:ea typeface="Calibri" charset="0"/>
+              <a:cs typeface="Calibri" charset="0"/>
+            </a:endParaRPr>
+          </a:p>
+        </p:txBody>
+      </p:sp>
+      <p:pic>
+        <p:nvPicPr>
+          <p:cNvPr id="8" name="Picture 7"/>
+          <p:cNvPicPr>
+            <a:picLocks noChangeAspect="1"/>
+          </p:cNvPicPr>
+          <p:nvPr/>
+        </p:nvPicPr>
+        <p:blipFill>
+          <a:blip r:embed="rId4"/>
+          <a:stretch>
+            <a:fillRect/>
+          </a:stretch>
+        </p:blipFill>
+        <p:spPr>
+          <a:xfrm>
+            <a:off x="18221451" y="19023195"/>
+            <a:ext cx="701259" cy="525944"/>
+          </a:xfrm>
+          <a:prstGeom prst="rect">
+            <a:avLst/>
+          </a:prstGeom>
+        </p:spPr>
+      </p:pic>
+      <p:sp>
+        <p:nvSpPr>
+          <p:cNvPr id="53" name="Text Box 191">
+            <a:extLst>
+              <a:ext uri="{FF2B5EF4-FFF2-40B4-BE49-F238E27FC236}">
+                <a16:creationId xmlns:a16="http://schemas.microsoft.com/office/drawing/2014/main" xmlns="" id="{570E2655-AD9E-C247-A018-42779141C697}"/>
+              </a:ext>
+            </a:extLst>
+          </p:cNvPr>
+          <p:cNvSpPr txBox="1">
+            <a:spLocks noChangeArrowheads="1"/>
+          </p:cNvSpPr>
+          <p:nvPr/>
+        </p:nvSpPr>
+        <p:spPr bwMode="auto">
+          <a:xfrm>
+            <a:off x="16900740" y="31546800"/>
+            <a:ext cx="14331697" cy="6081665"/>
+          </a:xfrm>
+          <a:prstGeom prst="rect">
+            <a:avLst/>
+          </a:prstGeom>
+          <a:solidFill>
+            <a:schemeClr val="bg1"/>
+          </a:solidFill>
+          <a:ln w="12700">
+            <a:solidFill>
+              <a:schemeClr val="accent1">
+                <a:lumMod val="75000"/>
+              </a:schemeClr>
+            </a:solidFill>
+          </a:ln>
+          <a:effectLst/>
+        </p:spPr>
+        <p:txBody>
+          <a:bodyPr wrap="square" lIns="219456" tIns="219456" rIns="219456" bIns="219456">
+            <a:spAutoFit/>
+          </a:bodyPr>
+          <a:lstStyle>
+            <a:lvl1pPr eaLnBrk="0" hangingPunct="0">
+              <a:defRPr sz="2200">
+                <a:solidFill>
+                  <a:schemeClr val="tx1"/>
+                </a:solidFill>
+                <a:latin typeface="Arial" charset="0"/>
+              </a:defRPr>
+            </a:lvl1pPr>
+            <a:lvl2pPr marL="742950" indent="-285750" eaLnBrk="0" hangingPunct="0">
+              <a:defRPr sz="2200">
+                <a:solidFill>
+                  <a:schemeClr val="tx1"/>
+                </a:solidFill>
+                <a:latin typeface="Arial" charset="0"/>
+              </a:defRPr>
+            </a:lvl2pPr>
+            <a:lvl3pPr marL="1143000" indent="-228600" eaLnBrk="0" hangingPunct="0">
+              <a:defRPr sz="2200">
+                <a:solidFill>
+                  <a:schemeClr val="tx1"/>
+                </a:solidFill>
+                <a:latin typeface="Arial" charset="0"/>
+              </a:defRPr>
+            </a:lvl3pPr>
+            <a:lvl4pPr marL="1600200" indent="-228600" eaLnBrk="0" hangingPunct="0">
+              <a:defRPr sz="2200">
+                <a:solidFill>
+                  <a:schemeClr val="tx1"/>
+                </a:solidFill>
+                <a:latin typeface="Arial" charset="0"/>
+              </a:defRPr>
+            </a:lvl4pPr>
+            <a:lvl5pPr marL="2057400" indent="-228600" eaLnBrk="0" hangingPunct="0">
+              <a:defRPr sz="2200">
+                <a:solidFill>
+                  <a:schemeClr val="tx1"/>
+                </a:solidFill>
+                <a:latin typeface="Arial" charset="0"/>
+              </a:defRPr>
+            </a:lvl5pPr>
+            <a:lvl6pPr marL="2514600" indent="-228600" eaLnBrk="0" fontAlgn="base" hangingPunct="0">
+              <a:spcBef>
+                <a:spcPct val="0"/>
+              </a:spcBef>
+              <a:spcAft>
+                <a:spcPct val="0"/>
+              </a:spcAft>
+              <a:defRPr sz="2200">
+                <a:solidFill>
+                  <a:schemeClr val="tx1"/>
+                </a:solidFill>
+                <a:latin typeface="Arial" charset="0"/>
+              </a:defRPr>
+            </a:lvl6pPr>
+            <a:lvl7pPr marL="2971800" indent="-228600" eaLnBrk="0" fontAlgn="base" hangingPunct="0">
+              <a:spcBef>
+                <a:spcPct val="0"/>
+              </a:spcBef>
+              <a:spcAft>
+                <a:spcPct val="0"/>
+              </a:spcAft>
+              <a:defRPr sz="2200">
+                <a:solidFill>
+                  <a:schemeClr val="tx1"/>
+                </a:solidFill>
+                <a:latin typeface="Arial" charset="0"/>
+              </a:defRPr>
+            </a:lvl7pPr>
+            <a:lvl8pPr marL="3429000" indent="-228600" eaLnBrk="0" fontAlgn="base" hangingPunct="0">
+              <a:spcBef>
+                <a:spcPct val="0"/>
+              </a:spcBef>
+              <a:spcAft>
+                <a:spcPct val="0"/>
+              </a:spcAft>
+              <a:defRPr sz="2200">
+                <a:solidFill>
+                  <a:schemeClr val="tx1"/>
+                </a:solidFill>
+                <a:latin typeface="Arial" charset="0"/>
+              </a:defRPr>
+            </a:lvl8pPr>
+            <a:lvl9pPr marL="3886200" indent="-228600" eaLnBrk="0" fontAlgn="base" hangingPunct="0">
+              <a:spcBef>
+                <a:spcPct val="0"/>
+              </a:spcBef>
+              <a:spcAft>
+                <a:spcPct val="0"/>
+              </a:spcAft>
+              <a:defRPr sz="2200">
+                <a:solidFill>
+                  <a:schemeClr val="tx1"/>
+                </a:solidFill>
+                <a:latin typeface="Arial" charset="0"/>
+              </a:defRPr>
+            </a:lvl9pPr>
+          </a:lstStyle>
           <a:p>
             <a:pPr marL="342900" indent="-342900">
               <a:buFont typeface="Arial" panose="020B0604020202020204" pitchFamily="34" charset="0"/>
               <a:buChar char="•"/>
             </a:pPr>
-            <a:r>
-              <a:rPr lang="en-US" sz="3200" dirty="0">
-                <a:latin typeface="Cambria" panose="02040503050406030204" pitchFamily="18" charset="0"/>
-              </a:rPr>
-              <a:t>R. P. J. J. </a:t>
-            </a:r>
-            <a:r>
-              <a:rPr lang="en-US" sz="3200" dirty="0" err="1">
-                <a:latin typeface="Cambria" panose="02040503050406030204" pitchFamily="18" charset="0"/>
-              </a:rPr>
-              <a:t>McAuley</a:t>
-            </a:r>
-            <a:r>
-              <a:rPr lang="en-US" sz="3200" dirty="0">
-                <a:latin typeface="Cambria" panose="02040503050406030204" pitchFamily="18" charset="0"/>
-              </a:rPr>
-              <a:t> and J. </a:t>
-            </a:r>
-            <a:r>
-              <a:rPr lang="en-US" sz="3200" dirty="0" err="1">
-                <a:latin typeface="Cambria" panose="02040503050406030204" pitchFamily="18" charset="0"/>
-              </a:rPr>
-              <a:t>Leskovec</a:t>
-            </a:r>
-            <a:r>
-              <a:rPr lang="en-US" sz="3200" dirty="0">
-                <a:latin typeface="Cambria" panose="02040503050406030204" pitchFamily="18" charset="0"/>
-              </a:rPr>
-              <a:t>, “Inferring networks of substitutable and complementary products,” KDD, 2015.</a:t>
-            </a:r>
+            <a:endParaRPr lang="en-US" sz="3360" dirty="0" smtClean="0">
+              <a:latin typeface="Cambria" panose="02040503050406030204" pitchFamily="18" charset="0"/>
+            </a:endParaRPr>
           </a:p>
           <a:p>
             <a:pPr marL="342900" indent="-342900">
@@ -4407,46 +5426,40 @@
               <a:buChar char="•"/>
             </a:pPr>
             <a:r>
-              <a:rPr lang="en-US" sz="3200" dirty="0">
+              <a:rPr lang="en-US" sz="3360" dirty="0" smtClean="0">
                 <a:latin typeface="Cambria" panose="02040503050406030204" pitchFamily="18" charset="0"/>
               </a:rPr>
-              <a:t>Q. S. J. J. </a:t>
-            </a:r>
-            <a:r>
-              <a:rPr lang="en-US" sz="3200" dirty="0" err="1">
+              <a:t>R</a:t>
+            </a:r>
+            <a:r>
+              <a:rPr lang="en-US" sz="3360" dirty="0">
                 <a:latin typeface="Cambria" panose="02040503050406030204" pitchFamily="18" charset="0"/>
               </a:rPr>
+              <a:t>. P. J. J. </a:t>
+            </a:r>
+            <a:r>
+              <a:rPr lang="en-US" sz="3360" dirty="0" err="1">
+                <a:latin typeface="Cambria" panose="02040503050406030204" pitchFamily="18" charset="0"/>
+              </a:rPr>
               <a:t>McAuley</a:t>
             </a:r>
             <a:r>
-              <a:rPr lang="en-US" sz="3200" dirty="0">
+              <a:rPr lang="en-US" sz="3360" dirty="0">
                 <a:latin typeface="Cambria" panose="02040503050406030204" pitchFamily="18" charset="0"/>
               </a:rPr>
-              <a:t>, C. </a:t>
-            </a:r>
-            <a:r>
-              <a:rPr lang="en-US" sz="3200" dirty="0" err="1">
+              <a:t> and J. </a:t>
+            </a:r>
+            <a:r>
+              <a:rPr lang="en-US" sz="3360" dirty="0" err="1">
                 <a:latin typeface="Cambria" panose="02040503050406030204" pitchFamily="18" charset="0"/>
               </a:rPr>
-              <a:t>Targett</a:t>
-            </a:r>
-            <a:r>
-              <a:rPr lang="en-US" sz="3200" dirty="0">
+              <a:t>Leskovec</a:t>
+            </a:r>
+            <a:r>
+              <a:rPr lang="en-US" sz="3360" dirty="0">
                 <a:latin typeface="Cambria" panose="02040503050406030204" pitchFamily="18" charset="0"/>
               </a:rPr>
-              <a:t> and A. van den </a:t>
-            </a:r>
-            <a:r>
-              <a:rPr lang="en-US" sz="3200" dirty="0" err="1">
-                <a:latin typeface="Cambria" panose="02040503050406030204" pitchFamily="18" charset="0"/>
-              </a:rPr>
-              <a:t>Hengel</a:t>
-            </a:r>
-            <a:r>
-              <a:rPr lang="en-US" sz="3200" dirty="0">
-                <a:latin typeface="Cambria" panose="02040503050406030204" pitchFamily="18" charset="0"/>
-              </a:rPr>
-              <a:t>, “Image-based recommendations on styles and substitutes,” SIGIR, 2015.</a:t>
+              <a:t>, “Inferring networks of substitutable and complementary products,” KDD, 2015.</a:t>
             </a:r>
           </a:p>
           <a:p>
@@ -4455,11 +5468,94 @@
               <a:buChar char="•"/>
             </a:pPr>
             <a:r>
-              <a:rPr lang="en-US" sz="3200" dirty="0">
+              <a:rPr lang="en-US" sz="3360" dirty="0">
                 <a:latin typeface="Cambria" panose="02040503050406030204" pitchFamily="18" charset="0"/>
               </a:rPr>
-              <a:t>A. K. Menon and C. Elkan, “Link prediction via matrix factorization,” ECML, 2011.</a:t>
-            </a:r>
+              <a:t>Q. S. J. J. </a:t>
+            </a:r>
+            <a:r>
+              <a:rPr lang="en-US" sz="3360" dirty="0" err="1">
+                <a:latin typeface="Cambria" panose="02040503050406030204" pitchFamily="18" charset="0"/>
+              </a:rPr>
+              <a:t>McAuley</a:t>
+            </a:r>
+            <a:r>
+              <a:rPr lang="en-US" sz="3360" dirty="0">
+                <a:latin typeface="Cambria" panose="02040503050406030204" pitchFamily="18" charset="0"/>
+              </a:rPr>
+              <a:t>, C. </a:t>
+            </a:r>
+            <a:r>
+              <a:rPr lang="en-US" sz="3360" dirty="0" err="1">
+                <a:latin typeface="Cambria" panose="02040503050406030204" pitchFamily="18" charset="0"/>
+              </a:rPr>
+              <a:t>Targett</a:t>
+            </a:r>
+            <a:r>
+              <a:rPr lang="en-US" sz="3360" dirty="0">
+                <a:latin typeface="Cambria" panose="02040503050406030204" pitchFamily="18" charset="0"/>
+              </a:rPr>
+              <a:t> and A. van den </a:t>
+            </a:r>
+            <a:r>
+              <a:rPr lang="en-US" sz="3360" dirty="0" err="1">
+                <a:latin typeface="Cambria" panose="02040503050406030204" pitchFamily="18" charset="0"/>
+              </a:rPr>
+              <a:t>Hengel</a:t>
+            </a:r>
+            <a:r>
+              <a:rPr lang="en-US" sz="3360" dirty="0">
+                <a:latin typeface="Cambria" panose="02040503050406030204" pitchFamily="18" charset="0"/>
+              </a:rPr>
+              <a:t>, “Image-based recommendations on styles and substitutes,” SIGIR, 2015.</a:t>
+            </a:r>
+          </a:p>
+          <a:p>
+            <a:pPr marL="342900" indent="-342900">
+              <a:buFont typeface="Arial" panose="020B0604020202020204" pitchFamily="34" charset="0"/>
+              <a:buChar char="•"/>
+            </a:pPr>
+            <a:r>
+              <a:rPr lang="en-US" sz="3360" dirty="0">
+                <a:latin typeface="Cambria" panose="02040503050406030204" pitchFamily="18" charset="0"/>
+              </a:rPr>
+              <a:t>A. K. Menon and C. Elkan, “Link prediction via matrix factorization,” ECML, 2011</a:t>
+            </a:r>
+            <a:r>
+              <a:rPr lang="en-US" sz="3360" dirty="0" smtClean="0">
+                <a:latin typeface="Cambria" panose="02040503050406030204" pitchFamily="18" charset="0"/>
+              </a:rPr>
+              <a:t>.</a:t>
+            </a:r>
+          </a:p>
+          <a:p>
+            <a:pPr marL="342900" indent="-342900">
+              <a:buFont typeface="Arial" panose="020B0604020202020204" pitchFamily="34" charset="0"/>
+              <a:buChar char="•"/>
+            </a:pPr>
+            <a:r>
+              <a:rPr lang="en-US" sz="3360" dirty="0">
+                <a:latin typeface="Cambria" panose="02040503050406030204" pitchFamily="18" charset="0"/>
+              </a:rPr>
+              <a:t>B. S. G. Linden and J. York, “Amazon.com </a:t>
+            </a:r>
+            <a:r>
+              <a:rPr lang="en-US" sz="3360" dirty="0" err="1">
+                <a:latin typeface="Cambria" panose="02040503050406030204" pitchFamily="18" charset="0"/>
+              </a:rPr>
+              <a:t>recommendations:Item-to-item</a:t>
+            </a:r>
+            <a:r>
+              <a:rPr lang="en-US" sz="3360" dirty="0">
+                <a:latin typeface="Cambria" panose="02040503050406030204" pitchFamily="18" charset="0"/>
+              </a:rPr>
+              <a:t> collaborative filtering,” IEEE Internet Computing, 2003.</a:t>
+            </a:r>
+          </a:p>
+          <a:p>
+            <a:endParaRPr lang="en-US" sz="3200" dirty="0">
+              <a:latin typeface="Cambria" panose="02040503050406030204" pitchFamily="18" charset="0"/>
+            </a:endParaRPr>
           </a:p>
           <a:p>
             <a:pPr marL="457200" indent="-457200" eaLnBrk="1" hangingPunct="1">
@@ -4477,7 +5573,7 @@
           <p:cNvPr id="60" name="Rectangle 59">
             <a:extLst>
               <a:ext uri="{FF2B5EF4-FFF2-40B4-BE49-F238E27FC236}">
-                <a16:creationId xmlns:a16="http://schemas.microsoft.com/office/drawing/2014/main" id="{A857D32F-3487-E242-8FB5-455B3A2D66CD}"/>
+                <a16:creationId xmlns:a16="http://schemas.microsoft.com/office/drawing/2014/main" xmlns="" id="{A857D32F-3487-E242-8FB5-455B3A2D66CD}"/>
               </a:ext>
             </a:extLst>
           </p:cNvPr>
@@ -4534,218 +5630,126 @@
           </a:p>
         </p:txBody>
       </p:sp>
-      <p:sp>
-        <p:nvSpPr>
-          <p:cNvPr id="61" name="Text Box 189">
-            <a:extLst>
-              <a:ext uri="{FF2B5EF4-FFF2-40B4-BE49-F238E27FC236}">
-                <a16:creationId xmlns:a16="http://schemas.microsoft.com/office/drawing/2014/main" id="{7260B1EC-9F2A-544F-9872-2E4A2404DDF8}"/>
-              </a:ext>
-            </a:extLst>
-          </p:cNvPr>
-          <p:cNvSpPr txBox="1">
-            <a:spLocks noChangeArrowheads="1"/>
-          </p:cNvSpPr>
+      <p:pic>
+        <p:nvPicPr>
+          <p:cNvPr id="13" name="Picture 12"/>
+          <p:cNvPicPr>
+            <a:picLocks noChangeAspect="1"/>
+          </p:cNvPicPr>
           <p:nvPr/>
-        </p:nvSpPr>
-        <p:spPr bwMode="auto">
+        </p:nvPicPr>
+        <p:blipFill>
+          <a:blip r:embed="rId5"/>
+          <a:stretch>
+            <a:fillRect/>
+          </a:stretch>
+        </p:blipFill>
+        <p:spPr>
           <a:xfrm>
-            <a:off x="16909885" y="5604194"/>
-            <a:ext cx="14322552" cy="7040880"/>
+            <a:off x="17630754" y="25978785"/>
+            <a:ext cx="12801600" cy="4673380"/>
           </a:xfrm>
           <a:prstGeom prst="rect">
             <a:avLst/>
           </a:prstGeom>
-          <a:solidFill>
-            <a:schemeClr val="bg1"/>
-          </a:solidFill>
-          <a:ln w="12700">
-            <a:solidFill>
-              <a:schemeClr val="accent1">
-                <a:lumMod val="75000"/>
-              </a:schemeClr>
-            </a:solidFill>
-          </a:ln>
-          <a:effectLst/>
         </p:spPr>
-        <p:txBody>
-          <a:bodyPr wrap="square" lIns="219456" tIns="219456" rIns="219456" bIns="219456">
-            <a:spAutoFit/>
-          </a:bodyPr>
-          <a:lstStyle>
-            <a:lvl1pPr eaLnBrk="0" hangingPunct="0">
-              <a:defRPr sz="2200">
-                <a:solidFill>
-                  <a:schemeClr val="tx1"/>
-                </a:solidFill>
-                <a:latin typeface="Arial" charset="0"/>
-              </a:defRPr>
-            </a:lvl1pPr>
-            <a:lvl2pPr marL="742950" indent="-285750" eaLnBrk="0" hangingPunct="0">
-              <a:defRPr sz="2200">
-                <a:solidFill>
-                  <a:schemeClr val="tx1"/>
-                </a:solidFill>
-                <a:latin typeface="Arial" charset="0"/>
-              </a:defRPr>
-            </a:lvl2pPr>
-            <a:lvl3pPr marL="1143000" indent="-228600" eaLnBrk="0" hangingPunct="0">
-              <a:defRPr sz="2200">
-                <a:solidFill>
-                  <a:schemeClr val="tx1"/>
-                </a:solidFill>
-                <a:latin typeface="Arial" charset="0"/>
-              </a:defRPr>
-            </a:lvl3pPr>
-            <a:lvl4pPr marL="1600200" indent="-228600" eaLnBrk="0" hangingPunct="0">
-              <a:defRPr sz="2200">
-                <a:solidFill>
-                  <a:schemeClr val="tx1"/>
-                </a:solidFill>
-                <a:latin typeface="Arial" charset="0"/>
-              </a:defRPr>
-            </a:lvl4pPr>
-            <a:lvl5pPr marL="2057400" indent="-228600" eaLnBrk="0" hangingPunct="0">
-              <a:defRPr sz="2200">
-                <a:solidFill>
-                  <a:schemeClr val="tx1"/>
-                </a:solidFill>
-                <a:latin typeface="Arial" charset="0"/>
-              </a:defRPr>
-            </a:lvl5pPr>
-            <a:lvl6pPr marL="2514600" indent="-228600" eaLnBrk="0" fontAlgn="base" hangingPunct="0">
-              <a:spcBef>
-                <a:spcPct val="0"/>
-              </a:spcBef>
-              <a:spcAft>
-                <a:spcPct val="0"/>
-              </a:spcAft>
-              <a:defRPr sz="2200">
-                <a:solidFill>
-                  <a:schemeClr val="tx1"/>
-                </a:solidFill>
-                <a:latin typeface="Arial" charset="0"/>
-              </a:defRPr>
-            </a:lvl6pPr>
-            <a:lvl7pPr marL="2971800" indent="-228600" eaLnBrk="0" fontAlgn="base" hangingPunct="0">
-              <a:spcBef>
-                <a:spcPct val="0"/>
-              </a:spcBef>
-              <a:spcAft>
-                <a:spcPct val="0"/>
-              </a:spcAft>
-              <a:defRPr sz="2200">
-                <a:solidFill>
-                  <a:schemeClr val="tx1"/>
-                </a:solidFill>
-                <a:latin typeface="Arial" charset="0"/>
-              </a:defRPr>
-            </a:lvl7pPr>
-            <a:lvl8pPr marL="3429000" indent="-228600" eaLnBrk="0" fontAlgn="base" hangingPunct="0">
-              <a:spcBef>
-                <a:spcPct val="0"/>
-              </a:spcBef>
-              <a:spcAft>
-                <a:spcPct val="0"/>
-              </a:spcAft>
-              <a:defRPr sz="2200">
-                <a:solidFill>
-                  <a:schemeClr val="tx1"/>
-                </a:solidFill>
-                <a:latin typeface="Arial" charset="0"/>
-              </a:defRPr>
-            </a:lvl8pPr>
-            <a:lvl9pPr marL="3886200" indent="-228600" eaLnBrk="0" fontAlgn="base" hangingPunct="0">
-              <a:spcBef>
-                <a:spcPct val="0"/>
-              </a:spcBef>
-              <a:spcAft>
-                <a:spcPct val="0"/>
-              </a:spcAft>
-              <a:defRPr sz="2200">
-                <a:solidFill>
-                  <a:schemeClr val="tx1"/>
-                </a:solidFill>
-                <a:latin typeface="Arial" charset="0"/>
-              </a:defRPr>
-            </a:lvl9pPr>
-          </a:lstStyle>
-          <a:p>
-            <a:pPr marL="457200" indent="-457200" eaLnBrk="1" hangingPunct="1">
-              <a:buFont typeface="Arial" charset="0"/>
-              <a:buChar char="•"/>
-            </a:pPr>
-            <a:r>
-              <a:rPr lang="en-US" sz="3300" dirty="0">
-                <a:latin typeface="Calibri" pitchFamily="34" charset="0"/>
-              </a:rPr>
-              <a:t>.</a:t>
-            </a:r>
-          </a:p>
-        </p:txBody>
-      </p:sp>
-      <p:sp>
-        <p:nvSpPr>
-          <p:cNvPr id="62" name="Rectangle 61">
-            <a:extLst>
-              <a:ext uri="{FF2B5EF4-FFF2-40B4-BE49-F238E27FC236}">
-                <a16:creationId xmlns:a16="http://schemas.microsoft.com/office/drawing/2014/main" id="{9D045DEE-52BE-EE4F-8D26-5E2B8AD7CC52}"/>
-              </a:ext>
-            </a:extLst>
-          </p:cNvPr>
-          <p:cNvSpPr/>
+      </p:pic>
+      <p:pic>
+        <p:nvPicPr>
+          <p:cNvPr id="14" name="Picture 13"/>
+          <p:cNvPicPr>
+            <a:picLocks noChangeAspect="1"/>
+          </p:cNvPicPr>
           <p:nvPr/>
-        </p:nvSpPr>
+        </p:nvPicPr>
+        <p:blipFill>
+          <a:blip r:embed="rId6"/>
+          <a:stretch>
+            <a:fillRect/>
+          </a:stretch>
+        </p:blipFill>
         <p:spPr>
           <a:xfrm>
-            <a:off x="16909885" y="4870704"/>
-            <a:ext cx="14322552" cy="768096"/>
+            <a:off x="17354891" y="24844008"/>
+            <a:ext cx="13423393" cy="1082668"/>
           </a:xfrm>
           <a:prstGeom prst="rect">
             <a:avLst/>
           </a:prstGeom>
-          <a:solidFill>
-            <a:schemeClr val="accent1">
-              <a:lumMod val="75000"/>
-            </a:schemeClr>
-          </a:solidFill>
-          <a:ln w="12700"/>
         </p:spPr>
-        <p:style>
-          <a:lnRef idx="2">
-            <a:schemeClr val="accent1">
-              <a:shade val="50000"/>
-            </a:schemeClr>
-          </a:lnRef>
-          <a:fillRef idx="1">
-            <a:schemeClr val="accent1"/>
-          </a:fillRef>
-          <a:effectRef idx="0">
-            <a:schemeClr val="accent1"/>
-          </a:effectRef>
-          <a:fontRef idx="minor">
-            <a:schemeClr val="lt1"/>
-          </a:fontRef>
-        </p:style>
-        <p:txBody>
-          <a:bodyPr rtlCol="0" anchor="ctr"/>
-          <a:lstStyle/>
-          <a:p>
-            <a:pPr algn="ctr"/>
-            <a:r>
-              <a:rPr lang="en-US" sz="5760" b="1" dirty="0">
-                <a:solidFill>
-                  <a:schemeClr val="accent3">
-                    <a:lumMod val="20000"/>
-                    <a:lumOff val="80000"/>
-                  </a:schemeClr>
-                </a:solidFill>
-              </a:rPr>
-              <a:t>Challenges</a:t>
-            </a:r>
-          </a:p>
-        </p:txBody>
-      </p:sp>
+      </p:pic>
+      <p:pic>
+        <p:nvPicPr>
+          <p:cNvPr id="15" name="Picture 14"/>
+          <p:cNvPicPr>
+            <a:picLocks noChangeAspect="1"/>
+          </p:cNvPicPr>
+          <p:nvPr/>
+        </p:nvPicPr>
+        <p:blipFill>
+          <a:blip r:embed="rId7"/>
+          <a:stretch>
+            <a:fillRect/>
+          </a:stretch>
+        </p:blipFill>
+        <p:spPr>
+          <a:xfrm>
+            <a:off x="17630753" y="16758291"/>
+            <a:ext cx="13147530" cy="821175"/>
+          </a:xfrm>
+          <a:prstGeom prst="rect">
+            <a:avLst/>
+          </a:prstGeom>
+        </p:spPr>
+      </p:pic>
+      <p:pic>
+        <p:nvPicPr>
+          <p:cNvPr id="18" name="Picture 17"/>
+          <p:cNvPicPr>
+            <a:picLocks noChangeAspect="1"/>
+          </p:cNvPicPr>
+          <p:nvPr/>
+        </p:nvPicPr>
+        <p:blipFill>
+          <a:blip r:embed="rId8"/>
+          <a:stretch>
+            <a:fillRect/>
+          </a:stretch>
+        </p:blipFill>
+        <p:spPr>
+          <a:xfrm>
+            <a:off x="17726526" y="19838165"/>
+            <a:ext cx="13147530" cy="1100653"/>
+          </a:xfrm>
+          <a:prstGeom prst="rect">
+            <a:avLst/>
+          </a:prstGeom>
+        </p:spPr>
+      </p:pic>
+      <p:pic>
+        <p:nvPicPr>
+          <p:cNvPr id="19" name="Picture 18"/>
+          <p:cNvPicPr>
+            <a:picLocks noChangeAspect="1"/>
+          </p:cNvPicPr>
+          <p:nvPr/>
+        </p:nvPicPr>
+        <p:blipFill>
+          <a:blip r:embed="rId9"/>
+          <a:stretch>
+            <a:fillRect/>
+          </a:stretch>
+        </p:blipFill>
+        <p:spPr>
+          <a:xfrm>
+            <a:off x="17726526" y="22449692"/>
+            <a:ext cx="11506201" cy="800508"/>
+          </a:xfrm>
+          <a:prstGeom prst="rect">
+            <a:avLst/>
+          </a:prstGeom>
+        </p:spPr>
+      </p:pic>
     </p:spTree>
     <p:extLst>
       <p:ext uri="{BB962C8B-B14F-4D97-AF65-F5344CB8AC3E}">

--- a/Documents/Poster.pptx
+++ b/Documents/Poster.pptx
@@ -208,7 +208,7 @@
           <a:p>
             <a:fld id="{6940945F-55B0-F94F-B3BA-04ED3CDD4315}" type="datetimeFigureOut">
               <a:rPr lang="en-US" smtClean="0"/>
-              <a:t>2/21/18</a:t>
+              <a:t>2/26/18</a:t>
             </a:fld>
             <a:endParaRPr lang="en-US"/>
           </a:p>
@@ -2077,7 +2077,7 @@
           <a:p>
             <a:fld id="{985D6BDF-9D0E-4E2B-85B8-D8F4790360C9}" type="datetimeFigureOut">
               <a:rPr lang="en-US" smtClean="0"/>
-              <a:t>2/21/18</a:t>
+              <a:t>2/26/18</a:t>
             </a:fld>
             <a:endParaRPr lang="en-US" dirty="0"/>
           </a:p>
@@ -2288,7 +2288,7 @@
           <a:p>
             <a:fld id="{985D6BDF-9D0E-4E2B-85B8-D8F4790360C9}" type="datetimeFigureOut">
               <a:rPr lang="en-US" smtClean="0"/>
-              <a:t>2/21/18</a:t>
+              <a:t>2/26/18</a:t>
             </a:fld>
             <a:endParaRPr lang="en-US" dirty="0"/>
           </a:p>
@@ -2656,6 +2656,615 @@
       </p:grpSpPr>
       <p:sp>
         <p:nvSpPr>
+          <p:cNvPr id="27" name="Text Box 189">
+            <a:extLst>
+              <a:ext uri="{FF2B5EF4-FFF2-40B4-BE49-F238E27FC236}">
+                <a16:creationId xmlns:a16="http://schemas.microsoft.com/office/drawing/2014/main" id="{7BAA2B14-9BFC-3A4B-8E59-15F10C94780C}"/>
+              </a:ext>
+            </a:extLst>
+          </p:cNvPr>
+          <p:cNvSpPr txBox="1">
+            <a:spLocks noChangeArrowheads="1"/>
+          </p:cNvSpPr>
+          <p:nvPr/>
+        </p:nvSpPr>
+        <p:spPr bwMode="auto">
+          <a:xfrm>
+            <a:off x="1755647" y="14188440"/>
+            <a:ext cx="14313407" cy="19232957"/>
+          </a:xfrm>
+          <a:prstGeom prst="rect">
+            <a:avLst/>
+          </a:prstGeom>
+          <a:solidFill>
+            <a:schemeClr val="bg1"/>
+          </a:solidFill>
+          <a:ln w="12700">
+            <a:solidFill>
+              <a:schemeClr val="accent1">
+                <a:lumMod val="75000"/>
+              </a:schemeClr>
+            </a:solidFill>
+          </a:ln>
+          <a:effectLst/>
+        </p:spPr>
+        <p:txBody>
+          <a:bodyPr wrap="square" lIns="219456" tIns="219456" rIns="219456" bIns="219456">
+            <a:spAutoFit/>
+          </a:bodyPr>
+          <a:lstStyle>
+            <a:lvl1pPr eaLnBrk="0" hangingPunct="0">
+              <a:defRPr sz="2200">
+                <a:solidFill>
+                  <a:schemeClr val="tx1"/>
+                </a:solidFill>
+                <a:latin typeface="Arial" charset="0"/>
+              </a:defRPr>
+            </a:lvl1pPr>
+            <a:lvl2pPr marL="742950" indent="-285750" eaLnBrk="0" hangingPunct="0">
+              <a:defRPr sz="2200">
+                <a:solidFill>
+                  <a:schemeClr val="tx1"/>
+                </a:solidFill>
+                <a:latin typeface="Arial" charset="0"/>
+              </a:defRPr>
+            </a:lvl2pPr>
+            <a:lvl3pPr marL="1143000" indent="-228600" eaLnBrk="0" hangingPunct="0">
+              <a:defRPr sz="2200">
+                <a:solidFill>
+                  <a:schemeClr val="tx1"/>
+                </a:solidFill>
+                <a:latin typeface="Arial" charset="0"/>
+              </a:defRPr>
+            </a:lvl3pPr>
+            <a:lvl4pPr marL="1600200" indent="-228600" eaLnBrk="0" hangingPunct="0">
+              <a:defRPr sz="2200">
+                <a:solidFill>
+                  <a:schemeClr val="tx1"/>
+                </a:solidFill>
+                <a:latin typeface="Arial" charset="0"/>
+              </a:defRPr>
+            </a:lvl4pPr>
+            <a:lvl5pPr marL="2057400" indent="-228600" eaLnBrk="0" hangingPunct="0">
+              <a:defRPr sz="2200">
+                <a:solidFill>
+                  <a:schemeClr val="tx1"/>
+                </a:solidFill>
+                <a:latin typeface="Arial" charset="0"/>
+              </a:defRPr>
+            </a:lvl5pPr>
+            <a:lvl6pPr marL="2514600" indent="-228600" eaLnBrk="0" fontAlgn="base" hangingPunct="0">
+              <a:spcBef>
+                <a:spcPct val="0"/>
+              </a:spcBef>
+              <a:spcAft>
+                <a:spcPct val="0"/>
+              </a:spcAft>
+              <a:defRPr sz="2200">
+                <a:solidFill>
+                  <a:schemeClr val="tx1"/>
+                </a:solidFill>
+                <a:latin typeface="Arial" charset="0"/>
+              </a:defRPr>
+            </a:lvl6pPr>
+            <a:lvl7pPr marL="2971800" indent="-228600" eaLnBrk="0" fontAlgn="base" hangingPunct="0">
+              <a:spcBef>
+                <a:spcPct val="0"/>
+              </a:spcBef>
+              <a:spcAft>
+                <a:spcPct val="0"/>
+              </a:spcAft>
+              <a:defRPr sz="2200">
+                <a:solidFill>
+                  <a:schemeClr val="tx1"/>
+                </a:solidFill>
+                <a:latin typeface="Arial" charset="0"/>
+              </a:defRPr>
+            </a:lvl7pPr>
+            <a:lvl8pPr marL="3429000" indent="-228600" eaLnBrk="0" fontAlgn="base" hangingPunct="0">
+              <a:spcBef>
+                <a:spcPct val="0"/>
+              </a:spcBef>
+              <a:spcAft>
+                <a:spcPct val="0"/>
+              </a:spcAft>
+              <a:defRPr sz="2200">
+                <a:solidFill>
+                  <a:schemeClr val="tx1"/>
+                </a:solidFill>
+                <a:latin typeface="Arial" charset="0"/>
+              </a:defRPr>
+            </a:lvl8pPr>
+            <a:lvl9pPr marL="3886200" indent="-228600" eaLnBrk="0" fontAlgn="base" hangingPunct="0">
+              <a:spcBef>
+                <a:spcPct val="0"/>
+              </a:spcBef>
+              <a:spcAft>
+                <a:spcPct val="0"/>
+              </a:spcAft>
+              <a:defRPr sz="2200">
+                <a:solidFill>
+                  <a:schemeClr val="tx1"/>
+                </a:solidFill>
+                <a:latin typeface="Arial" charset="0"/>
+              </a:defRPr>
+            </a:lvl9pPr>
+          </a:lstStyle>
+          <a:p>
+            <a:pPr eaLnBrk="1" hangingPunct="1"/>
+            <a:endParaRPr lang="en-US" sz="3300" dirty="0">
+              <a:latin typeface="Calibri" pitchFamily="34" charset="0"/>
+            </a:endParaRPr>
+          </a:p>
+          <a:p>
+            <a:pPr eaLnBrk="1" hangingPunct="1"/>
+            <a:endParaRPr lang="en-US" sz="3300" dirty="0">
+              <a:latin typeface="Calibri" pitchFamily="34" charset="0"/>
+            </a:endParaRPr>
+          </a:p>
+          <a:p>
+            <a:pPr eaLnBrk="1" hangingPunct="1"/>
+            <a:endParaRPr lang="en-US" sz="3300" dirty="0">
+              <a:latin typeface="Calibri" pitchFamily="34" charset="0"/>
+            </a:endParaRPr>
+          </a:p>
+          <a:p>
+            <a:pPr eaLnBrk="1" hangingPunct="1"/>
+            <a:endParaRPr lang="en-US" sz="3300" dirty="0">
+              <a:latin typeface="Calibri" pitchFamily="34" charset="0"/>
+            </a:endParaRPr>
+          </a:p>
+          <a:p>
+            <a:pPr eaLnBrk="1" hangingPunct="1"/>
+            <a:endParaRPr lang="en-US" sz="3300" dirty="0">
+              <a:latin typeface="Calibri" pitchFamily="34" charset="0"/>
+            </a:endParaRPr>
+          </a:p>
+          <a:p>
+            <a:pPr eaLnBrk="1" hangingPunct="1"/>
+            <a:endParaRPr lang="en-US" sz="3300" dirty="0">
+              <a:latin typeface="Calibri" pitchFamily="34" charset="0"/>
+            </a:endParaRPr>
+          </a:p>
+          <a:p>
+            <a:pPr eaLnBrk="1" hangingPunct="1"/>
+            <a:endParaRPr lang="en-US" sz="3300" dirty="0">
+              <a:latin typeface="Calibri" pitchFamily="34" charset="0"/>
+            </a:endParaRPr>
+          </a:p>
+          <a:p>
+            <a:pPr eaLnBrk="1" hangingPunct="1"/>
+            <a:endParaRPr lang="en-US" sz="3300" dirty="0">
+              <a:latin typeface="Calibri" pitchFamily="34" charset="0"/>
+            </a:endParaRPr>
+          </a:p>
+          <a:p>
+            <a:pPr eaLnBrk="1" hangingPunct="1"/>
+            <a:endParaRPr lang="en-US" sz="3300" dirty="0">
+              <a:latin typeface="Calibri" pitchFamily="34" charset="0"/>
+            </a:endParaRPr>
+          </a:p>
+          <a:p>
+            <a:pPr eaLnBrk="1" hangingPunct="1"/>
+            <a:endParaRPr lang="en-US" sz="3300" dirty="0">
+              <a:latin typeface="Calibri" pitchFamily="34" charset="0"/>
+            </a:endParaRPr>
+          </a:p>
+          <a:p>
+            <a:pPr eaLnBrk="1" hangingPunct="1"/>
+            <a:endParaRPr lang="en-US" sz="3300" dirty="0">
+              <a:latin typeface="Calibri" pitchFamily="34" charset="0"/>
+            </a:endParaRPr>
+          </a:p>
+          <a:p>
+            <a:pPr eaLnBrk="1" hangingPunct="1"/>
+            <a:endParaRPr lang="en-US" sz="3300" dirty="0">
+              <a:latin typeface="Calibri" pitchFamily="34" charset="0"/>
+            </a:endParaRPr>
+          </a:p>
+          <a:p>
+            <a:pPr eaLnBrk="1" hangingPunct="1"/>
+            <a:endParaRPr lang="en-US" sz="3300" dirty="0">
+              <a:latin typeface="Calibri" pitchFamily="34" charset="0"/>
+            </a:endParaRPr>
+          </a:p>
+          <a:p>
+            <a:pPr eaLnBrk="1" hangingPunct="1"/>
+            <a:endParaRPr lang="en-US" sz="3300" dirty="0">
+              <a:latin typeface="Calibri" pitchFamily="34" charset="0"/>
+            </a:endParaRPr>
+          </a:p>
+          <a:p>
+            <a:pPr eaLnBrk="1" hangingPunct="1"/>
+            <a:endParaRPr lang="en-US" sz="3300" dirty="0">
+              <a:latin typeface="Calibri" pitchFamily="34" charset="0"/>
+            </a:endParaRPr>
+          </a:p>
+          <a:p>
+            <a:pPr eaLnBrk="1" hangingPunct="1"/>
+            <a:endParaRPr lang="en-US" sz="3300" dirty="0">
+              <a:latin typeface="Calibri" pitchFamily="34" charset="0"/>
+            </a:endParaRPr>
+          </a:p>
+          <a:p>
+            <a:pPr eaLnBrk="1" hangingPunct="1"/>
+            <a:endParaRPr lang="en-US" sz="3300" dirty="0">
+              <a:latin typeface="Calibri" pitchFamily="34" charset="0"/>
+            </a:endParaRPr>
+          </a:p>
+          <a:p>
+            <a:pPr eaLnBrk="1" hangingPunct="1"/>
+            <a:endParaRPr lang="en-US" sz="3300" dirty="0">
+              <a:latin typeface="Calibri" pitchFamily="34" charset="0"/>
+            </a:endParaRPr>
+          </a:p>
+          <a:p>
+            <a:pPr eaLnBrk="1" hangingPunct="1"/>
+            <a:endParaRPr lang="en-US" sz="3300" dirty="0">
+              <a:latin typeface="Calibri" pitchFamily="34" charset="0"/>
+            </a:endParaRPr>
+          </a:p>
+          <a:p>
+            <a:pPr eaLnBrk="1" hangingPunct="1"/>
+            <a:endParaRPr lang="en-US" sz="3300" dirty="0">
+              <a:latin typeface="Calibri" pitchFamily="34" charset="0"/>
+            </a:endParaRPr>
+          </a:p>
+          <a:p>
+            <a:pPr eaLnBrk="1" hangingPunct="1"/>
+            <a:endParaRPr lang="en-US" sz="3300" dirty="0">
+              <a:latin typeface="Calibri" pitchFamily="34" charset="0"/>
+            </a:endParaRPr>
+          </a:p>
+          <a:p>
+            <a:pPr eaLnBrk="1" hangingPunct="1"/>
+            <a:endParaRPr lang="en-US" sz="3300" dirty="0">
+              <a:latin typeface="Calibri" pitchFamily="34" charset="0"/>
+            </a:endParaRPr>
+          </a:p>
+          <a:p>
+            <a:pPr eaLnBrk="1" hangingPunct="1"/>
+            <a:endParaRPr lang="en-US" sz="3300" dirty="0">
+              <a:latin typeface="Calibri" pitchFamily="34" charset="0"/>
+            </a:endParaRPr>
+          </a:p>
+          <a:p>
+            <a:pPr eaLnBrk="1" hangingPunct="1"/>
+            <a:endParaRPr lang="en-US" sz="3300" dirty="0">
+              <a:latin typeface="Calibri" pitchFamily="34" charset="0"/>
+            </a:endParaRPr>
+          </a:p>
+          <a:p>
+            <a:pPr eaLnBrk="1" hangingPunct="1"/>
+            <a:endParaRPr lang="en-US" sz="3300" dirty="0">
+              <a:latin typeface="Calibri" pitchFamily="34" charset="0"/>
+            </a:endParaRPr>
+          </a:p>
+          <a:p>
+            <a:pPr eaLnBrk="1" hangingPunct="1"/>
+            <a:endParaRPr lang="en-US" sz="3300" dirty="0">
+              <a:latin typeface="Calibri" pitchFamily="34" charset="0"/>
+            </a:endParaRPr>
+          </a:p>
+          <a:p>
+            <a:pPr eaLnBrk="1" hangingPunct="1"/>
+            <a:endParaRPr lang="en-US" sz="3300" dirty="0">
+              <a:latin typeface="Calibri" pitchFamily="34" charset="0"/>
+            </a:endParaRPr>
+          </a:p>
+          <a:p>
+            <a:pPr eaLnBrk="1" hangingPunct="1"/>
+            <a:endParaRPr lang="en-US" sz="3300" dirty="0">
+              <a:latin typeface="Calibri" pitchFamily="34" charset="0"/>
+            </a:endParaRPr>
+          </a:p>
+          <a:p>
+            <a:pPr eaLnBrk="1" hangingPunct="1"/>
+            <a:endParaRPr lang="en-US" sz="3300" dirty="0">
+              <a:latin typeface="Calibri" pitchFamily="34" charset="0"/>
+            </a:endParaRPr>
+          </a:p>
+          <a:p>
+            <a:pPr eaLnBrk="1" hangingPunct="1"/>
+            <a:endParaRPr lang="en-US" sz="3300" dirty="0">
+              <a:latin typeface="Calibri" pitchFamily="34" charset="0"/>
+            </a:endParaRPr>
+          </a:p>
+          <a:p>
+            <a:pPr eaLnBrk="1" hangingPunct="1"/>
+            <a:endParaRPr lang="en-US" sz="3300" dirty="0">
+              <a:latin typeface="Calibri" pitchFamily="34" charset="0"/>
+            </a:endParaRPr>
+          </a:p>
+          <a:p>
+            <a:pPr eaLnBrk="1" hangingPunct="1"/>
+            <a:endParaRPr lang="en-US" sz="3300" dirty="0">
+              <a:latin typeface="Calibri" pitchFamily="34" charset="0"/>
+            </a:endParaRPr>
+          </a:p>
+          <a:p>
+            <a:pPr eaLnBrk="1" hangingPunct="1"/>
+            <a:endParaRPr lang="en-US" sz="3300" dirty="0">
+              <a:latin typeface="Calibri" pitchFamily="34" charset="0"/>
+            </a:endParaRPr>
+          </a:p>
+          <a:p>
+            <a:pPr eaLnBrk="1" hangingPunct="1"/>
+            <a:endParaRPr lang="en-US" sz="3300" dirty="0">
+              <a:latin typeface="Calibri" pitchFamily="34" charset="0"/>
+            </a:endParaRPr>
+          </a:p>
+          <a:p>
+            <a:pPr eaLnBrk="1" hangingPunct="1"/>
+            <a:endParaRPr lang="en-US" sz="3300" dirty="0">
+              <a:latin typeface="Calibri" pitchFamily="34" charset="0"/>
+            </a:endParaRPr>
+          </a:p>
+          <a:p>
+            <a:pPr eaLnBrk="1" hangingPunct="1"/>
+            <a:endParaRPr lang="en-US" sz="3300" dirty="0">
+              <a:latin typeface="Calibri" pitchFamily="34" charset="0"/>
+            </a:endParaRPr>
+          </a:p>
+          <a:p>
+            <a:pPr eaLnBrk="1" hangingPunct="1"/>
+            <a:endParaRPr lang="en-US" sz="3300" dirty="0">
+              <a:latin typeface="Calibri" pitchFamily="34" charset="0"/>
+            </a:endParaRPr>
+          </a:p>
+        </p:txBody>
+      </p:sp>
+      <p:sp>
+        <p:nvSpPr>
+          <p:cNvPr id="61" name="Text Box 189">
+            <a:extLst>
+              <a:ext uri="{FF2B5EF4-FFF2-40B4-BE49-F238E27FC236}">
+                <a16:creationId xmlns:a16="http://schemas.microsoft.com/office/drawing/2014/main" id="{7260B1EC-9F2A-544F-9872-2E4A2404DDF8}"/>
+              </a:ext>
+            </a:extLst>
+          </p:cNvPr>
+          <p:cNvSpPr txBox="1">
+            <a:spLocks noChangeArrowheads="1"/>
+          </p:cNvSpPr>
+          <p:nvPr/>
+        </p:nvSpPr>
+        <p:spPr bwMode="auto">
+          <a:xfrm>
+            <a:off x="16916400" y="5604194"/>
+            <a:ext cx="14322552" cy="9233297"/>
+          </a:xfrm>
+          <a:prstGeom prst="rect">
+            <a:avLst/>
+          </a:prstGeom>
+          <a:solidFill>
+            <a:schemeClr val="bg1"/>
+          </a:solidFill>
+          <a:ln w="12700">
+            <a:solidFill>
+              <a:schemeClr val="accent1">
+                <a:lumMod val="75000"/>
+              </a:schemeClr>
+            </a:solidFill>
+          </a:ln>
+          <a:effectLst/>
+        </p:spPr>
+        <p:txBody>
+          <a:bodyPr wrap="square" lIns="219456" tIns="219456" rIns="219456" bIns="219456">
+            <a:spAutoFit/>
+          </a:bodyPr>
+          <a:lstStyle>
+            <a:lvl1pPr eaLnBrk="0" hangingPunct="0">
+              <a:defRPr sz="2200">
+                <a:solidFill>
+                  <a:schemeClr val="tx1"/>
+                </a:solidFill>
+                <a:latin typeface="Arial" charset="0"/>
+              </a:defRPr>
+            </a:lvl1pPr>
+            <a:lvl2pPr marL="742950" indent="-285750" eaLnBrk="0" hangingPunct="0">
+              <a:defRPr sz="2200">
+                <a:solidFill>
+                  <a:schemeClr val="tx1"/>
+                </a:solidFill>
+                <a:latin typeface="Arial" charset="0"/>
+              </a:defRPr>
+            </a:lvl2pPr>
+            <a:lvl3pPr marL="1143000" indent="-228600" eaLnBrk="0" hangingPunct="0">
+              <a:defRPr sz="2200">
+                <a:solidFill>
+                  <a:schemeClr val="tx1"/>
+                </a:solidFill>
+                <a:latin typeface="Arial" charset="0"/>
+              </a:defRPr>
+            </a:lvl3pPr>
+            <a:lvl4pPr marL="1600200" indent="-228600" eaLnBrk="0" hangingPunct="0">
+              <a:defRPr sz="2200">
+                <a:solidFill>
+                  <a:schemeClr val="tx1"/>
+                </a:solidFill>
+                <a:latin typeface="Arial" charset="0"/>
+              </a:defRPr>
+            </a:lvl4pPr>
+            <a:lvl5pPr marL="2057400" indent="-228600" eaLnBrk="0" hangingPunct="0">
+              <a:defRPr sz="2200">
+                <a:solidFill>
+                  <a:schemeClr val="tx1"/>
+                </a:solidFill>
+                <a:latin typeface="Arial" charset="0"/>
+              </a:defRPr>
+            </a:lvl5pPr>
+            <a:lvl6pPr marL="2514600" indent="-228600" eaLnBrk="0" fontAlgn="base" hangingPunct="0">
+              <a:spcBef>
+                <a:spcPct val="0"/>
+              </a:spcBef>
+              <a:spcAft>
+                <a:spcPct val="0"/>
+              </a:spcAft>
+              <a:defRPr sz="2200">
+                <a:solidFill>
+                  <a:schemeClr val="tx1"/>
+                </a:solidFill>
+                <a:latin typeface="Arial" charset="0"/>
+              </a:defRPr>
+            </a:lvl6pPr>
+            <a:lvl7pPr marL="2971800" indent="-228600" eaLnBrk="0" fontAlgn="base" hangingPunct="0">
+              <a:spcBef>
+                <a:spcPct val="0"/>
+              </a:spcBef>
+              <a:spcAft>
+                <a:spcPct val="0"/>
+              </a:spcAft>
+              <a:defRPr sz="2200">
+                <a:solidFill>
+                  <a:schemeClr val="tx1"/>
+                </a:solidFill>
+                <a:latin typeface="Arial" charset="0"/>
+              </a:defRPr>
+            </a:lvl7pPr>
+            <a:lvl8pPr marL="3429000" indent="-228600" eaLnBrk="0" fontAlgn="base" hangingPunct="0">
+              <a:spcBef>
+                <a:spcPct val="0"/>
+              </a:spcBef>
+              <a:spcAft>
+                <a:spcPct val="0"/>
+              </a:spcAft>
+              <a:defRPr sz="2200">
+                <a:solidFill>
+                  <a:schemeClr val="tx1"/>
+                </a:solidFill>
+                <a:latin typeface="Arial" charset="0"/>
+              </a:defRPr>
+            </a:lvl8pPr>
+            <a:lvl9pPr marL="3886200" indent="-228600" eaLnBrk="0" fontAlgn="base" hangingPunct="0">
+              <a:spcBef>
+                <a:spcPct val="0"/>
+              </a:spcBef>
+              <a:spcAft>
+                <a:spcPct val="0"/>
+              </a:spcAft>
+              <a:defRPr sz="2200">
+                <a:solidFill>
+                  <a:schemeClr val="tx1"/>
+                </a:solidFill>
+                <a:latin typeface="Arial" charset="0"/>
+              </a:defRPr>
+            </a:lvl9pPr>
+          </a:lstStyle>
+          <a:p>
+            <a:pPr marL="457200" indent="-457200" eaLnBrk="1" hangingPunct="1">
+              <a:buFont typeface="Arial" charset="0"/>
+              <a:buChar char="•"/>
+            </a:pPr>
+            <a:endParaRPr lang="en-US" sz="3360" dirty="0">
+              <a:latin typeface="Calibri" pitchFamily="34" charset="0"/>
+            </a:endParaRPr>
+          </a:p>
+          <a:p>
+            <a:pPr marL="457200" indent="-457200" eaLnBrk="1" hangingPunct="1">
+              <a:buFont typeface="Arial" charset="0"/>
+              <a:buChar char="•"/>
+            </a:pPr>
+            <a:r>
+              <a:rPr lang="en-US" sz="3360" dirty="0">
+                <a:latin typeface="Calibri" pitchFamily="34" charset="0"/>
+              </a:rPr>
+              <a:t>Definition of Compatibility – Constructing a completely brand-new definition of compatibility based on categories and text recognition</a:t>
+            </a:r>
+          </a:p>
+          <a:p>
+            <a:pPr marL="1200150" lvl="1" indent="-457200" eaLnBrk="1" hangingPunct="1">
+              <a:buFont typeface="Arial" charset="0"/>
+              <a:buChar char="•"/>
+            </a:pPr>
+            <a:r>
+              <a:rPr lang="en-US" sz="3360" dirty="0">
+                <a:latin typeface="Calibri" pitchFamily="34" charset="0"/>
+              </a:rPr>
+              <a:t>Utilizing Google Cloud Natural Language platform</a:t>
+            </a:r>
+          </a:p>
+          <a:p>
+            <a:pPr marL="1200150" lvl="1" indent="-457200" eaLnBrk="1" hangingPunct="1">
+              <a:buFont typeface="Arial" charset="0"/>
+              <a:buChar char="•"/>
+            </a:pPr>
+            <a:r>
+              <a:rPr lang="en-US" sz="3360" dirty="0">
+                <a:latin typeface="Calibri" pitchFamily="34" charset="0"/>
+              </a:rPr>
+              <a:t>Creating own model with compatibility-based relationship mappings</a:t>
+            </a:r>
+          </a:p>
+          <a:p>
+            <a:pPr lvl="1" indent="0" eaLnBrk="1" hangingPunct="1"/>
+            <a:endParaRPr lang="en-US" sz="3360" dirty="0">
+              <a:latin typeface="Calibri" pitchFamily="34" charset="0"/>
+            </a:endParaRPr>
+          </a:p>
+          <a:p>
+            <a:pPr marL="457200" indent="-457200" eaLnBrk="1" hangingPunct="1">
+              <a:buFont typeface="Arial" charset="0"/>
+              <a:buChar char="•"/>
+            </a:pPr>
+            <a:r>
+              <a:rPr lang="en-US" sz="3360" dirty="0">
+                <a:latin typeface="Calibri" pitchFamily="34" charset="0"/>
+              </a:rPr>
+              <a:t>Cold Start Problem – Because traditional recommender systems recommend compatible items based on co-purchasing, it is harder for new products to be recommended to the active user in this way</a:t>
+            </a:r>
+          </a:p>
+          <a:p>
+            <a:pPr marL="1200150" lvl="1" indent="-457200" eaLnBrk="1" hangingPunct="1">
+              <a:buFont typeface="Arial" charset="0"/>
+              <a:buChar char="•"/>
+            </a:pPr>
+            <a:r>
+              <a:rPr lang="en-US" sz="3360" dirty="0">
+                <a:latin typeface="Calibri" pitchFamily="34" charset="0"/>
+              </a:rPr>
+              <a:t>Solution: Our definition of compatibility will eliminate the cold start problem when recommending compatible products</a:t>
+            </a:r>
+          </a:p>
+          <a:p>
+            <a:pPr lvl="1" indent="0" eaLnBrk="1" hangingPunct="1"/>
+            <a:endParaRPr lang="en-US" sz="3360" dirty="0">
+              <a:latin typeface="Calibri" pitchFamily="34" charset="0"/>
+            </a:endParaRPr>
+          </a:p>
+          <a:p>
+            <a:pPr lvl="1" indent="0" eaLnBrk="1" hangingPunct="1"/>
+            <a:endParaRPr lang="en-US" sz="3360" dirty="0">
+              <a:latin typeface="Calibri" pitchFamily="34" charset="0"/>
+            </a:endParaRPr>
+          </a:p>
+          <a:p>
+            <a:pPr lvl="1" indent="0" eaLnBrk="1" hangingPunct="1"/>
+            <a:endParaRPr lang="en-US" sz="3360" dirty="0">
+              <a:latin typeface="Calibri" pitchFamily="34" charset="0"/>
+            </a:endParaRPr>
+          </a:p>
+          <a:p>
+            <a:pPr lvl="1" indent="0" eaLnBrk="1" hangingPunct="1"/>
+            <a:endParaRPr lang="en-US" sz="3360" dirty="0">
+              <a:latin typeface="Calibri" pitchFamily="34" charset="0"/>
+            </a:endParaRPr>
+          </a:p>
+          <a:p>
+            <a:pPr lvl="1" indent="0" eaLnBrk="1" hangingPunct="1"/>
+            <a:endParaRPr lang="en-US" sz="3360" dirty="0">
+              <a:latin typeface="Calibri" pitchFamily="34" charset="0"/>
+            </a:endParaRPr>
+          </a:p>
+          <a:p>
+            <a:pPr lvl="1" indent="0" eaLnBrk="1" hangingPunct="1"/>
+            <a:endParaRPr lang="en-US" sz="3360" dirty="0">
+              <a:latin typeface="Calibri" pitchFamily="34" charset="0"/>
+            </a:endParaRPr>
+          </a:p>
+        </p:txBody>
+      </p:sp>
+      <p:sp>
+        <p:nvSpPr>
           <p:cNvPr id="39" name="Text Box 122"/>
           <p:cNvSpPr txBox="1">
             <a:spLocks noChangeArrowheads="1"/>
@@ -2664,7 +3273,7 @@
         </p:nvSpPr>
         <p:spPr bwMode="auto">
           <a:xfrm>
-            <a:off x="5486400" y="76200"/>
+            <a:off x="5668263" y="447362"/>
             <a:ext cx="21945600" cy="2367534"/>
           </a:xfrm>
           <a:prstGeom prst="rect">
@@ -2809,18 +3418,18 @@
           <a:p>
             <a:pPr algn="ctr" eaLnBrk="1" hangingPunct="1"/>
             <a:r>
-              <a:rPr lang="en-US" sz="6200" b="1" dirty="0">
+              <a:rPr lang="en-US" sz="8000" b="1" dirty="0">
                 <a:solidFill>
                   <a:schemeClr val="accent3">
                     <a:lumMod val="20000"/>
                     <a:lumOff val="80000"/>
                   </a:schemeClr>
                 </a:solidFill>
-                <a:latin typeface="Times New Roman" charset="0"/>
+                <a:latin typeface="Calibri" panose="020F0502020204030204" pitchFamily="34" charset="0"/>
                 <a:ea typeface="Times New Roman" charset="0"/>
-                <a:cs typeface="Times New Roman" charset="0"/>
-              </a:rPr>
-              <a:t>Compatibility for Electronic Recommender Systems</a:t>
+                <a:cs typeface="Calibri" panose="020F0502020204030204" pitchFamily="34" charset="0"/>
+              </a:rPr>
+              <a:t>Compatible Item Recommendation</a:t>
             </a:r>
           </a:p>
         </p:txBody>
@@ -2984,9 +3593,9 @@
                 <a:solidFill>
                   <a:schemeClr val="bg1"/>
                 </a:solidFill>
-                <a:latin typeface="Times New Roman" charset="0"/>
+                <a:latin typeface="Calibri" panose="020F0502020204030204" pitchFamily="34" charset="0"/>
                 <a:ea typeface="Times New Roman" charset="0"/>
-                <a:cs typeface="Times New Roman" charset="0"/>
+                <a:cs typeface="Calibri" panose="020F0502020204030204" pitchFamily="34" charset="0"/>
               </a:rPr>
               <a:t>Kevin J Nguyen, Victoria Wei, James </a:t>
             </a:r>
@@ -2995,20 +3604,23 @@
                 <a:solidFill>
                   <a:schemeClr val="bg1"/>
                 </a:solidFill>
-                <a:latin typeface="Times New Roman" charset="0"/>
+                <a:latin typeface="Calibri" panose="020F0502020204030204" pitchFamily="34" charset="0"/>
                 <a:ea typeface="Times New Roman" charset="0"/>
-                <a:cs typeface="Times New Roman" charset="0"/>
+                <a:cs typeface="Calibri" panose="020F0502020204030204" pitchFamily="34" charset="0"/>
               </a:rPr>
               <a:t>Caverlee</a:t>
             </a:r>
-            <a:endParaRPr lang="en-US" sz="4800" dirty="0">
-              <a:solidFill>
-                <a:schemeClr val="bg1"/>
-              </a:solidFill>
-              <a:latin typeface="Times New Roman" charset="0"/>
-              <a:ea typeface="Times New Roman" charset="0"/>
-              <a:cs typeface="Times New Roman" charset="0"/>
-            </a:endParaRPr>
+            <a:r>
+              <a:rPr lang="en-US" sz="4800" dirty="0">
+                <a:solidFill>
+                  <a:schemeClr val="bg1"/>
+                </a:solidFill>
+                <a:latin typeface="Calibri" panose="020F0502020204030204" pitchFamily="34" charset="0"/>
+                <a:ea typeface="Times New Roman" charset="0"/>
+                <a:cs typeface="Calibri" panose="020F0502020204030204" pitchFamily="34" charset="0"/>
+              </a:rPr>
+              <a:t>, Yin Zhang</a:t>
+            </a:r>
           </a:p>
           <a:p>
             <a:pPr algn="ctr" eaLnBrk="1" hangingPunct="1"/>
@@ -3017,9 +3629,9 @@
                 <a:solidFill>
                   <a:schemeClr val="bg1"/>
                 </a:solidFill>
-                <a:latin typeface="Times New Roman" charset="0"/>
+                <a:latin typeface="Calibri" panose="020F0502020204030204" pitchFamily="34" charset="0"/>
                 <a:ea typeface="Times New Roman" charset="0"/>
-                <a:cs typeface="Times New Roman" charset="0"/>
+                <a:cs typeface="Calibri" panose="020F0502020204030204" pitchFamily="34" charset="0"/>
               </a:rPr>
               <a:t>Computer Science and Engineering, Texas A&amp;M University</a:t>
             </a:r>
@@ -3037,7 +3649,7 @@
         <p:spPr bwMode="auto">
           <a:xfrm>
             <a:off x="1755648" y="5604194"/>
-            <a:ext cx="14322552" cy="7045006"/>
+            <a:ext cx="14322552" cy="12243352"/>
           </a:xfrm>
           <a:prstGeom prst="rect">
             <a:avLst/>
@@ -3161,12 +3773,120 @@
               <a:buFont typeface="Arial" charset="0"/>
               <a:buChar char="•"/>
             </a:pPr>
-            <a:r>
-              <a:rPr lang="en-US" sz="3300" dirty="0">
-                <a:latin typeface="Calibri" pitchFamily="34" charset="0"/>
-              </a:rPr>
-              <a:t>We quantify compatibility as the measure of systematic similarity and differences between products.</a:t>
-            </a:r>
+            <a:endParaRPr lang="en-US" sz="3360" dirty="0">
+              <a:latin typeface="Calibri" pitchFamily="34" charset="0"/>
+            </a:endParaRPr>
+          </a:p>
+          <a:p>
+            <a:pPr marL="457200" indent="-457200" eaLnBrk="1" hangingPunct="1">
+              <a:buFont typeface="Arial" charset="0"/>
+              <a:buChar char="•"/>
+            </a:pPr>
+            <a:r>
+              <a:rPr lang="en-US" sz="3360" dirty="0">
+                <a:latin typeface="Calibri" pitchFamily="34" charset="0"/>
+              </a:rPr>
+              <a:t>There are billions of products on Amazon, eBay, and other retailers</a:t>
+            </a:r>
+          </a:p>
+          <a:p>
+            <a:pPr marL="457200" indent="-457200" eaLnBrk="1" hangingPunct="1">
+              <a:buFont typeface="Arial" charset="0"/>
+              <a:buChar char="•"/>
+            </a:pPr>
+            <a:r>
+              <a:rPr lang="en-US" sz="3360" dirty="0">
+                <a:latin typeface="Calibri" pitchFamily="34" charset="0"/>
+              </a:rPr>
+              <a:t>How do customers quickly and efficiently find personalized products of interest?</a:t>
+            </a:r>
+          </a:p>
+          <a:p>
+            <a:pPr marL="457200" indent="-457200" eaLnBrk="1" hangingPunct="1">
+              <a:buFont typeface="Arial" charset="0"/>
+              <a:buChar char="•"/>
+            </a:pPr>
+            <a:r>
+              <a:rPr lang="en-US" sz="3360" dirty="0">
+                <a:latin typeface="Calibri" pitchFamily="34" charset="0"/>
+              </a:rPr>
+              <a:t>Traditional methods make one of several critical assumptions:</a:t>
+            </a:r>
+          </a:p>
+          <a:p>
+            <a:pPr marL="1200150" lvl="1" indent="-457200" eaLnBrk="1" hangingPunct="1">
+              <a:buFont typeface="Arial" charset="0"/>
+              <a:buChar char="•"/>
+            </a:pPr>
+            <a:r>
+              <a:rPr lang="en-US" sz="3360" dirty="0">
+                <a:latin typeface="Calibri" pitchFamily="34" charset="0"/>
+              </a:rPr>
+              <a:t>Manual labeling of compatible products, especially brand-new products</a:t>
+            </a:r>
+          </a:p>
+          <a:p>
+            <a:pPr marL="1200150" lvl="1" indent="-457200" eaLnBrk="1" hangingPunct="1">
+              <a:buFont typeface="Arial" charset="0"/>
+              <a:buChar char="•"/>
+            </a:pPr>
+            <a:r>
+              <a:rPr lang="en-US" sz="3360" dirty="0">
+                <a:latin typeface="Calibri" pitchFamily="34" charset="0"/>
+              </a:rPr>
+              <a:t>Co-purchased/similar products are compatible</a:t>
+            </a:r>
+          </a:p>
+          <a:p>
+            <a:pPr lvl="1" indent="0" eaLnBrk="1" hangingPunct="1"/>
+            <a:endParaRPr lang="en-US" sz="3360" dirty="0">
+              <a:latin typeface="Calibri" pitchFamily="34" charset="0"/>
+            </a:endParaRPr>
+          </a:p>
+          <a:p>
+            <a:pPr marL="457200" indent="-457200" eaLnBrk="1" hangingPunct="1">
+              <a:buFont typeface="Arial" charset="0"/>
+              <a:buChar char="•"/>
+            </a:pPr>
+            <a:r>
+              <a:rPr lang="en-US" sz="3360" dirty="0">
+                <a:latin typeface="Calibri" pitchFamily="34" charset="0"/>
+              </a:rPr>
+              <a:t>In contrast, we will investigate the actual relationships between products in a large product dataset by creating our own definition of compatibility to propose a new and hopefully-improved recommender system</a:t>
+            </a:r>
+          </a:p>
+          <a:p>
+            <a:pPr marL="457200" indent="-457200" eaLnBrk="1" hangingPunct="1">
+              <a:buFont typeface="Arial" charset="0"/>
+              <a:buChar char="•"/>
+            </a:pPr>
+            <a:r>
+              <a:rPr lang="en-US" sz="3360" dirty="0">
+                <a:latin typeface="Calibri" pitchFamily="34" charset="0"/>
+              </a:rPr>
+              <a:t>We provide the first study of utilizing machine learning and compatibility of recommender systems in this manner</a:t>
+            </a:r>
+          </a:p>
+          <a:p>
+            <a:pPr marL="1200150" lvl="1" indent="-457200" eaLnBrk="1" hangingPunct="1">
+              <a:buFont typeface="Arial" charset="0"/>
+              <a:buChar char="•"/>
+            </a:pPr>
+            <a:endParaRPr lang="en-US" sz="3300" dirty="0">
+              <a:latin typeface="Calibri" pitchFamily="34" charset="0"/>
+            </a:endParaRPr>
+          </a:p>
+          <a:p>
+            <a:pPr lvl="1" indent="0" eaLnBrk="1" hangingPunct="1"/>
+            <a:endParaRPr lang="en-US" sz="3300" dirty="0">
+              <a:latin typeface="Calibri" pitchFamily="34" charset="0"/>
+            </a:endParaRPr>
+          </a:p>
+          <a:p>
+            <a:pPr lvl="1" indent="0" eaLnBrk="1" hangingPunct="1"/>
+            <a:endParaRPr lang="en-US" sz="3300" dirty="0">
+              <a:latin typeface="Calibri" pitchFamily="34" charset="0"/>
+            </a:endParaRPr>
           </a:p>
           <a:p>
             <a:pPr marL="457200" indent="-457200" eaLnBrk="1" hangingPunct="1">
@@ -3182,54 +3902,9 @@
               <a:buFont typeface="Arial" charset="0"/>
               <a:buChar char="•"/>
             </a:pPr>
-            <a:r>
-              <a:rPr lang="en-US" sz="3300" dirty="0">
-                <a:latin typeface="Calibri" pitchFamily="34" charset="0"/>
-              </a:rPr>
-              <a:t>Traditional methods make one of several critical assumptions:</a:t>
-            </a:r>
-          </a:p>
-          <a:p>
-            <a:pPr marL="1200150" lvl="1" indent="-457200" eaLnBrk="1" hangingPunct="1">
-              <a:buFont typeface="Arial" charset="0"/>
-              <a:buChar char="•"/>
-            </a:pPr>
-            <a:r>
-              <a:rPr lang="en-US" sz="3300" dirty="0">
-                <a:latin typeface="Calibri" pitchFamily="34" charset="0"/>
-              </a:rPr>
-              <a:t>Manual labeling of compatible products</a:t>
-            </a:r>
-          </a:p>
-          <a:p>
-            <a:pPr marL="1200150" lvl="1" indent="-457200" eaLnBrk="1" hangingPunct="1">
-              <a:buFont typeface="Arial" charset="0"/>
-              <a:buChar char="•"/>
-            </a:pPr>
-            <a:r>
-              <a:rPr lang="en-US" sz="3300" dirty="0">
-                <a:latin typeface="Calibri" pitchFamily="34" charset="0"/>
-              </a:rPr>
-              <a:t>Co-purchased products are compatible</a:t>
-            </a:r>
-          </a:p>
-          <a:p>
-            <a:pPr lvl="1" indent="0" eaLnBrk="1" hangingPunct="1"/>
             <a:endParaRPr lang="en-US" sz="3300" dirty="0">
               <a:latin typeface="Calibri" pitchFamily="34" charset="0"/>
             </a:endParaRPr>
-          </a:p>
-          <a:p>
-            <a:pPr marL="457200" indent="-457200" eaLnBrk="1" hangingPunct="1">
-              <a:buFont typeface="Arial" charset="0"/>
-              <a:buChar char="•"/>
-            </a:pPr>
-            <a:r>
-              <a:rPr lang="en-US" sz="3300" dirty="0">
-                <a:latin typeface="Calibri" pitchFamily="34" charset="0"/>
-              </a:rPr>
-              <a:t>In contrast, we investigate the relationship between large product datasets of electronic products to propose a recommender system focused on compatibility.</a:t>
-            </a:r>
           </a:p>
           <a:p>
             <a:pPr marL="457200" indent="-457200" eaLnBrk="1" hangingPunct="1">
@@ -3245,12 +3920,36 @@
               <a:buFont typeface="Arial" charset="0"/>
               <a:buChar char="•"/>
             </a:pPr>
-            <a:r>
-              <a:rPr lang="en-US" sz="3300" dirty="0">
-                <a:latin typeface="Calibri" pitchFamily="34" charset="0"/>
-              </a:rPr>
-              <a:t>We provide the first study of utilizing machine learning and compatibility in electronic recommender systems.</a:t>
-            </a:r>
+            <a:endParaRPr lang="en-US" sz="3300" dirty="0">
+              <a:latin typeface="Calibri" pitchFamily="34" charset="0"/>
+            </a:endParaRPr>
+          </a:p>
+          <a:p>
+            <a:pPr marL="457200" indent="-457200" eaLnBrk="1" hangingPunct="1">
+              <a:buFont typeface="Arial" charset="0"/>
+              <a:buChar char="•"/>
+            </a:pPr>
+            <a:endParaRPr lang="en-US" sz="3300" dirty="0">
+              <a:latin typeface="Calibri" pitchFamily="34" charset="0"/>
+            </a:endParaRPr>
+          </a:p>
+          <a:p>
+            <a:pPr marL="457200" indent="-457200" eaLnBrk="1" hangingPunct="1">
+              <a:buFont typeface="Arial" charset="0"/>
+              <a:buChar char="•"/>
+            </a:pPr>
+            <a:endParaRPr lang="en-US" sz="3300" dirty="0">
+              <a:latin typeface="Calibri" pitchFamily="34" charset="0"/>
+            </a:endParaRPr>
+          </a:p>
+          <a:p>
+            <a:pPr marL="457200" indent="-457200" eaLnBrk="1" hangingPunct="1">
+              <a:buFont typeface="Arial" charset="0"/>
+              <a:buChar char="•"/>
+            </a:pPr>
+            <a:endParaRPr lang="en-US" sz="3300" dirty="0">
+              <a:latin typeface="Calibri" pitchFamily="34" charset="0"/>
+            </a:endParaRPr>
           </a:p>
         </p:txBody>
       </p:sp>
@@ -3376,8 +4075,8 @@
         </p:nvSpPr>
         <p:spPr bwMode="auto">
           <a:xfrm>
-            <a:off x="1746503" y="31582614"/>
-            <a:ext cx="14331697" cy="6126480"/>
+            <a:off x="1737357" y="31546800"/>
+            <a:ext cx="14331697" cy="6130909"/>
           </a:xfrm>
           <a:prstGeom prst="rect">
             <a:avLst/>
@@ -3510,6 +4209,81 @@
               <a:buFont typeface="Arial" charset="0"/>
               <a:buChar char="•"/>
             </a:pPr>
+            <a:r>
+              <a:rPr lang="en-US" sz="3360" dirty="0">
+                <a:latin typeface="Calibri" pitchFamily="34" charset="0"/>
+              </a:rPr>
+              <a:t>Using our compatibility definition, we will run a fraction of the Amazon dataset through our recommendation system and record results</a:t>
+            </a:r>
+          </a:p>
+          <a:p>
+            <a:pPr marL="457200" indent="-457200" eaLnBrk="1" hangingPunct="1">
+              <a:buFont typeface="Arial" charset="0"/>
+              <a:buChar char="•"/>
+            </a:pPr>
+            <a:r>
+              <a:rPr lang="en-US" sz="3360" dirty="0">
+                <a:latin typeface="Calibri" pitchFamily="34" charset="0"/>
+              </a:rPr>
+              <a:t>Compare and contrast results from preliminary results</a:t>
+            </a:r>
+          </a:p>
+          <a:p>
+            <a:pPr marL="457200" indent="-457200" eaLnBrk="1" hangingPunct="1">
+              <a:buFont typeface="Arial" charset="0"/>
+              <a:buChar char="•"/>
+            </a:pPr>
+            <a:r>
+              <a:rPr lang="en-US" sz="3360" dirty="0">
+                <a:latin typeface="Calibri" pitchFamily="34" charset="0"/>
+              </a:rPr>
+              <a:t>Currently, we are looking at only electronic data. We are hoping to also look into other categories:</a:t>
+            </a:r>
+          </a:p>
+          <a:p>
+            <a:pPr marL="1200150" lvl="1" indent="-457200" eaLnBrk="1" hangingPunct="1">
+              <a:buFont typeface="Arial" charset="0"/>
+              <a:buChar char="•"/>
+            </a:pPr>
+            <a:r>
+              <a:rPr lang="en-US" sz="3360" dirty="0">
+                <a:latin typeface="Calibri" pitchFamily="34" charset="0"/>
+              </a:rPr>
+              <a:t>Clothing</a:t>
+            </a:r>
+          </a:p>
+          <a:p>
+            <a:pPr marL="1200150" lvl="1" indent="-457200" eaLnBrk="1" hangingPunct="1">
+              <a:buFont typeface="Arial" charset="0"/>
+              <a:buChar char="•"/>
+            </a:pPr>
+            <a:r>
+              <a:rPr lang="en-US" sz="3360" dirty="0">
+                <a:latin typeface="Calibri" pitchFamily="34" charset="0"/>
+              </a:rPr>
+              <a:t>Movies</a:t>
+            </a:r>
+          </a:p>
+          <a:p>
+            <a:pPr marL="1200150" lvl="1" indent="-457200" eaLnBrk="1" hangingPunct="1">
+              <a:buFont typeface="Arial" charset="0"/>
+              <a:buChar char="•"/>
+            </a:pPr>
+            <a:r>
+              <a:rPr lang="en-US" sz="3360" dirty="0">
+                <a:latin typeface="Calibri" pitchFamily="34" charset="0"/>
+              </a:rPr>
+              <a:t>Books</a:t>
+            </a:r>
+          </a:p>
+          <a:p>
+            <a:pPr eaLnBrk="1" hangingPunct="1"/>
+            <a:endParaRPr lang="en-US" sz="3360" dirty="0">
+              <a:latin typeface="Calibri" pitchFamily="34" charset="0"/>
+            </a:endParaRPr>
+          </a:p>
+          <a:p>
+            <a:pPr eaLnBrk="1" hangingPunct="1"/>
             <a:endParaRPr lang="en-US" sz="3360" dirty="0">
               <a:latin typeface="Calibri" pitchFamily="34" charset="0"/>
             </a:endParaRPr>
@@ -3600,150 +4374,6 @@
       </p:sp>
       <p:sp>
         <p:nvSpPr>
-          <p:cNvPr id="27" name="Text Box 189">
-            <a:extLst>
-              <a:ext uri="{FF2B5EF4-FFF2-40B4-BE49-F238E27FC236}">
-                <a16:creationId xmlns:a16="http://schemas.microsoft.com/office/drawing/2014/main" id="{7BAA2B14-9BFC-3A4B-8E59-15F10C94780C}"/>
-              </a:ext>
-            </a:extLst>
-          </p:cNvPr>
-          <p:cNvSpPr txBox="1">
-            <a:spLocks noChangeArrowheads="1"/>
-          </p:cNvSpPr>
-          <p:nvPr/>
-        </p:nvSpPr>
-        <p:spPr bwMode="auto">
-          <a:xfrm>
-            <a:off x="1755647" y="14188440"/>
-            <a:ext cx="14313407" cy="15910560"/>
-          </a:xfrm>
-          <a:prstGeom prst="rect">
-            <a:avLst/>
-          </a:prstGeom>
-          <a:solidFill>
-            <a:schemeClr val="bg1"/>
-          </a:solidFill>
-          <a:ln w="12700">
-            <a:solidFill>
-              <a:schemeClr val="accent1">
-                <a:lumMod val="75000"/>
-              </a:schemeClr>
-            </a:solidFill>
-          </a:ln>
-          <a:effectLst/>
-        </p:spPr>
-        <p:txBody>
-          <a:bodyPr wrap="square" lIns="219456" tIns="219456" rIns="219456" bIns="219456">
-            <a:spAutoFit/>
-          </a:bodyPr>
-          <a:lstStyle>
-            <a:lvl1pPr eaLnBrk="0" hangingPunct="0">
-              <a:defRPr sz="2200">
-                <a:solidFill>
-                  <a:schemeClr val="tx1"/>
-                </a:solidFill>
-                <a:latin typeface="Arial" charset="0"/>
-              </a:defRPr>
-            </a:lvl1pPr>
-            <a:lvl2pPr marL="742950" indent="-285750" eaLnBrk="0" hangingPunct="0">
-              <a:defRPr sz="2200">
-                <a:solidFill>
-                  <a:schemeClr val="tx1"/>
-                </a:solidFill>
-                <a:latin typeface="Arial" charset="0"/>
-              </a:defRPr>
-            </a:lvl2pPr>
-            <a:lvl3pPr marL="1143000" indent="-228600" eaLnBrk="0" hangingPunct="0">
-              <a:defRPr sz="2200">
-                <a:solidFill>
-                  <a:schemeClr val="tx1"/>
-                </a:solidFill>
-                <a:latin typeface="Arial" charset="0"/>
-              </a:defRPr>
-            </a:lvl3pPr>
-            <a:lvl4pPr marL="1600200" indent="-228600" eaLnBrk="0" hangingPunct="0">
-              <a:defRPr sz="2200">
-                <a:solidFill>
-                  <a:schemeClr val="tx1"/>
-                </a:solidFill>
-                <a:latin typeface="Arial" charset="0"/>
-              </a:defRPr>
-            </a:lvl4pPr>
-            <a:lvl5pPr marL="2057400" indent="-228600" eaLnBrk="0" hangingPunct="0">
-              <a:defRPr sz="2200">
-                <a:solidFill>
-                  <a:schemeClr val="tx1"/>
-                </a:solidFill>
-                <a:latin typeface="Arial" charset="0"/>
-              </a:defRPr>
-            </a:lvl5pPr>
-            <a:lvl6pPr marL="2514600" indent="-228600" eaLnBrk="0" fontAlgn="base" hangingPunct="0">
-              <a:spcBef>
-                <a:spcPct val="0"/>
-              </a:spcBef>
-              <a:spcAft>
-                <a:spcPct val="0"/>
-              </a:spcAft>
-              <a:defRPr sz="2200">
-                <a:solidFill>
-                  <a:schemeClr val="tx1"/>
-                </a:solidFill>
-                <a:latin typeface="Arial" charset="0"/>
-              </a:defRPr>
-            </a:lvl6pPr>
-            <a:lvl7pPr marL="2971800" indent="-228600" eaLnBrk="0" fontAlgn="base" hangingPunct="0">
-              <a:spcBef>
-                <a:spcPct val="0"/>
-              </a:spcBef>
-              <a:spcAft>
-                <a:spcPct val="0"/>
-              </a:spcAft>
-              <a:defRPr sz="2200">
-                <a:solidFill>
-                  <a:schemeClr val="tx1"/>
-                </a:solidFill>
-                <a:latin typeface="Arial" charset="0"/>
-              </a:defRPr>
-            </a:lvl7pPr>
-            <a:lvl8pPr marL="3429000" indent="-228600" eaLnBrk="0" fontAlgn="base" hangingPunct="0">
-              <a:spcBef>
-                <a:spcPct val="0"/>
-              </a:spcBef>
-              <a:spcAft>
-                <a:spcPct val="0"/>
-              </a:spcAft>
-              <a:defRPr sz="2200">
-                <a:solidFill>
-                  <a:schemeClr val="tx1"/>
-                </a:solidFill>
-                <a:latin typeface="Arial" charset="0"/>
-              </a:defRPr>
-            </a:lvl8pPr>
-            <a:lvl9pPr marL="3886200" indent="-228600" eaLnBrk="0" fontAlgn="base" hangingPunct="0">
-              <a:spcBef>
-                <a:spcPct val="0"/>
-              </a:spcBef>
-              <a:spcAft>
-                <a:spcPct val="0"/>
-              </a:spcAft>
-              <a:defRPr sz="2200">
-                <a:solidFill>
-                  <a:schemeClr val="tx1"/>
-                </a:solidFill>
-                <a:latin typeface="Arial" charset="0"/>
-              </a:defRPr>
-            </a:lvl9pPr>
-          </a:lstStyle>
-          <a:p>
-            <a:pPr eaLnBrk="1" hangingPunct="1"/>
-            <a:endParaRPr lang="en-US" sz="3300" dirty="0">
-              <a:latin typeface="Calibri" pitchFamily="34" charset="0"/>
-            </a:endParaRPr>
-          </a:p>
-        </p:txBody>
-      </p:sp>
-      <p:sp>
-        <p:nvSpPr>
           <p:cNvPr id="16" name="TextBox 15">
             <a:extLst>
               <a:ext uri="{FF2B5EF4-FFF2-40B4-BE49-F238E27FC236}">
@@ -3802,7 +4432,7 @@
         </p:blipFill>
         <p:spPr>
           <a:xfrm>
-            <a:off x="2057400" y="14490700"/>
+            <a:off x="2057400" y="14638564"/>
             <a:ext cx="13773766" cy="9359900"/>
           </a:xfrm>
           <a:prstGeom prst="rect">
@@ -3824,8 +4454,8 @@
         </p:nvSpPr>
         <p:spPr>
           <a:xfrm>
-            <a:off x="2057400" y="24404025"/>
-            <a:ext cx="13773766" cy="5170646"/>
+            <a:off x="2057400" y="24552393"/>
+            <a:ext cx="13773766" cy="5780044"/>
           </a:xfrm>
           <a:prstGeom prst="rect">
             <a:avLst/>
@@ -3839,295 +4469,74 @@
           <a:lstStyle/>
           <a:p>
             <a:r>
-              <a:rPr lang="en-US" sz="3300" u="sng" dirty="0">
+              <a:rPr lang="en-US" sz="3360" u="sng" dirty="0">
                 <a:latin typeface="Calibri" pitchFamily="34" charset="0"/>
               </a:rPr>
               <a:t>Amazon Dataset</a:t>
             </a:r>
             <a:r>
-              <a:rPr lang="en-US" sz="3300" dirty="0">
-                <a:latin typeface="Calibri" pitchFamily="34" charset="0"/>
-              </a:rPr>
-              <a:t> – Product information including title, description, category, co-purchased products, and other metadata.</a:t>
-            </a:r>
-          </a:p>
-          <a:p>
-            <a:r>
-              <a:rPr lang="en-US" sz="3300" u="sng" dirty="0">
+              <a:rPr lang="en-US" sz="3360" dirty="0">
+                <a:latin typeface="Calibri" pitchFamily="34" charset="0"/>
+              </a:rPr>
+              <a:t> – Product information of around 500,000 electronic products including title, description, category, co-purchased products, and other metadata</a:t>
+            </a:r>
+          </a:p>
+          <a:p>
+            <a:r>
+              <a:rPr lang="en-US" sz="3360" u="sng" dirty="0">
                 <a:latin typeface="Calibri" pitchFamily="34" charset="0"/>
               </a:rPr>
               <a:t>Google Natural Language</a:t>
             </a:r>
             <a:r>
-              <a:rPr lang="en-US" sz="3300" dirty="0">
-                <a:latin typeface="Calibri" pitchFamily="34" charset="0"/>
-              </a:rPr>
-              <a:t> – Machine learning framework designed for natural language processing to classify products based on entity and consumer good.</a:t>
-            </a:r>
-          </a:p>
-          <a:p>
-            <a:r>
-              <a:rPr lang="en-US" sz="3300" u="sng" dirty="0">
+              <a:rPr lang="en-US" sz="3360" dirty="0">
+                <a:latin typeface="Calibri" pitchFamily="34" charset="0"/>
+              </a:rPr>
+              <a:t> – Machine learning framework designed for natural language processing to classify products based on entity – consumer good</a:t>
+            </a:r>
+          </a:p>
+          <a:p>
+            <a:r>
+              <a:rPr lang="en-US" sz="3360" u="sng" dirty="0">
                 <a:latin typeface="Calibri" pitchFamily="34" charset="0"/>
               </a:rPr>
               <a:t>Product Classification</a:t>
             </a:r>
             <a:r>
-              <a:rPr lang="en-US" sz="3300" dirty="0">
-                <a:latin typeface="Calibri" pitchFamily="34" charset="0"/>
-              </a:rPr>
-              <a:t> – Store and analyze product relations from GNL in association with product categories to create a new model for compatibility.</a:t>
-            </a:r>
-          </a:p>
-          <a:p>
-            <a:r>
-              <a:rPr lang="en-US" sz="3300" u="sng" dirty="0">
+              <a:rPr lang="en-US" sz="3360" dirty="0">
+                <a:latin typeface="Calibri" pitchFamily="34" charset="0"/>
+              </a:rPr>
+              <a:t> – Store and analyze product relations from GNL in association with product categories to create a new model for compatibility</a:t>
+            </a:r>
+          </a:p>
+          <a:p>
+            <a:r>
+              <a:rPr lang="en-US" sz="3360" u="sng" dirty="0">
                 <a:latin typeface="Calibri" pitchFamily="34" charset="0"/>
               </a:rPr>
               <a:t>New Product</a:t>
             </a:r>
             <a:r>
-              <a:rPr lang="en-US" sz="3300" dirty="0">
-                <a:latin typeface="Calibri" pitchFamily="34" charset="0"/>
-              </a:rPr>
-              <a:t> – A new product that would require recommendations would be passed through GNL and our product classification model.</a:t>
-            </a:r>
-          </a:p>
-          <a:p>
-            <a:r>
-              <a:rPr lang="en-US" sz="3300" u="sng" dirty="0">
+              <a:rPr lang="en-US" sz="3360" dirty="0">
+                <a:latin typeface="Calibri" pitchFamily="34" charset="0"/>
+              </a:rPr>
+              <a:t> – A new product that requires recommendations would be passed through GNL and our product classification model</a:t>
+            </a:r>
+          </a:p>
+          <a:p>
+            <a:r>
+              <a:rPr lang="en-US" sz="3360" u="sng" dirty="0">
                 <a:latin typeface="Calibri" pitchFamily="34" charset="0"/>
               </a:rPr>
               <a:t>Compatible Product Recommendation</a:t>
             </a:r>
             <a:r>
-              <a:rPr lang="en-US" sz="3300" dirty="0">
-                <a:latin typeface="Calibri" pitchFamily="34" charset="0"/>
-              </a:rPr>
-              <a:t> – Result set of compatible products based on the classification and compatibility.</a:t>
-            </a:r>
-            <a:endParaRPr lang="en-US" sz="3300" u="sng" dirty="0"/>
-          </a:p>
-        </p:txBody>
-      </p:sp>
-      <p:sp>
-        <p:nvSpPr>
-          <p:cNvPr id="49" name="Text Box 194">
-            <a:extLst>
-              <a:ext uri="{FF2B5EF4-FFF2-40B4-BE49-F238E27FC236}">
-                <a16:creationId xmlns:a16="http://schemas.microsoft.com/office/drawing/2014/main" id="{6A3A8C0B-9388-004E-849C-1DC9750EADC1}"/>
-              </a:ext>
-            </a:extLst>
-          </p:cNvPr>
-          <p:cNvSpPr txBox="1">
-            <a:spLocks noChangeArrowheads="1"/>
-          </p:cNvSpPr>
-          <p:nvPr/>
-        </p:nvSpPr>
-        <p:spPr bwMode="auto">
-          <a:xfrm>
-            <a:off x="16898112" y="14234160"/>
-            <a:ext cx="14264640" cy="15819120"/>
-          </a:xfrm>
-          <a:prstGeom prst="rect">
-            <a:avLst/>
-          </a:prstGeom>
-          <a:solidFill>
-            <a:schemeClr val="bg1"/>
-          </a:solidFill>
-          <a:ln w="12700">
-            <a:solidFill>
-              <a:schemeClr val="accent1">
-                <a:lumMod val="75000"/>
-              </a:schemeClr>
-            </a:solidFill>
-          </a:ln>
-          <a:effectLst/>
-        </p:spPr>
-        <p:txBody>
-          <a:bodyPr lIns="219456" tIns="219456" rIns="219456" bIns="219456">
-            <a:spAutoFit/>
-          </a:bodyPr>
-          <a:lstStyle>
-            <a:lvl1pPr eaLnBrk="0" hangingPunct="0">
-              <a:defRPr sz="2200">
-                <a:solidFill>
-                  <a:schemeClr val="tx1"/>
-                </a:solidFill>
-                <a:latin typeface="Arial" charset="0"/>
-              </a:defRPr>
-            </a:lvl1pPr>
-            <a:lvl2pPr marL="742950" indent="-285750" eaLnBrk="0" hangingPunct="0">
-              <a:defRPr sz="2200">
-                <a:solidFill>
-                  <a:schemeClr val="tx1"/>
-                </a:solidFill>
-                <a:latin typeface="Arial" charset="0"/>
-              </a:defRPr>
-            </a:lvl2pPr>
-            <a:lvl3pPr marL="1143000" indent="-228600" eaLnBrk="0" hangingPunct="0">
-              <a:defRPr sz="2200">
-                <a:solidFill>
-                  <a:schemeClr val="tx1"/>
-                </a:solidFill>
-                <a:latin typeface="Arial" charset="0"/>
-              </a:defRPr>
-            </a:lvl3pPr>
-            <a:lvl4pPr marL="1600200" indent="-228600" eaLnBrk="0" hangingPunct="0">
-              <a:defRPr sz="2200">
-                <a:solidFill>
-                  <a:schemeClr val="tx1"/>
-                </a:solidFill>
-                <a:latin typeface="Arial" charset="0"/>
-              </a:defRPr>
-            </a:lvl4pPr>
-            <a:lvl5pPr marL="2057400" indent="-228600" eaLnBrk="0" hangingPunct="0">
-              <a:defRPr sz="2200">
-                <a:solidFill>
-                  <a:schemeClr val="tx1"/>
-                </a:solidFill>
-                <a:latin typeface="Arial" charset="0"/>
-              </a:defRPr>
-            </a:lvl5pPr>
-            <a:lvl6pPr marL="2514600" indent="-228600" eaLnBrk="0" fontAlgn="base" hangingPunct="0">
-              <a:spcBef>
-                <a:spcPct val="0"/>
-              </a:spcBef>
-              <a:spcAft>
-                <a:spcPct val="0"/>
-              </a:spcAft>
-              <a:defRPr sz="2200">
-                <a:solidFill>
-                  <a:schemeClr val="tx1"/>
-                </a:solidFill>
-                <a:latin typeface="Arial" charset="0"/>
-              </a:defRPr>
-            </a:lvl6pPr>
-            <a:lvl7pPr marL="2971800" indent="-228600" eaLnBrk="0" fontAlgn="base" hangingPunct="0">
-              <a:spcBef>
-                <a:spcPct val="0"/>
-              </a:spcBef>
-              <a:spcAft>
-                <a:spcPct val="0"/>
-              </a:spcAft>
-              <a:defRPr sz="2200">
-                <a:solidFill>
-                  <a:schemeClr val="tx1"/>
-                </a:solidFill>
-                <a:latin typeface="Arial" charset="0"/>
-              </a:defRPr>
-            </a:lvl7pPr>
-            <a:lvl8pPr marL="3429000" indent="-228600" eaLnBrk="0" fontAlgn="base" hangingPunct="0">
-              <a:spcBef>
-                <a:spcPct val="0"/>
-              </a:spcBef>
-              <a:spcAft>
-                <a:spcPct val="0"/>
-              </a:spcAft>
-              <a:defRPr sz="2200">
-                <a:solidFill>
-                  <a:schemeClr val="tx1"/>
-                </a:solidFill>
-                <a:latin typeface="Arial" charset="0"/>
-              </a:defRPr>
-            </a:lvl8pPr>
-            <a:lvl9pPr marL="3886200" indent="-228600" eaLnBrk="0" fontAlgn="base" hangingPunct="0">
-              <a:spcBef>
-                <a:spcPct val="0"/>
-              </a:spcBef>
-              <a:spcAft>
-                <a:spcPct val="0"/>
-              </a:spcAft>
-              <a:defRPr sz="2200">
-                <a:solidFill>
-                  <a:schemeClr val="tx1"/>
-                </a:solidFill>
-                <a:latin typeface="Arial" charset="0"/>
-              </a:defRPr>
-            </a:lvl9pPr>
-          </a:lstStyle>
-          <a:p>
-            <a:pPr eaLnBrk="1" hangingPunct="1"/>
-            <a:endParaRPr lang="en-US" sz="3360" dirty="0">
-              <a:latin typeface="Calibri" pitchFamily="34" charset="0"/>
-            </a:endParaRPr>
-          </a:p>
-          <a:p>
-            <a:pPr eaLnBrk="1" hangingPunct="1"/>
-            <a:r>
               <a:rPr lang="en-US" sz="3360" dirty="0">
                 <a:latin typeface="Calibri" pitchFamily="34" charset="0"/>
               </a:rPr>
-              <a:t>- Reason why</a:t>
-            </a:r>
-          </a:p>
-          <a:p>
-            <a:pPr eaLnBrk="1" hangingPunct="1"/>
-            <a:r>
-              <a:rPr lang="en-US" sz="3360" dirty="0">
-                <a:latin typeface="Calibri" pitchFamily="34" charset="0"/>
-              </a:rPr>
-              <a:t>Problem</a:t>
-            </a:r>
-          </a:p>
-          <a:p>
-            <a:pPr eaLnBrk="1" hangingPunct="1"/>
-            <a:r>
-              <a:rPr lang="en-US" sz="3360" dirty="0">
-                <a:latin typeface="Calibri" pitchFamily="34" charset="0"/>
-              </a:rPr>
-              <a:t>Accomplish</a:t>
-            </a:r>
-          </a:p>
-          <a:p>
-            <a:pPr eaLnBrk="1" hangingPunct="1"/>
-            <a:endParaRPr lang="en-US" sz="3360" dirty="0">
-              <a:latin typeface="Calibri" pitchFamily="34" charset="0"/>
-            </a:endParaRPr>
-          </a:p>
-          <a:p>
-            <a:pPr eaLnBrk="1" hangingPunct="1"/>
-            <a:endParaRPr lang="en-US" sz="3360" dirty="0">
-              <a:latin typeface="Calibri" pitchFamily="34" charset="0"/>
-            </a:endParaRPr>
-          </a:p>
-          <a:p>
-            <a:pPr eaLnBrk="1" hangingPunct="1"/>
-            <a:endParaRPr lang="en-US" sz="3360" dirty="0">
-              <a:latin typeface="Calibri" pitchFamily="34" charset="0"/>
-            </a:endParaRPr>
-          </a:p>
-          <a:p>
-            <a:pPr eaLnBrk="1" hangingPunct="1"/>
-            <a:endParaRPr lang="en-US" sz="3360" dirty="0">
-              <a:latin typeface="Calibri" pitchFamily="34" charset="0"/>
-            </a:endParaRPr>
-          </a:p>
-          <a:p>
-            <a:pPr eaLnBrk="1" hangingPunct="1"/>
-            <a:endParaRPr lang="en-US" sz="3360" dirty="0">
-              <a:latin typeface="Calibri" pitchFamily="34" charset="0"/>
-            </a:endParaRPr>
-          </a:p>
-          <a:p>
-            <a:pPr eaLnBrk="1" hangingPunct="1"/>
-            <a:endParaRPr lang="en-US" sz="3360" dirty="0">
-              <a:latin typeface="Calibri" pitchFamily="34" charset="0"/>
-            </a:endParaRPr>
-          </a:p>
-          <a:p>
-            <a:pPr eaLnBrk="1" hangingPunct="1"/>
-            <a:endParaRPr lang="en-US" sz="3360" dirty="0">
-              <a:latin typeface="Calibri" pitchFamily="34" charset="0"/>
-            </a:endParaRPr>
-          </a:p>
-          <a:p>
-            <a:pPr algn="just" eaLnBrk="1" hangingPunct="1"/>
-            <a:endParaRPr lang="en-US" sz="3300" dirty="0">
-              <a:latin typeface="Calibri" charset="0"/>
-              <a:ea typeface="Calibri" charset="0"/>
-              <a:cs typeface="Calibri" charset="0"/>
-            </a:endParaRPr>
+              <a:t> – Result set of compatible products based on the classification and compatibility of this new product</a:t>
+            </a:r>
+            <a:endParaRPr lang="en-US" sz="3360" u="sng" dirty="0"/>
           </a:p>
         </p:txBody>
       </p:sp>
@@ -4145,8 +4554,8 @@
         </p:nvSpPr>
         <p:spPr>
           <a:xfrm>
-            <a:off x="16898112" y="13436346"/>
-            <a:ext cx="14264640" cy="768096"/>
+            <a:off x="16916399" y="13436346"/>
+            <a:ext cx="14316037" cy="768096"/>
           </a:xfrm>
           <a:prstGeom prst="rect">
             <a:avLst/>
@@ -4195,10 +4604,72 @@
       </p:sp>
       <p:sp>
         <p:nvSpPr>
-          <p:cNvPr id="53" name="Text Box 191">
+          <p:cNvPr id="62" name="Rectangle 61">
             <a:extLst>
               <a:ext uri="{FF2B5EF4-FFF2-40B4-BE49-F238E27FC236}">
-                <a16:creationId xmlns:a16="http://schemas.microsoft.com/office/drawing/2014/main" id="{570E2655-AD9E-C247-A018-42779141C697}"/>
+                <a16:creationId xmlns:a16="http://schemas.microsoft.com/office/drawing/2014/main" id="{9D045DEE-52BE-EE4F-8D26-5E2B8AD7CC52}"/>
+              </a:ext>
+            </a:extLst>
+          </p:cNvPr>
+          <p:cNvSpPr/>
+          <p:nvPr/>
+        </p:nvSpPr>
+        <p:spPr>
+          <a:xfrm>
+            <a:off x="16909885" y="4870704"/>
+            <a:ext cx="14322552" cy="768096"/>
+          </a:xfrm>
+          <a:prstGeom prst="rect">
+            <a:avLst/>
+          </a:prstGeom>
+          <a:solidFill>
+            <a:schemeClr val="accent1">
+              <a:lumMod val="75000"/>
+            </a:schemeClr>
+          </a:solidFill>
+          <a:ln w="12700"/>
+        </p:spPr>
+        <p:style>
+          <a:lnRef idx="2">
+            <a:schemeClr val="accent1">
+              <a:shade val="50000"/>
+            </a:schemeClr>
+          </a:lnRef>
+          <a:fillRef idx="1">
+            <a:schemeClr val="accent1"/>
+          </a:fillRef>
+          <a:effectRef idx="0">
+            <a:schemeClr val="accent1"/>
+          </a:effectRef>
+          <a:fontRef idx="minor">
+            <a:schemeClr val="lt1"/>
+          </a:fontRef>
+        </p:style>
+        <p:txBody>
+          <a:bodyPr rtlCol="0" anchor="ctr"/>
+          <a:lstStyle/>
+          <a:p>
+            <a:pPr algn="ctr"/>
+            <a:r>
+              <a:rPr lang="en-US" sz="5760" b="1" dirty="0">
+                <a:solidFill>
+                  <a:schemeClr val="accent3">
+                    <a:lumMod val="20000"/>
+                    <a:lumOff val="80000"/>
+                  </a:schemeClr>
+                </a:solidFill>
+              </a:rPr>
+              <a:t>Challenges</a:t>
+            </a:r>
+          </a:p>
+        </p:txBody>
+      </p:sp>
+      <p:sp>
+        <p:nvSpPr>
+          <p:cNvPr id="49" name="Text Box 194">
+            <a:extLst>
+              <a:ext uri="{FF2B5EF4-FFF2-40B4-BE49-F238E27FC236}">
+                <a16:creationId xmlns:a16="http://schemas.microsoft.com/office/drawing/2014/main" id="{6A3A8C0B-9388-004E-849C-1DC9750EADC1}"/>
               </a:ext>
             </a:extLst>
           </p:cNvPr>
@@ -4209,8 +4680,8 @@
         </p:nvSpPr>
         <p:spPr bwMode="auto">
           <a:xfrm>
-            <a:off x="16900740" y="31546800"/>
-            <a:ext cx="14331697" cy="6126480"/>
+            <a:off x="16912933" y="14173200"/>
+            <a:ext cx="14319503" cy="20599485"/>
           </a:xfrm>
           <a:prstGeom prst="rect">
             <a:avLst/>
@@ -4330,136 +4801,562 @@
             </a:lvl9pPr>
           </a:lstStyle>
           <a:p>
-            <a:pPr marL="457200" indent="-457200">
+            <a:pPr eaLnBrk="1" hangingPunct="1"/>
+            <a:endParaRPr lang="en-US" sz="3360" dirty="0">
+              <a:latin typeface="Calibri" pitchFamily="34" charset="0"/>
+            </a:endParaRPr>
+          </a:p>
+          <a:p>
+            <a:pPr algn="ctr" eaLnBrk="1" hangingPunct="1"/>
+            <a:r>
+              <a:rPr lang="en-US" sz="3360" b="1" dirty="0">
+                <a:latin typeface="Calibri" pitchFamily="34" charset="0"/>
+              </a:rPr>
+              <a:t>ENCORE Model</a:t>
+            </a:r>
+          </a:p>
+          <a:p>
+            <a:pPr marL="457200" indent="-457200" eaLnBrk="1" hangingPunct="1">
               <a:buFont typeface="Arial" panose="020B0604020202020204" pitchFamily="34" charset="0"/>
               <a:buChar char="•"/>
             </a:pPr>
             <a:r>
-              <a:rPr lang="en-US" sz="3200" dirty="0">
-                <a:latin typeface="Cambria" panose="02040503050406030204" pitchFamily="18" charset="0"/>
-              </a:rPr>
-              <a:t>B. S. G. Linden and J. York, “</a:t>
-            </a:r>
-            <a:r>
-              <a:rPr lang="en-US" sz="3200" dirty="0" err="1">
-                <a:latin typeface="Cambria" panose="02040503050406030204" pitchFamily="18" charset="0"/>
-              </a:rPr>
-              <a:t>Amazon.com</a:t>
-            </a:r>
-            <a:r>
-              <a:rPr lang="en-US" sz="3200" dirty="0">
-                <a:latin typeface="Cambria" panose="02040503050406030204" pitchFamily="18" charset="0"/>
-              </a:rPr>
-              <a:t> </a:t>
-            </a:r>
-            <a:r>
-              <a:rPr lang="en-US" sz="3200" dirty="0" err="1">
-                <a:latin typeface="Cambria" panose="02040503050406030204" pitchFamily="18" charset="0"/>
-              </a:rPr>
-              <a:t>recommendations:Item-to-item</a:t>
-            </a:r>
-            <a:r>
-              <a:rPr lang="en-US" sz="3200" dirty="0">
-                <a:latin typeface="Cambria" panose="02040503050406030204" pitchFamily="18" charset="0"/>
-              </a:rPr>
-              <a:t> collaborative filtering,” IEEE Internet Computing, 2003.</a:t>
-            </a:r>
-          </a:p>
+              <a:rPr lang="en-US" sz="3360" dirty="0">
+                <a:latin typeface="Calibri" pitchFamily="34" charset="0"/>
+              </a:rPr>
+              <a:t>Utilizes image-based, text input, and user rating relationships to recommend compatible products</a:t>
+            </a:r>
+          </a:p>
+          <a:p>
+            <a:pPr marL="457200" indent="-457200" eaLnBrk="1" hangingPunct="1">
+              <a:buFont typeface="Arial" panose="020B0604020202020204" pitchFamily="34" charset="0"/>
+              <a:buChar char="•"/>
+            </a:pPr>
+            <a:endParaRPr lang="en-US" sz="3360" dirty="0">
+              <a:latin typeface="Calibri" pitchFamily="34" charset="0"/>
+            </a:endParaRPr>
+          </a:p>
+          <a:p>
+            <a:pPr eaLnBrk="1" hangingPunct="1"/>
+            <a:r>
+              <a:rPr lang="en-US" sz="3360" dirty="0">
+                <a:latin typeface="Calibri" pitchFamily="34" charset="0"/>
+              </a:rPr>
+              <a:t>(1)</a:t>
+            </a:r>
+          </a:p>
+          <a:p>
+            <a:pPr marL="1200150" lvl="1" indent="-457200" eaLnBrk="1" hangingPunct="1">
+              <a:buFont typeface="Arial" panose="020B0604020202020204" pitchFamily="34" charset="0"/>
+              <a:buChar char="•"/>
+            </a:pPr>
+            <a:endParaRPr lang="en-US" sz="3360" dirty="0">
+              <a:latin typeface="Calibri" pitchFamily="34" charset="0"/>
+            </a:endParaRPr>
+          </a:p>
+          <a:p>
+            <a:pPr marL="1200150" lvl="1" indent="-457200" eaLnBrk="1" hangingPunct="1">
+              <a:buFont typeface="Arial" panose="020B0604020202020204" pitchFamily="34" charset="0"/>
+              <a:buChar char="•"/>
+            </a:pPr>
+            <a:r>
+              <a:rPr lang="en-US" sz="3360" dirty="0">
+                <a:latin typeface="Calibri" pitchFamily="34" charset="0"/>
+              </a:rPr>
+              <a:t>Distance between product images, text input, and user ratings based on compatibility relationships</a:t>
+            </a:r>
+          </a:p>
+          <a:p>
+            <a:pPr marL="1200150" lvl="1" indent="-457200" eaLnBrk="1" hangingPunct="1">
+              <a:buFont typeface="Arial" panose="020B0604020202020204" pitchFamily="34" charset="0"/>
+              <a:buChar char="•"/>
+            </a:pPr>
+            <a:r>
+              <a:rPr lang="en-US" sz="3360" dirty="0">
+                <a:latin typeface="Calibri" pitchFamily="34" charset="0"/>
+              </a:rPr>
+              <a:t>       – Low-rank </a:t>
+            </a:r>
+            <a:r>
+              <a:rPr lang="en-US" sz="3360" dirty="0" err="1">
+                <a:latin typeface="Calibri" pitchFamily="34" charset="0"/>
+              </a:rPr>
+              <a:t>Mahalanobis</a:t>
+            </a:r>
+            <a:r>
+              <a:rPr lang="en-US" sz="3360" dirty="0">
+                <a:latin typeface="Calibri" pitchFamily="34" charset="0"/>
+              </a:rPr>
+              <a:t> transformation matrix</a:t>
+            </a:r>
+          </a:p>
+          <a:p>
+            <a:pPr eaLnBrk="1" hangingPunct="1"/>
+            <a:endParaRPr lang="en-US" sz="3360" dirty="0">
+              <a:latin typeface="Calibri" pitchFamily="34" charset="0"/>
+            </a:endParaRPr>
+          </a:p>
+          <a:p>
+            <a:pPr eaLnBrk="1" hangingPunct="1"/>
+            <a:r>
+              <a:rPr lang="en-US" sz="3360" dirty="0">
+                <a:latin typeface="Calibri" pitchFamily="34" charset="0"/>
+              </a:rPr>
+              <a:t>(2)</a:t>
+            </a:r>
+          </a:p>
+          <a:p>
+            <a:pPr eaLnBrk="1" hangingPunct="1"/>
+            <a:endParaRPr lang="en-US" sz="3360" dirty="0">
+              <a:latin typeface="Calibri" pitchFamily="34" charset="0"/>
+            </a:endParaRPr>
+          </a:p>
+          <a:p>
+            <a:pPr marL="1200150" lvl="1" indent="-457200" eaLnBrk="1" hangingPunct="1">
+              <a:buFont typeface="Arial" panose="020B0604020202020204" pitchFamily="34" charset="0"/>
+              <a:buChar char="•"/>
+            </a:pPr>
+            <a:r>
+              <a:rPr lang="en-US" sz="3360" dirty="0">
+                <a:latin typeface="Calibri" pitchFamily="34" charset="0"/>
+              </a:rPr>
+              <a:t>Sigmoid function – probability that relationships exist among two products</a:t>
+            </a:r>
+          </a:p>
+          <a:p>
+            <a:pPr marL="1200150" lvl="1" indent="-457200" eaLnBrk="1" hangingPunct="1">
+              <a:buFont typeface="Arial" panose="020B0604020202020204" pitchFamily="34" charset="0"/>
+              <a:buChar char="•"/>
+            </a:pPr>
+            <a:endParaRPr lang="en-US" sz="3360" dirty="0">
+              <a:latin typeface="Calibri" pitchFamily="34" charset="0"/>
+            </a:endParaRPr>
+          </a:p>
+          <a:p>
+            <a:pPr eaLnBrk="1" hangingPunct="1"/>
+            <a:r>
+              <a:rPr lang="en-US" sz="3360" dirty="0">
+                <a:latin typeface="Calibri" pitchFamily="34" charset="0"/>
+              </a:rPr>
+              <a:t>(3)</a:t>
+            </a:r>
+          </a:p>
+          <a:p>
+            <a:pPr eaLnBrk="1" hangingPunct="1"/>
+            <a:endParaRPr lang="en-US" sz="3360" dirty="0">
+              <a:latin typeface="Calibri" pitchFamily="34" charset="0"/>
+            </a:endParaRPr>
+          </a:p>
+          <a:p>
+            <a:pPr marL="1200150" lvl="1" indent="-457200" eaLnBrk="1" hangingPunct="1">
+              <a:buFont typeface="Arial" panose="020B0604020202020204" pitchFamily="34" charset="0"/>
+              <a:buChar char="•"/>
+            </a:pPr>
+            <a:r>
+              <a:rPr lang="en-US" sz="3360" dirty="0">
+                <a:latin typeface="Calibri" pitchFamily="34" charset="0"/>
+              </a:rPr>
+              <a:t>Embedded features concatenated amongst learned spaces to produce a multi-model space</a:t>
+            </a:r>
+          </a:p>
+          <a:p>
+            <a:pPr eaLnBrk="1" hangingPunct="1"/>
+            <a:endParaRPr lang="en-US" sz="3360" dirty="0">
+              <a:latin typeface="Calibri" pitchFamily="34" charset="0"/>
+            </a:endParaRPr>
+          </a:p>
+          <a:p>
+            <a:pPr eaLnBrk="1" hangingPunct="1"/>
+            <a:endParaRPr lang="en-US" sz="3360" dirty="0">
+              <a:latin typeface="Calibri" pitchFamily="34" charset="0"/>
+            </a:endParaRPr>
+          </a:p>
+          <a:p>
+            <a:pPr eaLnBrk="1" hangingPunct="1"/>
+            <a:endParaRPr lang="en-US" sz="3360" dirty="0">
+              <a:latin typeface="Calibri" pitchFamily="34" charset="0"/>
+            </a:endParaRPr>
+          </a:p>
+          <a:p>
+            <a:pPr marL="514350" indent="-514350" eaLnBrk="1" hangingPunct="1">
+              <a:buAutoNum type="arabicParenBoth"/>
+            </a:pPr>
+            <a:endParaRPr lang="en-US" sz="3360" dirty="0">
+              <a:latin typeface="Calibri" pitchFamily="34" charset="0"/>
+            </a:endParaRPr>
+          </a:p>
+          <a:p>
+            <a:pPr eaLnBrk="1" hangingPunct="1"/>
+            <a:endParaRPr lang="en-US" sz="3360" dirty="0">
+              <a:latin typeface="Calibri" pitchFamily="34" charset="0"/>
+            </a:endParaRPr>
+          </a:p>
+          <a:p>
+            <a:pPr eaLnBrk="1" hangingPunct="1"/>
+            <a:endParaRPr lang="en-US" sz="3360" dirty="0">
+              <a:latin typeface="Calibri" pitchFamily="34" charset="0"/>
+            </a:endParaRPr>
+          </a:p>
+          <a:p>
+            <a:pPr eaLnBrk="1" hangingPunct="1"/>
+            <a:endParaRPr lang="en-US" sz="3360" dirty="0">
+              <a:latin typeface="Calibri" pitchFamily="34" charset="0"/>
+            </a:endParaRPr>
+          </a:p>
+          <a:p>
+            <a:pPr eaLnBrk="1" hangingPunct="1"/>
+            <a:endParaRPr lang="en-US" sz="3360" dirty="0">
+              <a:latin typeface="Calibri" pitchFamily="34" charset="0"/>
+            </a:endParaRPr>
+          </a:p>
+          <a:p>
+            <a:pPr eaLnBrk="1" hangingPunct="1"/>
+            <a:endParaRPr lang="en-US" sz="3360" dirty="0">
+              <a:latin typeface="Calibri" pitchFamily="34" charset="0"/>
+            </a:endParaRPr>
+          </a:p>
+          <a:p>
+            <a:pPr eaLnBrk="1" hangingPunct="1"/>
+            <a:endParaRPr lang="en-US" sz="3360" dirty="0">
+              <a:latin typeface="Calibri" pitchFamily="34" charset="0"/>
+            </a:endParaRPr>
+          </a:p>
+          <a:p>
+            <a:pPr eaLnBrk="1" hangingPunct="1"/>
+            <a:endParaRPr lang="en-US" sz="3360" dirty="0">
+              <a:latin typeface="Calibri" pitchFamily="34" charset="0"/>
+            </a:endParaRPr>
+          </a:p>
+          <a:p>
+            <a:pPr eaLnBrk="1" hangingPunct="1"/>
+            <a:endParaRPr lang="en-US" sz="3360" dirty="0">
+              <a:latin typeface="Calibri" pitchFamily="34" charset="0"/>
+            </a:endParaRPr>
+          </a:p>
+          <a:p>
+            <a:pPr eaLnBrk="1" hangingPunct="1"/>
+            <a:endParaRPr lang="en-US" sz="3360" dirty="0">
+              <a:latin typeface="Calibri" pitchFamily="34" charset="0"/>
+            </a:endParaRPr>
+          </a:p>
+          <a:p>
+            <a:pPr eaLnBrk="1" hangingPunct="1"/>
+            <a:endParaRPr lang="en-US" sz="3360" dirty="0">
+              <a:latin typeface="Calibri" pitchFamily="34" charset="0"/>
+            </a:endParaRPr>
+          </a:p>
+          <a:p>
+            <a:pPr eaLnBrk="1" hangingPunct="1"/>
+            <a:endParaRPr lang="en-US" sz="3360" dirty="0">
+              <a:latin typeface="Calibri" pitchFamily="34" charset="0"/>
+            </a:endParaRPr>
+          </a:p>
+          <a:p>
+            <a:pPr eaLnBrk="1" hangingPunct="1"/>
+            <a:endParaRPr lang="en-US" sz="3360" dirty="0">
+              <a:latin typeface="Calibri" pitchFamily="34" charset="0"/>
+            </a:endParaRPr>
+          </a:p>
+          <a:p>
+            <a:pPr eaLnBrk="1" hangingPunct="1"/>
+            <a:endParaRPr lang="en-US" sz="3360" dirty="0">
+              <a:latin typeface="Calibri" pitchFamily="34" charset="0"/>
+            </a:endParaRPr>
+          </a:p>
+          <a:p>
+            <a:pPr eaLnBrk="1" hangingPunct="1"/>
+            <a:endParaRPr lang="en-US" sz="3360" dirty="0">
+              <a:latin typeface="Calibri" pitchFamily="34" charset="0"/>
+            </a:endParaRPr>
+          </a:p>
+          <a:p>
+            <a:pPr algn="just" eaLnBrk="1" hangingPunct="1"/>
+            <a:endParaRPr lang="en-US" sz="3300" dirty="0">
+              <a:latin typeface="Calibri" charset="0"/>
+              <a:ea typeface="Calibri" charset="0"/>
+              <a:cs typeface="Calibri" charset="0"/>
+            </a:endParaRPr>
+          </a:p>
+        </p:txBody>
+      </p:sp>
+      <p:pic>
+        <p:nvPicPr>
+          <p:cNvPr id="8" name="Picture 7"/>
+          <p:cNvPicPr>
+            <a:picLocks noChangeAspect="1"/>
+          </p:cNvPicPr>
+          <p:nvPr/>
+        </p:nvPicPr>
+        <p:blipFill>
+          <a:blip r:embed="rId4"/>
+          <a:stretch>
+            <a:fillRect/>
+          </a:stretch>
+        </p:blipFill>
+        <p:spPr>
+          <a:xfrm>
+            <a:off x="18221451" y="19023195"/>
+            <a:ext cx="701259" cy="525944"/>
+          </a:xfrm>
+          <a:prstGeom prst="rect">
+            <a:avLst/>
+          </a:prstGeom>
+        </p:spPr>
+      </p:pic>
+      <p:sp>
+        <p:nvSpPr>
+          <p:cNvPr id="53" name="Text Box 191">
+            <a:extLst>
+              <a:ext uri="{FF2B5EF4-FFF2-40B4-BE49-F238E27FC236}">
+                <a16:creationId xmlns:a16="http://schemas.microsoft.com/office/drawing/2014/main" id="{570E2655-AD9E-C247-A018-42779141C697}"/>
+              </a:ext>
+            </a:extLst>
+          </p:cNvPr>
+          <p:cNvSpPr txBox="1">
+            <a:spLocks noChangeArrowheads="1"/>
+          </p:cNvSpPr>
+          <p:nvPr/>
+        </p:nvSpPr>
+        <p:spPr bwMode="auto">
+          <a:xfrm>
+            <a:off x="16900740" y="31546800"/>
+            <a:ext cx="14331697" cy="6081665"/>
+          </a:xfrm>
+          <a:prstGeom prst="rect">
+            <a:avLst/>
+          </a:prstGeom>
+          <a:solidFill>
+            <a:schemeClr val="bg1"/>
+          </a:solidFill>
+          <a:ln w="12700">
+            <a:solidFill>
+              <a:schemeClr val="accent1">
+                <a:lumMod val="75000"/>
+              </a:schemeClr>
+            </a:solidFill>
+          </a:ln>
+          <a:effectLst/>
+        </p:spPr>
+        <p:txBody>
+          <a:bodyPr wrap="square" lIns="219456" tIns="219456" rIns="219456" bIns="219456">
+            <a:spAutoFit/>
+          </a:bodyPr>
+          <a:lstStyle>
+            <a:lvl1pPr eaLnBrk="0" hangingPunct="0">
+              <a:defRPr sz="2200">
+                <a:solidFill>
+                  <a:schemeClr val="tx1"/>
+                </a:solidFill>
+                <a:latin typeface="Arial" charset="0"/>
+              </a:defRPr>
+            </a:lvl1pPr>
+            <a:lvl2pPr marL="742950" indent="-285750" eaLnBrk="0" hangingPunct="0">
+              <a:defRPr sz="2200">
+                <a:solidFill>
+                  <a:schemeClr val="tx1"/>
+                </a:solidFill>
+                <a:latin typeface="Arial" charset="0"/>
+              </a:defRPr>
+            </a:lvl2pPr>
+            <a:lvl3pPr marL="1143000" indent="-228600" eaLnBrk="0" hangingPunct="0">
+              <a:defRPr sz="2200">
+                <a:solidFill>
+                  <a:schemeClr val="tx1"/>
+                </a:solidFill>
+                <a:latin typeface="Arial" charset="0"/>
+              </a:defRPr>
+            </a:lvl3pPr>
+            <a:lvl4pPr marL="1600200" indent="-228600" eaLnBrk="0" hangingPunct="0">
+              <a:defRPr sz="2200">
+                <a:solidFill>
+                  <a:schemeClr val="tx1"/>
+                </a:solidFill>
+                <a:latin typeface="Arial" charset="0"/>
+              </a:defRPr>
+            </a:lvl4pPr>
+            <a:lvl5pPr marL="2057400" indent="-228600" eaLnBrk="0" hangingPunct="0">
+              <a:defRPr sz="2200">
+                <a:solidFill>
+                  <a:schemeClr val="tx1"/>
+                </a:solidFill>
+                <a:latin typeface="Arial" charset="0"/>
+              </a:defRPr>
+            </a:lvl5pPr>
+            <a:lvl6pPr marL="2514600" indent="-228600" eaLnBrk="0" fontAlgn="base" hangingPunct="0">
+              <a:spcBef>
+                <a:spcPct val="0"/>
+              </a:spcBef>
+              <a:spcAft>
+                <a:spcPct val="0"/>
+              </a:spcAft>
+              <a:defRPr sz="2200">
+                <a:solidFill>
+                  <a:schemeClr val="tx1"/>
+                </a:solidFill>
+                <a:latin typeface="Arial" charset="0"/>
+              </a:defRPr>
+            </a:lvl6pPr>
+            <a:lvl7pPr marL="2971800" indent="-228600" eaLnBrk="0" fontAlgn="base" hangingPunct="0">
+              <a:spcBef>
+                <a:spcPct val="0"/>
+              </a:spcBef>
+              <a:spcAft>
+                <a:spcPct val="0"/>
+              </a:spcAft>
+              <a:defRPr sz="2200">
+                <a:solidFill>
+                  <a:schemeClr val="tx1"/>
+                </a:solidFill>
+                <a:latin typeface="Arial" charset="0"/>
+              </a:defRPr>
+            </a:lvl7pPr>
+            <a:lvl8pPr marL="3429000" indent="-228600" eaLnBrk="0" fontAlgn="base" hangingPunct="0">
+              <a:spcBef>
+                <a:spcPct val="0"/>
+              </a:spcBef>
+              <a:spcAft>
+                <a:spcPct val="0"/>
+              </a:spcAft>
+              <a:defRPr sz="2200">
+                <a:solidFill>
+                  <a:schemeClr val="tx1"/>
+                </a:solidFill>
+                <a:latin typeface="Arial" charset="0"/>
+              </a:defRPr>
+            </a:lvl8pPr>
+            <a:lvl9pPr marL="3886200" indent="-228600" eaLnBrk="0" fontAlgn="base" hangingPunct="0">
+              <a:spcBef>
+                <a:spcPct val="0"/>
+              </a:spcBef>
+              <a:spcAft>
+                <a:spcPct val="0"/>
+              </a:spcAft>
+              <a:defRPr sz="2200">
+                <a:solidFill>
+                  <a:schemeClr val="tx1"/>
+                </a:solidFill>
+                <a:latin typeface="Arial" charset="0"/>
+              </a:defRPr>
+            </a:lvl9pPr>
+          </a:lstStyle>
           <a:p>
             <a:pPr marL="342900" indent="-342900">
               <a:buFont typeface="Arial" panose="020B0604020202020204" pitchFamily="34" charset="0"/>
               <a:buChar char="•"/>
             </a:pPr>
-            <a:r>
-              <a:rPr lang="en-US" sz="3200" dirty="0">
+            <a:endParaRPr lang="en-US" sz="3360" dirty="0">
+              <a:latin typeface="Cambria" panose="02040503050406030204" pitchFamily="18" charset="0"/>
+            </a:endParaRPr>
+          </a:p>
+          <a:p>
+            <a:pPr indent="-457200"/>
+            <a:r>
+              <a:rPr lang="en-US" sz="3360" dirty="0">
                 <a:latin typeface="Cambria" panose="02040503050406030204" pitchFamily="18" charset="0"/>
               </a:rPr>
-              <a:t>R. P. J. J. </a:t>
-            </a:r>
-            <a:r>
-              <a:rPr lang="en-US" sz="3200" dirty="0" err="1">
+              <a:t>[1] R. P. J. J. </a:t>
+            </a:r>
+            <a:r>
+              <a:rPr lang="en-US" sz="3360" dirty="0" err="1">
                 <a:latin typeface="Cambria" panose="02040503050406030204" pitchFamily="18" charset="0"/>
               </a:rPr>
               <a:t>McAuley</a:t>
             </a:r>
             <a:r>
-              <a:rPr lang="en-US" sz="3200" dirty="0">
+              <a:rPr lang="en-US" sz="3360" dirty="0">
                 <a:latin typeface="Cambria" panose="02040503050406030204" pitchFamily="18" charset="0"/>
               </a:rPr>
               <a:t> and J. </a:t>
             </a:r>
             <a:r>
-              <a:rPr lang="en-US" sz="3200" dirty="0" err="1">
+              <a:rPr lang="en-US" sz="3360" dirty="0" err="1">
                 <a:latin typeface="Cambria" panose="02040503050406030204" pitchFamily="18" charset="0"/>
               </a:rPr>
               <a:t>Leskovec</a:t>
             </a:r>
             <a:r>
-              <a:rPr lang="en-US" sz="3200" dirty="0">
+              <a:rPr lang="en-US" sz="3360" dirty="0">
                 <a:latin typeface="Cambria" panose="02040503050406030204" pitchFamily="18" charset="0"/>
               </a:rPr>
-              <a:t>, “Inferring networks of substitutable and complementary products,” KDD, 2015.</a:t>
-            </a:r>
-          </a:p>
-          <a:p>
-            <a:pPr marL="342900" indent="-342900">
-              <a:buFont typeface="Arial" panose="020B0604020202020204" pitchFamily="34" charset="0"/>
-              <a:buChar char="•"/>
-            </a:pPr>
-            <a:r>
-              <a:rPr lang="en-US" sz="3200" dirty="0">
+              <a:t>, “Inferring networks of substitutable     and complementary products,” KDD, 2015.</a:t>
+            </a:r>
+          </a:p>
+          <a:p>
+            <a:r>
+              <a:rPr lang="en-US" sz="3360" dirty="0">
                 <a:latin typeface="Cambria" panose="02040503050406030204" pitchFamily="18" charset="0"/>
               </a:rPr>
-              <a:t>Q. S. J. J. </a:t>
-            </a:r>
-            <a:r>
-              <a:rPr lang="en-US" sz="3200" dirty="0" err="1">
+              <a:t>[2] Q. S. J. J. </a:t>
+            </a:r>
+            <a:r>
+              <a:rPr lang="en-US" sz="3360" dirty="0" err="1">
                 <a:latin typeface="Cambria" panose="02040503050406030204" pitchFamily="18" charset="0"/>
               </a:rPr>
               <a:t>McAuley</a:t>
             </a:r>
             <a:r>
-              <a:rPr lang="en-US" sz="3200" dirty="0">
+              <a:rPr lang="en-US" sz="3360" dirty="0">
                 <a:latin typeface="Cambria" panose="02040503050406030204" pitchFamily="18" charset="0"/>
               </a:rPr>
               <a:t>, C. </a:t>
             </a:r>
             <a:r>
-              <a:rPr lang="en-US" sz="3200" dirty="0" err="1">
+              <a:rPr lang="en-US" sz="3360" dirty="0" err="1">
                 <a:latin typeface="Cambria" panose="02040503050406030204" pitchFamily="18" charset="0"/>
               </a:rPr>
               <a:t>Targett</a:t>
             </a:r>
             <a:r>
-              <a:rPr lang="en-US" sz="3200" dirty="0">
+              <a:rPr lang="en-US" sz="3360" dirty="0">
                 <a:latin typeface="Cambria" panose="02040503050406030204" pitchFamily="18" charset="0"/>
               </a:rPr>
               <a:t> and A. van den </a:t>
             </a:r>
             <a:r>
-              <a:rPr lang="en-US" sz="3200" dirty="0" err="1">
+              <a:rPr lang="en-US" sz="3360" dirty="0" err="1">
                 <a:latin typeface="Cambria" panose="02040503050406030204" pitchFamily="18" charset="0"/>
               </a:rPr>
               <a:t>Hengel</a:t>
             </a:r>
             <a:r>
-              <a:rPr lang="en-US" sz="3200" dirty="0">
+              <a:rPr lang="en-US" sz="3360" dirty="0">
                 <a:latin typeface="Cambria" panose="02040503050406030204" pitchFamily="18" charset="0"/>
               </a:rPr>
               <a:t>, “Image-based recommendations on styles and substitutes,” SIGIR, 2015.</a:t>
             </a:r>
           </a:p>
           <a:p>
-            <a:pPr marL="342900" indent="-342900">
-              <a:buFont typeface="Arial" panose="020B0604020202020204" pitchFamily="34" charset="0"/>
-              <a:buChar char="•"/>
-            </a:pPr>
-            <a:r>
-              <a:rPr lang="en-US" sz="3200" dirty="0">
+            <a:r>
+              <a:rPr lang="en-US" sz="3360" dirty="0">
                 <a:latin typeface="Cambria" panose="02040503050406030204" pitchFamily="18" charset="0"/>
               </a:rPr>
-              <a:t>A. K. Menon and C. Elkan, “Link prediction via matrix factorization,” ECML, 2011.</a:t>
-            </a:r>
+              <a:t>[3] A. K. Menon and C. Elkan, “Link prediction via matrix factorization,” ECML, 2011.</a:t>
+            </a:r>
+          </a:p>
+          <a:p>
+            <a:r>
+              <a:rPr lang="en-US" sz="3360" dirty="0">
+                <a:latin typeface="Cambria" panose="02040503050406030204" pitchFamily="18" charset="0"/>
+              </a:rPr>
+              <a:t>[4] B. S. G. Linden and J. York, “Amazon.com </a:t>
+            </a:r>
+            <a:r>
+              <a:rPr lang="en-US" sz="3360" dirty="0" err="1">
+                <a:latin typeface="Cambria" panose="02040503050406030204" pitchFamily="18" charset="0"/>
+              </a:rPr>
+              <a:t>recommendations:Item-to-item</a:t>
+            </a:r>
+            <a:r>
+              <a:rPr lang="en-US" sz="3360" dirty="0">
+                <a:latin typeface="Cambria" panose="02040503050406030204" pitchFamily="18" charset="0"/>
+              </a:rPr>
+              <a:t> collaborative filtering,” IEEE Internet Computing, 2003.</a:t>
+            </a:r>
+          </a:p>
+          <a:p>
+            <a:endParaRPr lang="en-US" sz="3200" dirty="0">
+              <a:latin typeface="Cambria" panose="02040503050406030204" pitchFamily="18" charset="0"/>
+            </a:endParaRPr>
           </a:p>
           <a:p>
             <a:pPr marL="457200" indent="-457200" eaLnBrk="1" hangingPunct="1">
@@ -4534,218 +5431,192 @@
           </a:p>
         </p:txBody>
       </p:sp>
-      <p:sp>
-        <p:nvSpPr>
-          <p:cNvPr id="61" name="Text Box 189">
-            <a:extLst>
-              <a:ext uri="{FF2B5EF4-FFF2-40B4-BE49-F238E27FC236}">
-                <a16:creationId xmlns:a16="http://schemas.microsoft.com/office/drawing/2014/main" id="{7260B1EC-9F2A-544F-9872-2E4A2404DDF8}"/>
-              </a:ext>
-            </a:extLst>
-          </p:cNvPr>
-          <p:cNvSpPr txBox="1">
-            <a:spLocks noChangeArrowheads="1"/>
-          </p:cNvSpPr>
+      <p:pic>
+        <p:nvPicPr>
+          <p:cNvPr id="13" name="Picture 12"/>
+          <p:cNvPicPr>
+            <a:picLocks noChangeAspect="1"/>
+          </p:cNvPicPr>
           <p:nvPr/>
-        </p:nvSpPr>
-        <p:spPr bwMode="auto">
+        </p:nvPicPr>
+        <p:blipFill>
+          <a:blip r:embed="rId5"/>
+          <a:stretch>
+            <a:fillRect/>
+          </a:stretch>
+        </p:blipFill>
+        <p:spPr>
           <a:xfrm>
-            <a:off x="16909885" y="5604194"/>
-            <a:ext cx="14322552" cy="7040880"/>
+            <a:off x="17630754" y="25978785"/>
+            <a:ext cx="12801600" cy="4673380"/>
           </a:xfrm>
           <a:prstGeom prst="rect">
             <a:avLst/>
           </a:prstGeom>
-          <a:solidFill>
-            <a:schemeClr val="bg1"/>
-          </a:solidFill>
-          <a:ln w="12700">
-            <a:solidFill>
-              <a:schemeClr val="accent1">
-                <a:lumMod val="75000"/>
-              </a:schemeClr>
-            </a:solidFill>
-          </a:ln>
-          <a:effectLst/>
         </p:spPr>
-        <p:txBody>
-          <a:bodyPr wrap="square" lIns="219456" tIns="219456" rIns="219456" bIns="219456">
-            <a:spAutoFit/>
-          </a:bodyPr>
-          <a:lstStyle>
-            <a:lvl1pPr eaLnBrk="0" hangingPunct="0">
-              <a:defRPr sz="2200">
-                <a:solidFill>
-                  <a:schemeClr val="tx1"/>
-                </a:solidFill>
-                <a:latin typeface="Arial" charset="0"/>
-              </a:defRPr>
-            </a:lvl1pPr>
-            <a:lvl2pPr marL="742950" indent="-285750" eaLnBrk="0" hangingPunct="0">
-              <a:defRPr sz="2200">
-                <a:solidFill>
-                  <a:schemeClr val="tx1"/>
-                </a:solidFill>
-                <a:latin typeface="Arial" charset="0"/>
-              </a:defRPr>
-            </a:lvl2pPr>
-            <a:lvl3pPr marL="1143000" indent="-228600" eaLnBrk="0" hangingPunct="0">
-              <a:defRPr sz="2200">
-                <a:solidFill>
-                  <a:schemeClr val="tx1"/>
-                </a:solidFill>
-                <a:latin typeface="Arial" charset="0"/>
-              </a:defRPr>
-            </a:lvl3pPr>
-            <a:lvl4pPr marL="1600200" indent="-228600" eaLnBrk="0" hangingPunct="0">
-              <a:defRPr sz="2200">
-                <a:solidFill>
-                  <a:schemeClr val="tx1"/>
-                </a:solidFill>
-                <a:latin typeface="Arial" charset="0"/>
-              </a:defRPr>
-            </a:lvl4pPr>
-            <a:lvl5pPr marL="2057400" indent="-228600" eaLnBrk="0" hangingPunct="0">
-              <a:defRPr sz="2200">
-                <a:solidFill>
-                  <a:schemeClr val="tx1"/>
-                </a:solidFill>
-                <a:latin typeface="Arial" charset="0"/>
-              </a:defRPr>
-            </a:lvl5pPr>
-            <a:lvl6pPr marL="2514600" indent="-228600" eaLnBrk="0" fontAlgn="base" hangingPunct="0">
-              <a:spcBef>
-                <a:spcPct val="0"/>
-              </a:spcBef>
-              <a:spcAft>
-                <a:spcPct val="0"/>
-              </a:spcAft>
-              <a:defRPr sz="2200">
-                <a:solidFill>
-                  <a:schemeClr val="tx1"/>
-                </a:solidFill>
-                <a:latin typeface="Arial" charset="0"/>
-              </a:defRPr>
-            </a:lvl6pPr>
-            <a:lvl7pPr marL="2971800" indent="-228600" eaLnBrk="0" fontAlgn="base" hangingPunct="0">
-              <a:spcBef>
-                <a:spcPct val="0"/>
-              </a:spcBef>
-              <a:spcAft>
-                <a:spcPct val="0"/>
-              </a:spcAft>
-              <a:defRPr sz="2200">
-                <a:solidFill>
-                  <a:schemeClr val="tx1"/>
-                </a:solidFill>
-                <a:latin typeface="Arial" charset="0"/>
-              </a:defRPr>
-            </a:lvl7pPr>
-            <a:lvl8pPr marL="3429000" indent="-228600" eaLnBrk="0" fontAlgn="base" hangingPunct="0">
-              <a:spcBef>
-                <a:spcPct val="0"/>
-              </a:spcBef>
-              <a:spcAft>
-                <a:spcPct val="0"/>
-              </a:spcAft>
-              <a:defRPr sz="2200">
-                <a:solidFill>
-                  <a:schemeClr val="tx1"/>
-                </a:solidFill>
-                <a:latin typeface="Arial" charset="0"/>
-              </a:defRPr>
-            </a:lvl8pPr>
-            <a:lvl9pPr marL="3886200" indent="-228600" eaLnBrk="0" fontAlgn="base" hangingPunct="0">
-              <a:spcBef>
-                <a:spcPct val="0"/>
-              </a:spcBef>
-              <a:spcAft>
-                <a:spcPct val="0"/>
-              </a:spcAft>
-              <a:defRPr sz="2200">
-                <a:solidFill>
-                  <a:schemeClr val="tx1"/>
-                </a:solidFill>
-                <a:latin typeface="Arial" charset="0"/>
-              </a:defRPr>
-            </a:lvl9pPr>
-          </a:lstStyle>
-          <a:p>
-            <a:pPr marL="457200" indent="-457200" eaLnBrk="1" hangingPunct="1">
-              <a:buFont typeface="Arial" charset="0"/>
-              <a:buChar char="•"/>
-            </a:pPr>
-            <a:r>
-              <a:rPr lang="en-US" sz="3300" dirty="0">
-                <a:latin typeface="Calibri" pitchFamily="34" charset="0"/>
-              </a:rPr>
-              <a:t>.</a:t>
-            </a:r>
-          </a:p>
-        </p:txBody>
-      </p:sp>
-      <p:sp>
-        <p:nvSpPr>
-          <p:cNvPr id="62" name="Rectangle 61">
-            <a:extLst>
-              <a:ext uri="{FF2B5EF4-FFF2-40B4-BE49-F238E27FC236}">
-                <a16:creationId xmlns:a16="http://schemas.microsoft.com/office/drawing/2014/main" id="{9D045DEE-52BE-EE4F-8D26-5E2B8AD7CC52}"/>
-              </a:ext>
-            </a:extLst>
-          </p:cNvPr>
-          <p:cNvSpPr/>
+      </p:pic>
+      <p:pic>
+        <p:nvPicPr>
+          <p:cNvPr id="14" name="Picture 13"/>
+          <p:cNvPicPr>
+            <a:picLocks noChangeAspect="1"/>
+          </p:cNvPicPr>
           <p:nvPr/>
-        </p:nvSpPr>
+        </p:nvPicPr>
+        <p:blipFill>
+          <a:blip r:embed="rId6"/>
+          <a:stretch>
+            <a:fillRect/>
+          </a:stretch>
+        </p:blipFill>
         <p:spPr>
           <a:xfrm>
-            <a:off x="16909885" y="4870704"/>
-            <a:ext cx="14322552" cy="768096"/>
+            <a:off x="17354891" y="24844008"/>
+            <a:ext cx="13423393" cy="1082668"/>
           </a:xfrm>
           <a:prstGeom prst="rect">
             <a:avLst/>
           </a:prstGeom>
-          <a:solidFill>
-            <a:schemeClr val="accent1">
-              <a:lumMod val="75000"/>
-            </a:schemeClr>
-          </a:solidFill>
-          <a:ln w="12700"/>
         </p:spPr>
-        <p:style>
-          <a:lnRef idx="2">
-            <a:schemeClr val="accent1">
-              <a:shade val="50000"/>
-            </a:schemeClr>
-          </a:lnRef>
-          <a:fillRef idx="1">
-            <a:schemeClr val="accent1"/>
-          </a:fillRef>
-          <a:effectRef idx="0">
-            <a:schemeClr val="accent1"/>
-          </a:effectRef>
-          <a:fontRef idx="minor">
-            <a:schemeClr val="lt1"/>
-          </a:fontRef>
-        </p:style>
-        <p:txBody>
-          <a:bodyPr rtlCol="0" anchor="ctr"/>
-          <a:lstStyle/>
-          <a:p>
-            <a:pPr algn="ctr"/>
-            <a:r>
-              <a:rPr lang="en-US" sz="5760" b="1" dirty="0">
-                <a:solidFill>
-                  <a:schemeClr val="accent3">
-                    <a:lumMod val="20000"/>
-                    <a:lumOff val="80000"/>
-                  </a:schemeClr>
-                </a:solidFill>
-              </a:rPr>
-              <a:t>Challenges</a:t>
-            </a:r>
-          </a:p>
-        </p:txBody>
-      </p:sp>
+      </p:pic>
+      <p:pic>
+        <p:nvPicPr>
+          <p:cNvPr id="15" name="Picture 14"/>
+          <p:cNvPicPr>
+            <a:picLocks noChangeAspect="1"/>
+          </p:cNvPicPr>
+          <p:nvPr/>
+        </p:nvPicPr>
+        <p:blipFill>
+          <a:blip r:embed="rId7"/>
+          <a:stretch>
+            <a:fillRect/>
+          </a:stretch>
+        </p:blipFill>
+        <p:spPr>
+          <a:xfrm>
+            <a:off x="17630753" y="16758291"/>
+            <a:ext cx="13147530" cy="821175"/>
+          </a:xfrm>
+          <a:prstGeom prst="rect">
+            <a:avLst/>
+          </a:prstGeom>
+        </p:spPr>
+      </p:pic>
+      <p:pic>
+        <p:nvPicPr>
+          <p:cNvPr id="18" name="Picture 17"/>
+          <p:cNvPicPr>
+            <a:picLocks noChangeAspect="1"/>
+          </p:cNvPicPr>
+          <p:nvPr/>
+        </p:nvPicPr>
+        <p:blipFill>
+          <a:blip r:embed="rId8"/>
+          <a:stretch>
+            <a:fillRect/>
+          </a:stretch>
+        </p:blipFill>
+        <p:spPr>
+          <a:xfrm>
+            <a:off x="17726526" y="19838165"/>
+            <a:ext cx="13147530" cy="1100653"/>
+          </a:xfrm>
+          <a:prstGeom prst="rect">
+            <a:avLst/>
+          </a:prstGeom>
+        </p:spPr>
+      </p:pic>
+      <p:pic>
+        <p:nvPicPr>
+          <p:cNvPr id="19" name="Picture 18"/>
+          <p:cNvPicPr>
+            <a:picLocks noChangeAspect="1"/>
+          </p:cNvPicPr>
+          <p:nvPr/>
+        </p:nvPicPr>
+        <p:blipFill>
+          <a:blip r:embed="rId9"/>
+          <a:stretch>
+            <a:fillRect/>
+          </a:stretch>
+        </p:blipFill>
+        <p:spPr>
+          <a:xfrm>
+            <a:off x="17726526" y="22449692"/>
+            <a:ext cx="11506201" cy="800508"/>
+          </a:xfrm>
+          <a:prstGeom prst="rect">
+            <a:avLst/>
+          </a:prstGeom>
+        </p:spPr>
+      </p:pic>
+      <p:pic>
+        <p:nvPicPr>
+          <p:cNvPr id="4" name="Picture 3">
+            <a:extLst>
+              <a:ext uri="{FF2B5EF4-FFF2-40B4-BE49-F238E27FC236}">
+                <a16:creationId xmlns:a16="http://schemas.microsoft.com/office/drawing/2014/main" id="{A7CE6848-8C75-C643-9270-62805AA76790}"/>
+              </a:ext>
+            </a:extLst>
+          </p:cNvPr>
+          <p:cNvPicPr>
+            <a:picLocks noChangeAspect="1"/>
+          </p:cNvPicPr>
+          <p:nvPr/>
+        </p:nvPicPr>
+        <p:blipFill>
+          <a:blip r:embed="rId10"/>
+          <a:stretch>
+            <a:fillRect/>
+          </a:stretch>
+        </p:blipFill>
+        <p:spPr>
+          <a:xfrm>
+            <a:off x="28776913" y="611818"/>
+            <a:ext cx="3310881" cy="3310881"/>
+          </a:xfrm>
+          <a:prstGeom prst="rect">
+            <a:avLst/>
+          </a:prstGeom>
+        </p:spPr>
+      </p:pic>
+      <p:pic>
+        <p:nvPicPr>
+          <p:cNvPr id="5" name="Picture 4">
+            <a:extLst>
+              <a:ext uri="{FF2B5EF4-FFF2-40B4-BE49-F238E27FC236}">
+                <a16:creationId xmlns:a16="http://schemas.microsoft.com/office/drawing/2014/main" id="{AE01B5AD-84EC-BA4C-91E7-AD71B84F7D75}"/>
+              </a:ext>
+            </a:extLst>
+          </p:cNvPr>
+          <p:cNvPicPr>
+            <a:picLocks noChangeAspect="1"/>
+          </p:cNvPicPr>
+          <p:nvPr/>
+        </p:nvPicPr>
+        <p:blipFill>
+          <a:blip r:embed="rId11">
+            <a:extLst>
+              <a:ext uri="{28A0092B-C50C-407E-A947-70E740481C1C}">
+                <a14:useLocalDpi xmlns:a14="http://schemas.microsoft.com/office/drawing/2010/main" val="0"/>
+              </a:ext>
+            </a:extLst>
+          </a:blip>
+          <a:stretch>
+            <a:fillRect/>
+          </a:stretch>
+        </p:blipFill>
+        <p:spPr>
+          <a:xfrm>
+            <a:off x="8869677" y="34403142"/>
+            <a:ext cx="6629400" cy="3163689"/>
+          </a:xfrm>
+          <a:prstGeom prst="rect">
+            <a:avLst/>
+          </a:prstGeom>
+        </p:spPr>
+      </p:pic>
     </p:spTree>
     <p:extLst>
       <p:ext uri="{BB962C8B-B14F-4D97-AF65-F5344CB8AC3E}">

--- a/Documents/Poster.pptx
+++ b/Documents/Poster.pptx
@@ -124,6 +124,18 @@
     </p:ext>
   </p:extLst>
 </p:presentation>
+</file>
+
+<file path=ppt/commentAuthors.xml><?xml version="1.0" encoding="utf-8"?>
+<p:cmAuthorLst xmlns:a="http://schemas.openxmlformats.org/drawingml/2006/main" xmlns:r="http://schemas.openxmlformats.org/officeDocument/2006/relationships" xmlns:p="http://schemas.openxmlformats.org/presentationml/2006/main">
+  <p:cmAuthor id="1" name="Kevin Nguyen" initials="KN" lastIdx="1" clrIdx="0">
+    <p:extLst>
+      <p:ext uri="{19B8F6BF-5375-455C-9EA6-DF929625EA0E}">
+        <p15:presenceInfo xmlns:p15="http://schemas.microsoft.com/office/powerpoint/2012/main" userId="ce8229fa-26d4-445b-be67-b4f2dc8d562e" providerId="Windows Live"/>
+      </p:ext>
+    </p:extLst>
+  </p:cmAuthor>
+</p:cmAuthorLst>
 </file>
 
 <file path=ppt/notesMasters/notesMaster1.xml><?xml version="1.0" encoding="utf-8"?>
@@ -3649,7 +3661,7 @@
         <p:spPr bwMode="auto">
           <a:xfrm>
             <a:off x="1755648" y="5604194"/>
-            <a:ext cx="14322552" cy="12243352"/>
+            <a:ext cx="14322552" cy="8046720"/>
           </a:xfrm>
           <a:prstGeom prst="rect">
             <a:avLst/>
@@ -4076,7 +4088,7 @@
         <p:spPr bwMode="auto">
           <a:xfrm>
             <a:off x="1737357" y="31546800"/>
-            <a:ext cx="14331697" cy="6130909"/>
+            <a:ext cx="14331697" cy="6080760"/>
           </a:xfrm>
           <a:prstGeom prst="rect">
             <a:avLst/>
@@ -4226,54 +4238,6 @@
                 <a:latin typeface="Calibri" pitchFamily="34" charset="0"/>
               </a:rPr>
               <a:t>Compare and contrast results from preliminary results</a:t>
-            </a:r>
-          </a:p>
-          <a:p>
-            <a:pPr marL="457200" indent="-457200" eaLnBrk="1" hangingPunct="1">
-              <a:buFont typeface="Arial" charset="0"/>
-              <a:buChar char="•"/>
-            </a:pPr>
-            <a:r>
-              <a:rPr lang="en-US" sz="3360" dirty="0">
-                <a:latin typeface="Calibri" pitchFamily="34" charset="0"/>
-              </a:rPr>
-              <a:t>Currently, we are looking at only electronic data. We are hoping to also look into other categories:</a:t>
-            </a:r>
-          </a:p>
-          <a:p>
-            <a:pPr marL="1200150" lvl="1" indent="-457200" eaLnBrk="1" hangingPunct="1">
-              <a:buFont typeface="Arial" charset="0"/>
-              <a:buChar char="•"/>
-            </a:pPr>
-            <a:r>
-              <a:rPr lang="en-US" sz="3360" dirty="0">
-                <a:latin typeface="Calibri" pitchFamily="34" charset="0"/>
-              </a:rPr>
-              <a:t>Clothing</a:t>
-            </a:r>
-          </a:p>
-          <a:p>
-            <a:pPr marL="1200150" lvl="1" indent="-457200" eaLnBrk="1" hangingPunct="1">
-              <a:buFont typeface="Arial" charset="0"/>
-              <a:buChar char="•"/>
-            </a:pPr>
-            <a:r>
-              <a:rPr lang="en-US" sz="3360" dirty="0">
-                <a:latin typeface="Calibri" pitchFamily="34" charset="0"/>
-              </a:rPr>
-              <a:t>Movies</a:t>
-            </a:r>
-          </a:p>
-          <a:p>
-            <a:pPr marL="1200150" lvl="1" indent="-457200" eaLnBrk="1" hangingPunct="1">
-              <a:buFont typeface="Arial" charset="0"/>
-              <a:buChar char="•"/>
-            </a:pPr>
-            <a:r>
-              <a:rPr lang="en-US" sz="3360" dirty="0">
-                <a:latin typeface="Calibri" pitchFamily="34" charset="0"/>
-              </a:rPr>
-              <a:t>Books</a:t>
             </a:r>
           </a:p>
           <a:p>
@@ -5609,8 +5573,8 @@
         </p:blipFill>
         <p:spPr>
           <a:xfrm>
-            <a:off x="8869677" y="34403142"/>
-            <a:ext cx="6629400" cy="3163689"/>
+            <a:off x="4672474" y="33805771"/>
+            <a:ext cx="8543617" cy="3818245"/>
           </a:xfrm>
           <a:prstGeom prst="rect">
             <a:avLst/>

--- a/Documents/Poster.pptx
+++ b/Documents/Poster.pptx
@@ -2683,7 +2683,7 @@
         <p:spPr bwMode="auto">
           <a:xfrm>
             <a:off x="1755647" y="14188440"/>
-            <a:ext cx="14313407" cy="19232957"/>
+            <a:ext cx="14310360" cy="19232957"/>
           </a:xfrm>
           <a:prstGeom prst="rect">
             <a:avLst/>
@@ -3042,8 +3042,8 @@
         </p:nvSpPr>
         <p:spPr bwMode="auto">
           <a:xfrm>
-            <a:off x="16916400" y="5604194"/>
-            <a:ext cx="14322552" cy="9233297"/>
+            <a:off x="16900740" y="5604194"/>
+            <a:ext cx="14341260" cy="9233297"/>
           </a:xfrm>
           <a:prstGeom prst="rect">
             <a:avLst/>
@@ -4087,8 +4087,8 @@
         </p:nvSpPr>
         <p:spPr bwMode="auto">
           <a:xfrm>
-            <a:off x="1737357" y="31546800"/>
-            <a:ext cx="14331697" cy="6080760"/>
+            <a:off x="1752600" y="31546800"/>
+            <a:ext cx="14313407" cy="6080760"/>
           </a:xfrm>
           <a:prstGeom prst="rect">
             <a:avLst/>
@@ -4262,8 +4262,8 @@
         </p:nvSpPr>
         <p:spPr>
           <a:xfrm>
-            <a:off x="1746503" y="30784800"/>
-            <a:ext cx="14331697" cy="768096"/>
+            <a:off x="1752599" y="30784800"/>
+            <a:ext cx="14325601" cy="768096"/>
           </a:xfrm>
           <a:prstGeom prst="rect">
             <a:avLst/>
@@ -4580,8 +4580,8 @@
         </p:nvSpPr>
         <p:spPr>
           <a:xfrm>
-            <a:off x="16909885" y="4870704"/>
-            <a:ext cx="14322552" cy="768096"/>
+            <a:off x="16894645" y="4870704"/>
+            <a:ext cx="14347355" cy="768096"/>
           </a:xfrm>
           <a:prstGeom prst="rect">
             <a:avLst/>
@@ -4644,8 +4644,8 @@
         </p:nvSpPr>
         <p:spPr bwMode="auto">
           <a:xfrm>
-            <a:off x="16912933" y="14173200"/>
-            <a:ext cx="14319503" cy="20599485"/>
+            <a:off x="16885500" y="14173200"/>
+            <a:ext cx="14346936" cy="20599485"/>
           </a:xfrm>
           <a:prstGeom prst="rect">
             <a:avLst/>
@@ -5084,7 +5084,7 @@
         <p:spPr bwMode="auto">
           <a:xfrm>
             <a:off x="16900740" y="31546800"/>
-            <a:ext cx="14331697" cy="6081665"/>
+            <a:ext cx="14331697" cy="6080760"/>
           </a:xfrm>
           <a:prstGeom prst="rect">
             <a:avLst/>
